--- a/slides/04 - E4 - Neo4j.pptx
+++ b/slides/04 - E4 - Neo4j.pptx
@@ -228,7 +228,7 @@
           <a:p>
             <a:fld id="{8C81D565-392B-4AB9-9647-420EF17AA3FC}" type="datetimeFigureOut">
               <a:rPr lang="it-IT" smtClean="0"/>
-              <a:t>18/02/2020</a:t>
+              <a:t>22/12/2021</a:t>
             </a:fld>
             <a:endParaRPr lang="it-IT" dirty="0"/>
           </a:p>
@@ -292,38 +292,37 @@
           <a:p>
             <a:pPr lvl="0"/>
             <a:r>
-              <a:rPr lang="it-IT" smtClean="0"/>
+              <a:rPr lang="it-IT"/>
               <a:t>Fare clic per modificare stili del testo dello schema</a:t>
             </a:r>
           </a:p>
           <a:p>
             <a:pPr lvl="1"/>
             <a:r>
-              <a:rPr lang="it-IT" smtClean="0"/>
+              <a:rPr lang="it-IT"/>
               <a:t>Secondo livello</a:t>
             </a:r>
           </a:p>
           <a:p>
             <a:pPr lvl="2"/>
             <a:r>
-              <a:rPr lang="it-IT" smtClean="0"/>
+              <a:rPr lang="it-IT"/>
               <a:t>Terzo livello</a:t>
             </a:r>
           </a:p>
           <a:p>
             <a:pPr lvl="3"/>
             <a:r>
-              <a:rPr lang="it-IT" smtClean="0"/>
+              <a:rPr lang="it-IT"/>
               <a:t>Quarto livello</a:t>
             </a:r>
           </a:p>
           <a:p>
             <a:pPr lvl="4"/>
             <a:r>
-              <a:rPr lang="it-IT" smtClean="0"/>
+              <a:rPr lang="it-IT"/>
               <a:t>Quinto livello</a:t>
             </a:r>
-            <a:endParaRPr lang="it-IT"/>
           </a:p>
         </p:txBody>
       </p:sp>
@@ -549,7 +548,7 @@
               <a:buFont typeface="Arial" panose="020B0604020202020204" pitchFamily="34" charset="0"/>
               <a:buNone/>
             </a:pPr>
-            <a:endParaRPr lang="it-IT" baseline="0" dirty="0" smtClean="0"/>
+            <a:endParaRPr lang="it-IT" baseline="0" dirty="0"/>
           </a:p>
         </p:txBody>
       </p:sp>
@@ -719,7 +718,7 @@
           </a:lstStyle>
           <a:p>
             <a:r>
-              <a:rPr lang="it-IT" smtClean="0"/>
+              <a:rPr lang="it-IT"/>
               <a:t>Fare clic per modificare lo stile del titolo</a:t>
             </a:r>
             <a:endParaRPr lang="en-US" dirty="0"/>
@@ -791,7 +790,7 @@
           </a:lstStyle>
           <a:p>
             <a:r>
-              <a:rPr lang="it-IT" smtClean="0"/>
+              <a:rPr lang="it-IT"/>
               <a:t>Fare clic per modificare lo stile del sottotitolo dello schema</a:t>
             </a:r>
             <a:endParaRPr lang="en-US" dirty="0"/>
@@ -815,7 +814,7 @@
           <a:p>
             <a:fld id="{65061730-2F0F-4B55-83F4-33856D80FFD7}" type="datetime1">
               <a:rPr lang="en-US" smtClean="0"/>
-              <a:t>2/18/2020</a:t>
+              <a:t>12/22/2021</a:t>
             </a:fld>
             <a:endParaRPr lang="en-US" dirty="0"/>
           </a:p>
@@ -947,7 +946,7 @@
           <a:lstStyle/>
           <a:p>
             <a:r>
-              <a:rPr lang="it-IT" smtClean="0"/>
+              <a:rPr lang="it-IT"/>
               <a:t>Fare clic per modificare lo stile del titolo</a:t>
             </a:r>
             <a:endParaRPr lang="en-US" dirty="0"/>
@@ -971,35 +970,35 @@
           <a:p>
             <a:pPr lvl="0"/>
             <a:r>
-              <a:rPr lang="it-IT" smtClean="0"/>
+              <a:rPr lang="it-IT"/>
               <a:t>Fare clic per modificare stili del testo dello schema</a:t>
             </a:r>
           </a:p>
           <a:p>
             <a:pPr lvl="1"/>
             <a:r>
-              <a:rPr lang="it-IT" smtClean="0"/>
+              <a:rPr lang="it-IT"/>
               <a:t>Secondo livello</a:t>
             </a:r>
           </a:p>
           <a:p>
             <a:pPr lvl="2"/>
             <a:r>
-              <a:rPr lang="it-IT" smtClean="0"/>
+              <a:rPr lang="it-IT"/>
               <a:t>Terzo livello</a:t>
             </a:r>
           </a:p>
           <a:p>
             <a:pPr lvl="3"/>
             <a:r>
-              <a:rPr lang="it-IT" smtClean="0"/>
+              <a:rPr lang="it-IT"/>
               <a:t>Quarto livello</a:t>
             </a:r>
           </a:p>
           <a:p>
             <a:pPr lvl="4"/>
             <a:r>
-              <a:rPr lang="it-IT" smtClean="0"/>
+              <a:rPr lang="it-IT"/>
               <a:t>Quinto livello</a:t>
             </a:r>
             <a:endParaRPr lang="en-US" dirty="0"/>
@@ -1023,7 +1022,7 @@
           <a:p>
             <a:fld id="{BE1035D6-F845-4530-B289-DD4EC9CAE501}" type="datetime1">
               <a:rPr lang="en-US" smtClean="0"/>
-              <a:t>2/18/2020</a:t>
+              <a:t>12/22/2021</a:t>
             </a:fld>
             <a:endParaRPr lang="en-US" dirty="0"/>
           </a:p>
@@ -1198,7 +1197,7 @@
           <a:lstStyle/>
           <a:p>
             <a:r>
-              <a:rPr lang="it-IT" smtClean="0"/>
+              <a:rPr lang="it-IT"/>
               <a:t>Fare clic per modificare lo stile del titolo</a:t>
             </a:r>
             <a:endParaRPr lang="en-US" dirty="0"/>
@@ -1227,35 +1226,35 @@
           <a:p>
             <a:pPr lvl="0"/>
             <a:r>
-              <a:rPr lang="it-IT" smtClean="0"/>
+              <a:rPr lang="it-IT"/>
               <a:t>Fare clic per modificare stili del testo dello schema</a:t>
             </a:r>
           </a:p>
           <a:p>
             <a:pPr lvl="1"/>
             <a:r>
-              <a:rPr lang="it-IT" smtClean="0"/>
+              <a:rPr lang="it-IT"/>
               <a:t>Secondo livello</a:t>
             </a:r>
           </a:p>
           <a:p>
             <a:pPr lvl="2"/>
             <a:r>
-              <a:rPr lang="it-IT" smtClean="0"/>
+              <a:rPr lang="it-IT"/>
               <a:t>Terzo livello</a:t>
             </a:r>
           </a:p>
           <a:p>
             <a:pPr lvl="3"/>
             <a:r>
-              <a:rPr lang="it-IT" smtClean="0"/>
+              <a:rPr lang="it-IT"/>
               <a:t>Quarto livello</a:t>
             </a:r>
           </a:p>
           <a:p>
             <a:pPr lvl="4"/>
             <a:r>
-              <a:rPr lang="it-IT" smtClean="0"/>
+              <a:rPr lang="it-IT"/>
               <a:t>Quinto livello</a:t>
             </a:r>
             <a:endParaRPr lang="en-US" dirty="0"/>
@@ -1279,7 +1278,7 @@
           <a:p>
             <a:fld id="{EDD3DE46-844C-40F1-AAA7-78AD6518D44C}" type="datetime1">
               <a:rPr lang="en-US" smtClean="0"/>
-              <a:t>2/18/2020</a:t>
+              <a:t>12/22/2021</a:t>
             </a:fld>
             <a:endParaRPr lang="en-US" dirty="0"/>
           </a:p>
@@ -1375,7 +1374,7 @@
           <a:lstStyle/>
           <a:p>
             <a:r>
-              <a:rPr lang="it-IT" smtClean="0"/>
+              <a:rPr lang="it-IT"/>
               <a:t>Fare clic per modificare lo stile del titolo</a:t>
             </a:r>
             <a:endParaRPr lang="en-US" dirty="0"/>
@@ -1399,35 +1398,35 @@
           <a:p>
             <a:pPr lvl="0"/>
             <a:r>
-              <a:rPr lang="it-IT" smtClean="0"/>
+              <a:rPr lang="it-IT"/>
               <a:t>Fare clic per modificare stili del testo dello schema</a:t>
             </a:r>
           </a:p>
           <a:p>
             <a:pPr lvl="1"/>
             <a:r>
-              <a:rPr lang="it-IT" smtClean="0"/>
+              <a:rPr lang="it-IT"/>
               <a:t>Secondo livello</a:t>
             </a:r>
           </a:p>
           <a:p>
             <a:pPr lvl="2"/>
             <a:r>
-              <a:rPr lang="it-IT" smtClean="0"/>
+              <a:rPr lang="it-IT"/>
               <a:t>Terzo livello</a:t>
             </a:r>
           </a:p>
           <a:p>
             <a:pPr lvl="3"/>
             <a:r>
-              <a:rPr lang="it-IT" smtClean="0"/>
+              <a:rPr lang="it-IT"/>
               <a:t>Quarto livello</a:t>
             </a:r>
           </a:p>
           <a:p>
             <a:pPr lvl="4"/>
             <a:r>
-              <a:rPr lang="it-IT" smtClean="0"/>
+              <a:rPr lang="it-IT"/>
               <a:t>Quinto livello</a:t>
             </a:r>
             <a:endParaRPr lang="en-US" dirty="0"/>
@@ -1451,7 +1450,7 @@
           <a:p>
             <a:fld id="{1FCF7768-7A83-43C9-9C3D-95CD5F68D7E2}" type="datetime1">
               <a:rPr lang="en-US" smtClean="0"/>
-              <a:t>2/18/2020</a:t>
+              <a:t>12/22/2021</a:t>
             </a:fld>
             <a:endParaRPr lang="en-US" dirty="0"/>
           </a:p>
@@ -1650,7 +1649,7 @@
           </a:lstStyle>
           <a:p>
             <a:r>
-              <a:rPr lang="it-IT" smtClean="0"/>
+              <a:rPr lang="it-IT"/>
               <a:t>Fare clic per modificare lo stile del titolo</a:t>
             </a:r>
             <a:endParaRPr lang="en-US" dirty="0"/>
@@ -1771,7 +1770,7 @@
           <a:p>
             <a:pPr lvl="0"/>
             <a:r>
-              <a:rPr lang="it-IT" smtClean="0"/>
+              <a:rPr lang="it-IT"/>
               <a:t>Fare clic per modificare stili del testo dello schema</a:t>
             </a:r>
           </a:p>
@@ -1794,7 +1793,7 @@
           <a:p>
             <a:fld id="{58DD30C4-1715-4BC2-976F-EF7BA4DC70B4}" type="datetime1">
               <a:rPr lang="en-US" smtClean="0"/>
-              <a:t>2/18/2020</a:t>
+              <a:t>12/22/2021</a:t>
             </a:fld>
             <a:endParaRPr lang="en-US" dirty="0"/>
           </a:p>
@@ -1931,7 +1930,7 @@
           <a:lstStyle/>
           <a:p>
             <a:r>
-              <a:rPr lang="it-IT" smtClean="0"/>
+              <a:rPr lang="it-IT"/>
               <a:t>Fare clic per modificare lo stile del titolo</a:t>
             </a:r>
             <a:endParaRPr lang="en-US" dirty="0"/>
@@ -1960,35 +1959,35 @@
           <a:p>
             <a:pPr lvl="0"/>
             <a:r>
-              <a:rPr lang="it-IT" smtClean="0"/>
+              <a:rPr lang="it-IT"/>
               <a:t>Fare clic per modificare stili del testo dello schema</a:t>
             </a:r>
           </a:p>
           <a:p>
             <a:pPr lvl="1"/>
             <a:r>
-              <a:rPr lang="it-IT" smtClean="0"/>
+              <a:rPr lang="it-IT"/>
               <a:t>Secondo livello</a:t>
             </a:r>
           </a:p>
           <a:p>
             <a:pPr lvl="2"/>
             <a:r>
-              <a:rPr lang="it-IT" smtClean="0"/>
+              <a:rPr lang="it-IT"/>
               <a:t>Terzo livello</a:t>
             </a:r>
           </a:p>
           <a:p>
             <a:pPr lvl="3"/>
             <a:r>
-              <a:rPr lang="it-IT" smtClean="0"/>
+              <a:rPr lang="it-IT"/>
               <a:t>Quarto livello</a:t>
             </a:r>
           </a:p>
           <a:p>
             <a:pPr lvl="4"/>
             <a:r>
-              <a:rPr lang="it-IT" smtClean="0"/>
+              <a:rPr lang="it-IT"/>
               <a:t>Quinto livello</a:t>
             </a:r>
             <a:endParaRPr lang="en-US" dirty="0"/>
@@ -2017,35 +2016,35 @@
           <a:p>
             <a:pPr lvl="0"/>
             <a:r>
-              <a:rPr lang="it-IT" smtClean="0"/>
+              <a:rPr lang="it-IT"/>
               <a:t>Fare clic per modificare stili del testo dello schema</a:t>
             </a:r>
           </a:p>
           <a:p>
             <a:pPr lvl="1"/>
             <a:r>
-              <a:rPr lang="it-IT" smtClean="0"/>
+              <a:rPr lang="it-IT"/>
               <a:t>Secondo livello</a:t>
             </a:r>
           </a:p>
           <a:p>
             <a:pPr lvl="2"/>
             <a:r>
-              <a:rPr lang="it-IT" smtClean="0"/>
+              <a:rPr lang="it-IT"/>
               <a:t>Terzo livello</a:t>
             </a:r>
           </a:p>
           <a:p>
             <a:pPr lvl="3"/>
             <a:r>
-              <a:rPr lang="it-IT" smtClean="0"/>
+              <a:rPr lang="it-IT"/>
               <a:t>Quarto livello</a:t>
             </a:r>
           </a:p>
           <a:p>
             <a:pPr lvl="4"/>
             <a:r>
-              <a:rPr lang="it-IT" smtClean="0"/>
+              <a:rPr lang="it-IT"/>
               <a:t>Quinto livello</a:t>
             </a:r>
             <a:endParaRPr lang="en-US" dirty="0"/>
@@ -2069,7 +2068,7 @@
           <a:p>
             <a:fld id="{E92CF10C-564E-48D4-BE3A-05BB93A7F107}" type="datetime1">
               <a:rPr lang="en-US" smtClean="0"/>
-              <a:t>2/18/2020</a:t>
+              <a:t>12/22/2021</a:t>
             </a:fld>
             <a:endParaRPr lang="en-US" dirty="0"/>
           </a:p>
@@ -2168,7 +2167,7 @@
           <a:lstStyle/>
           <a:p>
             <a:r>
-              <a:rPr lang="it-IT" smtClean="0"/>
+              <a:rPr lang="it-IT"/>
               <a:t>Fare clic per modificare lo stile del titolo</a:t>
             </a:r>
             <a:endParaRPr lang="en-US" dirty="0"/>
@@ -2240,7 +2239,7 @@
           <a:p>
             <a:pPr lvl="0"/>
             <a:r>
-              <a:rPr lang="it-IT" smtClean="0"/>
+              <a:rPr lang="it-IT"/>
               <a:t>Fare clic per modificare stili del testo dello schema</a:t>
             </a:r>
           </a:p>
@@ -2268,35 +2267,35 @@
           <a:p>
             <a:pPr lvl="0"/>
             <a:r>
-              <a:rPr lang="it-IT" smtClean="0"/>
+              <a:rPr lang="it-IT"/>
               <a:t>Fare clic per modificare stili del testo dello schema</a:t>
             </a:r>
           </a:p>
           <a:p>
             <a:pPr lvl="1"/>
             <a:r>
-              <a:rPr lang="it-IT" smtClean="0"/>
+              <a:rPr lang="it-IT"/>
               <a:t>Secondo livello</a:t>
             </a:r>
           </a:p>
           <a:p>
             <a:pPr lvl="2"/>
             <a:r>
-              <a:rPr lang="it-IT" smtClean="0"/>
+              <a:rPr lang="it-IT"/>
               <a:t>Terzo livello</a:t>
             </a:r>
           </a:p>
           <a:p>
             <a:pPr lvl="3"/>
             <a:r>
-              <a:rPr lang="it-IT" smtClean="0"/>
+              <a:rPr lang="it-IT"/>
               <a:t>Quarto livello</a:t>
             </a:r>
           </a:p>
           <a:p>
             <a:pPr lvl="4"/>
             <a:r>
-              <a:rPr lang="it-IT" smtClean="0"/>
+              <a:rPr lang="it-IT"/>
               <a:t>Quinto livello</a:t>
             </a:r>
             <a:endParaRPr lang="en-US" dirty="0"/>
@@ -2368,7 +2367,7 @@
           <a:p>
             <a:pPr lvl="0"/>
             <a:r>
-              <a:rPr lang="it-IT" smtClean="0"/>
+              <a:rPr lang="it-IT"/>
               <a:t>Fare clic per modificare stili del testo dello schema</a:t>
             </a:r>
           </a:p>
@@ -2396,35 +2395,35 @@
           <a:p>
             <a:pPr lvl="0"/>
             <a:r>
-              <a:rPr lang="it-IT" smtClean="0"/>
+              <a:rPr lang="it-IT"/>
               <a:t>Fare clic per modificare stili del testo dello schema</a:t>
             </a:r>
           </a:p>
           <a:p>
             <a:pPr lvl="1"/>
             <a:r>
-              <a:rPr lang="it-IT" smtClean="0"/>
+              <a:rPr lang="it-IT"/>
               <a:t>Secondo livello</a:t>
             </a:r>
           </a:p>
           <a:p>
             <a:pPr lvl="2"/>
             <a:r>
-              <a:rPr lang="it-IT" smtClean="0"/>
+              <a:rPr lang="it-IT"/>
               <a:t>Terzo livello</a:t>
             </a:r>
           </a:p>
           <a:p>
             <a:pPr lvl="3"/>
             <a:r>
-              <a:rPr lang="it-IT" smtClean="0"/>
+              <a:rPr lang="it-IT"/>
               <a:t>Quarto livello</a:t>
             </a:r>
           </a:p>
           <a:p>
             <a:pPr lvl="4"/>
             <a:r>
-              <a:rPr lang="it-IT" smtClean="0"/>
+              <a:rPr lang="it-IT"/>
               <a:t>Quinto livello</a:t>
             </a:r>
             <a:endParaRPr lang="en-US" dirty="0"/>
@@ -2448,7 +2447,7 @@
           <a:p>
             <a:fld id="{CEF5B9DB-33AD-46E7-ADFD-C52815BFEA09}" type="datetime1">
               <a:rPr lang="en-US" smtClean="0"/>
-              <a:t>2/18/2020</a:t>
+              <a:t>12/22/2021</a:t>
             </a:fld>
             <a:endParaRPr lang="en-US" dirty="0"/>
           </a:p>
@@ -2542,7 +2541,7 @@
           <a:lstStyle/>
           <a:p>
             <a:r>
-              <a:rPr lang="it-IT" smtClean="0"/>
+              <a:rPr lang="it-IT"/>
               <a:t>Fare clic per modificare lo stile del titolo</a:t>
             </a:r>
             <a:endParaRPr lang="en-US" dirty="0"/>
@@ -2566,7 +2565,7 @@
           <a:p>
             <a:fld id="{EFC02824-932F-46A1-8D0D-D52979BEE663}" type="datetime1">
               <a:rPr lang="en-US" smtClean="0"/>
-              <a:t>2/18/2020</a:t>
+              <a:t>12/22/2021</a:t>
             </a:fld>
             <a:endParaRPr lang="en-US" dirty="0"/>
           </a:p>
@@ -2737,7 +2736,7 @@
           <a:p>
             <a:fld id="{36233CB2-1968-4F08-9AB4-83693145DE18}" type="datetime1">
               <a:rPr lang="en-US" smtClean="0"/>
-              <a:t>2/18/2020</a:t>
+              <a:t>12/22/2021</a:t>
             </a:fld>
             <a:endParaRPr lang="en-US" dirty="0"/>
           </a:p>
@@ -2931,7 +2930,7 @@
           </a:lstStyle>
           <a:p>
             <a:r>
-              <a:rPr lang="it-IT" smtClean="0"/>
+              <a:rPr lang="it-IT"/>
               <a:t>Fare clic per modificare lo stile del titolo</a:t>
             </a:r>
             <a:endParaRPr lang="en-US" dirty="0"/>
@@ -2960,35 +2959,35 @@
           <a:p>
             <a:pPr lvl="0"/>
             <a:r>
-              <a:rPr lang="it-IT" smtClean="0"/>
+              <a:rPr lang="it-IT"/>
               <a:t>Fare clic per modificare stili del testo dello schema</a:t>
             </a:r>
           </a:p>
           <a:p>
             <a:pPr lvl="1"/>
             <a:r>
-              <a:rPr lang="it-IT" smtClean="0"/>
+              <a:rPr lang="it-IT"/>
               <a:t>Secondo livello</a:t>
             </a:r>
           </a:p>
           <a:p>
             <a:pPr lvl="2"/>
             <a:r>
-              <a:rPr lang="it-IT" smtClean="0"/>
+              <a:rPr lang="it-IT"/>
               <a:t>Terzo livello</a:t>
             </a:r>
           </a:p>
           <a:p>
             <a:pPr lvl="3"/>
             <a:r>
-              <a:rPr lang="it-IT" smtClean="0"/>
+              <a:rPr lang="it-IT"/>
               <a:t>Quarto livello</a:t>
             </a:r>
           </a:p>
           <a:p>
             <a:pPr lvl="4"/>
             <a:r>
-              <a:rPr lang="it-IT" smtClean="0"/>
+              <a:rPr lang="it-IT"/>
               <a:t>Quinto livello</a:t>
             </a:r>
             <a:endParaRPr lang="en-US" dirty="0"/>
@@ -3060,7 +3059,7 @@
           <a:p>
             <a:pPr lvl="0"/>
             <a:r>
-              <a:rPr lang="it-IT" smtClean="0"/>
+              <a:rPr lang="it-IT"/>
               <a:t>Fare clic per modificare stili del testo dello schema</a:t>
             </a:r>
           </a:p>
@@ -3092,7 +3091,7 @@
           <a:p>
             <a:fld id="{F8F6D7E5-1322-4764-A2E4-7B71FFFDE726}" type="datetime1">
               <a:rPr lang="en-US" smtClean="0"/>
-              <a:t>2/18/2020</a:t>
+              <a:t>12/22/2021</a:t>
             </a:fld>
             <a:endParaRPr lang="en-US" dirty="0"/>
           </a:p>
@@ -3299,7 +3298,7 @@
           </a:lstStyle>
           <a:p>
             <a:r>
-              <a:rPr lang="it-IT" smtClean="0"/>
+              <a:rPr lang="it-IT"/>
               <a:t>Fare clic per modificare lo stile del titolo</a:t>
             </a:r>
             <a:endParaRPr lang="en-US" dirty="0"/>
@@ -3369,7 +3368,7 @@
           </a:lstStyle>
           <a:p>
             <a:r>
-              <a:rPr lang="it-IT" dirty="0" smtClean="0"/>
+              <a:rPr lang="it-IT" dirty="0"/>
               <a:t>Fare clic sull'icona per inserire un'immagine</a:t>
             </a:r>
             <a:endParaRPr lang="en-US" dirty="0"/>
@@ -3447,7 +3446,7 @@
           <a:p>
             <a:pPr lvl="0"/>
             <a:r>
-              <a:rPr lang="it-IT" smtClean="0"/>
+              <a:rPr lang="it-IT"/>
               <a:t>Fare clic per modificare stili del testo dello schema</a:t>
             </a:r>
           </a:p>
@@ -3470,7 +3469,7 @@
           <a:p>
             <a:fld id="{E26D0A1A-929F-4DC6-9A8A-74A15252C912}" type="datetime1">
               <a:rPr lang="en-US" smtClean="0"/>
-              <a:t>2/18/2020</a:t>
+              <a:t>12/22/2021</a:t>
             </a:fld>
             <a:endParaRPr lang="en-US" dirty="0"/>
           </a:p>
@@ -3655,7 +3654,7 @@
           <a:lstStyle/>
           <a:p>
             <a:r>
-              <a:rPr lang="it-IT" smtClean="0"/>
+              <a:rPr lang="it-IT"/>
               <a:t>Fare clic per modificare lo stile del titolo</a:t>
             </a:r>
             <a:endParaRPr lang="en-US" dirty="0"/>
@@ -3689,35 +3688,35 @@
           <a:p>
             <a:pPr lvl="0"/>
             <a:r>
-              <a:rPr lang="it-IT" smtClean="0"/>
+              <a:rPr lang="it-IT"/>
               <a:t>Fare clic per modificare stili del testo dello schema</a:t>
             </a:r>
           </a:p>
           <a:p>
             <a:pPr lvl="1"/>
             <a:r>
-              <a:rPr lang="it-IT" smtClean="0"/>
+              <a:rPr lang="it-IT"/>
               <a:t>Secondo livello</a:t>
             </a:r>
           </a:p>
           <a:p>
             <a:pPr lvl="2"/>
             <a:r>
-              <a:rPr lang="it-IT" smtClean="0"/>
+              <a:rPr lang="it-IT"/>
               <a:t>Terzo livello</a:t>
             </a:r>
           </a:p>
           <a:p>
             <a:pPr lvl="3"/>
             <a:r>
-              <a:rPr lang="it-IT" smtClean="0"/>
+              <a:rPr lang="it-IT"/>
               <a:t>Quarto livello</a:t>
             </a:r>
           </a:p>
           <a:p>
             <a:pPr lvl="4"/>
             <a:r>
-              <a:rPr lang="it-IT" smtClean="0"/>
+              <a:rPr lang="it-IT"/>
               <a:t>Quinto livello</a:t>
             </a:r>
             <a:endParaRPr lang="en-US" dirty="0"/>
@@ -3757,7 +3756,7 @@
           <a:p>
             <a:fld id="{EDD3DE46-844C-40F1-AAA7-78AD6518D44C}" type="datetime1">
               <a:rPr lang="en-US" smtClean="0"/>
-              <a:t>2/18/2020</a:t>
+              <a:t>12/22/2021</a:t>
             </a:fld>
             <a:endParaRPr lang="en-US" dirty="0"/>
           </a:p>
@@ -4307,10 +4306,9 @@
           <a:p>
             <a:pPr algn="ctr"/>
             <a:r>
-              <a:rPr lang="it-IT" noProof="0" dirty="0" smtClean="0"/>
+              <a:rPr lang="it-IT" noProof="0" dirty="0"/>
               <a:t>Neo4j</a:t>
             </a:r>
-            <a:endParaRPr lang="it-IT" noProof="0" dirty="0"/>
           </a:p>
         </p:txBody>
       </p:sp>
@@ -4337,10 +4335,9 @@
           <a:lstStyle/>
           <a:p>
             <a:r>
-              <a:rPr lang="it-IT" noProof="0" dirty="0" smtClean="0"/>
+              <a:rPr lang="it-IT" noProof="0" dirty="0"/>
               <a:t>GRAPH DATABASE</a:t>
             </a:r>
-            <a:endParaRPr lang="it-IT" noProof="0" dirty="0"/>
           </a:p>
         </p:txBody>
       </p:sp>
@@ -4625,13 +4622,6 @@
   <p:clrMapOvr>
     <a:masterClrMapping/>
   </p:clrMapOvr>
-  <p:timing>
-    <p:tnLst>
-      <p:par>
-        <p:cTn id="1" dur="indefinite" restart="never" nodeType="tmRoot"/>
-      </p:par>
-    </p:tnLst>
-  </p:timing>
 </p:sld>
 </file>
 
@@ -4668,14 +4658,13 @@
           <a:lstStyle/>
           <a:p>
             <a:r>
-              <a:rPr lang="it-IT" dirty="0" err="1" smtClean="0"/>
+              <a:rPr lang="it-IT" dirty="0" err="1"/>
               <a:t>Cypher</a:t>
             </a:r>
             <a:r>
-              <a:rPr lang="it-IT" dirty="0" smtClean="0"/>
+              <a:rPr lang="it-IT" dirty="0"/>
               <a:t> - Esempi</a:t>
             </a:r>
-            <a:endParaRPr lang="it-IT" dirty="0"/>
           </a:p>
         </p:txBody>
       </p:sp>
@@ -4695,19 +4684,15 @@
           <a:lstStyle/>
           <a:p>
             <a:r>
-              <a:rPr lang="it-IT" dirty="0" smtClean="0"/>
+              <a:rPr lang="it-IT" dirty="0"/>
               <a:t>Esempi</a:t>
             </a:r>
           </a:p>
           <a:p>
             <a:pPr lvl="1"/>
             <a:r>
-              <a:rPr lang="it-IT" dirty="0" smtClean="0"/>
-              <a:t>MATCH </a:t>
-            </a:r>
-            <a:r>
-              <a:rPr lang="it-IT" dirty="0"/>
-              <a:t>(</a:t>
+              <a:rPr lang="it-IT" dirty="0"/>
+              <a:t>MATCH (</a:t>
             </a:r>
             <a:r>
               <a:rPr lang="it-IT" dirty="0" err="1"/>
@@ -4726,29 +4711,25 @@
               <a:t>]-&gt;(</a:t>
             </a:r>
             <a:r>
-              <a:rPr lang="it-IT" dirty="0" err="1" smtClean="0"/>
+              <a:rPr lang="it-IT" dirty="0" err="1"/>
               <a:t>f:Person</a:t>
             </a:r>
             <a:r>
-              <a:rPr lang="it-IT" dirty="0" smtClean="0"/>
+              <a:rPr lang="it-IT" dirty="0"/>
               <a:t>)</a:t>
             </a:r>
             <a:br>
-              <a:rPr lang="it-IT" dirty="0" smtClean="0"/>
+              <a:rPr lang="it-IT" dirty="0"/>
             </a:br>
             <a:r>
-              <a:rPr lang="it-IT" dirty="0" smtClean="0"/>
-              <a:t>RETURN </a:t>
-            </a:r>
-            <a:r>
-              <a:rPr lang="it-IT" dirty="0"/>
-              <a:t>p.name, </a:t>
-            </a:r>
-            <a:r>
-              <a:rPr lang="it-IT" dirty="0" err="1" smtClean="0"/>
+              <a:rPr lang="it-IT" dirty="0"/>
+              <a:t>RETURN p.name, </a:t>
+            </a:r>
+            <a:r>
+              <a:rPr lang="it-IT" dirty="0" err="1"/>
               <a:t>f.sex</a:t>
             </a:r>
-            <a:endParaRPr lang="it-IT" dirty="0" smtClean="0"/>
+            <a:endParaRPr lang="it-IT" dirty="0"/>
           </a:p>
           <a:p>
             <a:pPr lvl="1"/>
@@ -4756,7 +4737,7 @@
           </a:p>
           <a:p>
             <a:pPr lvl="1"/>
-            <a:endParaRPr lang="it-IT" dirty="0" smtClean="0"/>
+            <a:endParaRPr lang="it-IT" dirty="0"/>
           </a:p>
           <a:p>
             <a:pPr lvl="1"/>
@@ -4764,29 +4745,25 @@
           </a:p>
           <a:p>
             <a:pPr lvl="1"/>
-            <a:endParaRPr lang="it-IT" dirty="0" smtClean="0"/>
+            <a:endParaRPr lang="it-IT" dirty="0"/>
           </a:p>
           <a:p>
             <a:pPr lvl="1"/>
-            <a:endParaRPr lang="it-IT" dirty="0" smtClean="0"/>
+            <a:endParaRPr lang="it-IT" dirty="0"/>
           </a:p>
           <a:p>
             <a:pPr lvl="1"/>
-            <a:endParaRPr lang="it-IT" dirty="0" smtClean="0"/>
+            <a:endParaRPr lang="it-IT" dirty="0"/>
           </a:p>
           <a:p>
             <a:pPr lvl="1"/>
-            <a:endParaRPr lang="it-IT" dirty="0" smtClean="0"/>
+            <a:endParaRPr lang="it-IT" dirty="0"/>
           </a:p>
           <a:p>
             <a:pPr lvl="1"/>
             <a:r>
-              <a:rPr lang="it-IT" dirty="0" smtClean="0"/>
-              <a:t>MATCH </a:t>
-            </a:r>
-            <a:r>
-              <a:rPr lang="it-IT" dirty="0"/>
-              <a:t>(</a:t>
+              <a:rPr lang="it-IT" dirty="0"/>
+              <a:t>MATCH (</a:t>
             </a:r>
             <a:r>
               <a:rPr lang="it-IT" dirty="0" err="1"/>
@@ -4821,23 +4798,19 @@
               <a:t>]-&gt;(</a:t>
             </a:r>
             <a:r>
-              <a:rPr lang="it-IT" dirty="0" err="1" smtClean="0"/>
+              <a:rPr lang="it-IT" dirty="0" err="1"/>
               <a:t>fof:Person</a:t>
             </a:r>
             <a:r>
-              <a:rPr lang="it-IT" dirty="0" smtClean="0"/>
+              <a:rPr lang="it-IT" dirty="0"/>
               <a:t>)</a:t>
             </a:r>
             <a:br>
-              <a:rPr lang="it-IT" dirty="0" smtClean="0"/>
+              <a:rPr lang="it-IT" dirty="0"/>
             </a:br>
             <a:r>
-              <a:rPr lang="it-IT" dirty="0" smtClean="0"/>
-              <a:t>RETURN </a:t>
-            </a:r>
-            <a:r>
-              <a:rPr lang="it-IT" dirty="0"/>
-              <a:t>p.name, fof.name</a:t>
+              <a:rPr lang="it-IT" dirty="0"/>
+              <a:t>RETURN p.name, fof.name</a:t>
             </a:r>
           </a:p>
         </p:txBody>
@@ -4983,14 +4956,13 @@
           <a:lstStyle/>
           <a:p>
             <a:r>
-              <a:rPr lang="it-IT" dirty="0" err="1" smtClean="0"/>
+              <a:rPr lang="it-IT" dirty="0" err="1"/>
               <a:t>Cypher</a:t>
             </a:r>
             <a:r>
-              <a:rPr lang="it-IT" dirty="0" smtClean="0"/>
+              <a:rPr lang="it-IT" dirty="0"/>
               <a:t> – Sintassi dei pattern</a:t>
             </a:r>
-            <a:endParaRPr lang="it-IT" dirty="0"/>
           </a:p>
         </p:txBody>
       </p:sp>
@@ -5017,23 +4989,21 @@
           <a:lstStyle/>
           <a:p>
             <a:r>
-              <a:rPr lang="it-IT" dirty="0" smtClean="0"/>
+              <a:rPr lang="it-IT" dirty="0"/>
               <a:t>Sintassi per i nodi</a:t>
             </a:r>
-            <a:endParaRPr lang="it-IT" dirty="0"/>
           </a:p>
           <a:p>
             <a:pPr lvl="1"/>
             <a:r>
-              <a:rPr lang="it-IT" dirty="0" smtClean="0"/>
+              <a:rPr lang="it-IT" dirty="0"/>
               <a:t>() 					nodo non identificato</a:t>
             </a:r>
-            <a:endParaRPr lang="it-IT" dirty="0"/>
           </a:p>
           <a:p>
             <a:pPr lvl="1"/>
             <a:r>
-              <a:rPr lang="it-IT" dirty="0" smtClean="0"/>
+              <a:rPr lang="it-IT" dirty="0"/>
               <a:t>(</a:t>
             </a:r>
             <a:r>
@@ -5042,14 +5012,10 @@
             </a:r>
             <a:r>
               <a:rPr lang="it-IT" dirty="0"/>
-              <a:t>) </a:t>
-            </a:r>
-            <a:r>
-              <a:rPr lang="it-IT" dirty="0" smtClean="0"/>
-              <a:t>				nodo identificato dalla variabile </a:t>
-            </a:r>
-            <a:r>
-              <a:rPr lang="it-IT" i="1" dirty="0" err="1" smtClean="0"/>
+              <a:t>) 				nodo identificato dalla variabile </a:t>
+            </a:r>
+            <a:r>
+              <a:rPr lang="it-IT" i="1" dirty="0" err="1"/>
               <a:t>matrix</a:t>
             </a:r>
             <a:endParaRPr lang="it-IT" dirty="0"/>
@@ -5057,26 +5023,14 @@
           <a:p>
             <a:pPr lvl="1"/>
             <a:r>
-              <a:rPr lang="it-IT" dirty="0" smtClean="0"/>
-              <a:t>(:</a:t>
-            </a:r>
-            <a:r>
-              <a:rPr lang="it-IT" dirty="0"/>
-              <a:t>Movie) </a:t>
-            </a:r>
-            <a:r>
-              <a:rPr lang="it-IT" dirty="0" smtClean="0"/>
-              <a:t>				nodo non identificato di classe </a:t>
-            </a:r>
-            <a:r>
-              <a:rPr lang="it-IT" dirty="0"/>
-              <a:t>Movie</a:t>
+              <a:rPr lang="it-IT" dirty="0"/>
+              <a:t>(:Movie) 				nodo non identificato di classe Movie</a:t>
             </a:r>
           </a:p>
           <a:p>
             <a:pPr lvl="1"/>
             <a:r>
-              <a:rPr lang="it-IT" dirty="0" smtClean="0"/>
+              <a:rPr lang="it-IT" dirty="0"/>
               <a:t>(</a:t>
             </a:r>
             <a:r>
@@ -5085,25 +5039,13 @@
             </a:r>
             <a:r>
               <a:rPr lang="it-IT" dirty="0"/>
-              <a:t>) </a:t>
-            </a:r>
-            <a:r>
-              <a:rPr lang="it-IT" dirty="0" smtClean="0"/>
-              <a:t>			nodo con classi Movie e </a:t>
-            </a:r>
-            <a:r>
-              <a:rPr lang="it-IT" dirty="0"/>
-              <a:t>Action </a:t>
-            </a:r>
-            <a:r>
-              <a:rPr lang="it-IT" dirty="0" smtClean="0"/>
-              <a:t>identificato</a:t>
+              <a:t>) 			nodo con classi Movie e Action identificato</a:t>
             </a:r>
             <a:br>
-              <a:rPr lang="it-IT" dirty="0" smtClean="0"/>
+              <a:rPr lang="it-IT" dirty="0"/>
             </a:br>
             <a:r>
-              <a:rPr lang="it-IT" dirty="0" smtClean="0"/>
+              <a:rPr lang="it-IT" dirty="0"/>
               <a:t>					dalla variabile </a:t>
             </a:r>
             <a:r>
@@ -5115,7 +5057,7 @@
           <a:p>
             <a:pPr lvl="1"/>
             <a:r>
-              <a:rPr lang="it-IT" dirty="0" smtClean="0"/>
+              <a:rPr lang="it-IT" dirty="0"/>
               <a:t>(</a:t>
             </a:r>
             <a:r>
@@ -5132,11 +5074,7 @@
             </a:r>
             <a:r>
               <a:rPr lang="it-IT" dirty="0"/>
-              <a:t>: "The Matrix"}) </a:t>
-            </a:r>
-            <a:r>
-              <a:rPr lang="it-IT" dirty="0" smtClean="0"/>
-              <a:t>		+ con una proprietà </a:t>
+              <a:t>: "The Matrix"}) 		+ con una proprietà </a:t>
             </a:r>
             <a:r>
               <a:rPr lang="it-IT" i="1" dirty="0" err="1"/>
@@ -5144,21 +5082,13 @@
             </a:r>
             <a:r>
               <a:rPr lang="it-IT" dirty="0"/>
-              <a:t> </a:t>
-            </a:r>
-            <a:r>
-              <a:rPr lang="it-IT" dirty="0" smtClean="0"/>
-              <a:t>uguale a </a:t>
-            </a:r>
-            <a:r>
-              <a:rPr lang="it-IT" dirty="0"/>
-              <a:t>“The Matrix”</a:t>
+              <a:t> uguale a “The Matrix”</a:t>
             </a:r>
           </a:p>
           <a:p>
             <a:pPr lvl="1"/>
             <a:r>
-              <a:rPr lang="it-IT" dirty="0" smtClean="0"/>
+              <a:rPr lang="it-IT" dirty="0"/>
               <a:t>(</a:t>
             </a:r>
             <a:r>
@@ -5183,19 +5113,7 @@
             </a:r>
             <a:r>
               <a:rPr lang="it-IT" dirty="0"/>
-              <a:t>: 1997}) </a:t>
-            </a:r>
-            <a:r>
-              <a:rPr lang="it-IT" dirty="0" smtClean="0"/>
-              <a:t>	+ </a:t>
-            </a:r>
-            <a:r>
-              <a:rPr lang="it-IT" dirty="0"/>
-              <a:t>con una proprietà</a:t>
-            </a:r>
-            <a:r>
-              <a:rPr lang="it-IT" dirty="0" smtClean="0"/>
-              <a:t> </a:t>
+              <a:t>: 1997}) 	+ con una proprietà </a:t>
             </a:r>
             <a:r>
               <a:rPr lang="it-IT" i="1" dirty="0" err="1"/>
@@ -5203,48 +5121,33 @@
             </a:r>
             <a:r>
               <a:rPr lang="it-IT" dirty="0"/>
-              <a:t> </a:t>
-            </a:r>
-            <a:r>
-              <a:rPr lang="it-IT" dirty="0" smtClean="0"/>
-              <a:t>uguale a 1997</a:t>
-            </a:r>
-            <a:endParaRPr lang="it-IT" dirty="0"/>
-          </a:p>
-          <a:p>
-            <a:r>
-              <a:rPr lang="it-IT" dirty="0" smtClean="0"/>
+              <a:t> uguale a 1997</a:t>
+            </a:r>
+          </a:p>
+          <a:p>
+            <a:r>
+              <a:rPr lang="it-IT" dirty="0"/>
               <a:t>Sintassi per gli archi</a:t>
             </a:r>
-            <a:endParaRPr lang="it-IT" dirty="0"/>
           </a:p>
           <a:p>
             <a:pPr lvl="1"/>
             <a:r>
-              <a:rPr lang="it-IT" dirty="0" smtClean="0"/>
+              <a:rPr lang="it-IT" dirty="0"/>
               <a:t>--&gt; 					arco non identificato</a:t>
             </a:r>
           </a:p>
           <a:p>
             <a:pPr lvl="1"/>
             <a:r>
-              <a:rPr lang="it-IT" dirty="0" smtClean="0"/>
-              <a:t>--					arco </a:t>
-            </a:r>
-            <a:r>
-              <a:rPr lang="it-IT" dirty="0"/>
-              <a:t>non </a:t>
-            </a:r>
-            <a:r>
-              <a:rPr lang="it-IT" dirty="0" smtClean="0"/>
-              <a:t>identificato senza direzione</a:t>
-            </a:r>
-            <a:endParaRPr lang="it-IT" dirty="0"/>
+              <a:rPr lang="it-IT" dirty="0"/>
+              <a:t>--					arco non identificato senza direzione</a:t>
+            </a:r>
           </a:p>
           <a:p>
             <a:pPr lvl="1"/>
             <a:r>
-              <a:rPr lang="it-IT" dirty="0" smtClean="0"/>
+              <a:rPr lang="it-IT" dirty="0"/>
               <a:t>-[</a:t>
             </a:r>
             <a:r>
@@ -5253,11 +5156,7 @@
             </a:r>
             <a:r>
               <a:rPr lang="it-IT" dirty="0"/>
-              <a:t>]-&gt; </a:t>
-            </a:r>
-            <a:r>
-              <a:rPr lang="it-IT" dirty="0" smtClean="0"/>
-              <a:t>				arco identificato dalla variabile </a:t>
+              <a:t>]-&gt; 				arco identificato dalla variabile </a:t>
             </a:r>
             <a:r>
               <a:rPr lang="it-IT" i="1" dirty="0" err="1"/>
@@ -5268,26 +5167,14 @@
           <a:p>
             <a:pPr lvl="1"/>
             <a:r>
-              <a:rPr lang="it-IT" dirty="0" smtClean="0"/>
-              <a:t>-[:</a:t>
-            </a:r>
-            <a:r>
-              <a:rPr lang="it-IT" dirty="0"/>
-              <a:t>ACTED_IN]-&gt; </a:t>
-            </a:r>
-            <a:r>
-              <a:rPr lang="it-IT" dirty="0" smtClean="0"/>
-              <a:t>				arco non identificato di classe </a:t>
-            </a:r>
-            <a:r>
-              <a:rPr lang="it-IT" dirty="0"/>
-              <a:t>ACTED_IN</a:t>
+              <a:rPr lang="it-IT" dirty="0"/>
+              <a:t>-[:ACTED_IN]-&gt; 				arco non identificato di classe ACTED_IN</a:t>
             </a:r>
           </a:p>
           <a:p>
             <a:pPr lvl="1"/>
             <a:r>
-              <a:rPr lang="it-IT" dirty="0" smtClean="0"/>
+              <a:rPr lang="it-IT" dirty="0"/>
               <a:t>-[</a:t>
             </a:r>
             <a:r>
@@ -5296,17 +5183,13 @@
             </a:r>
             <a:r>
               <a:rPr lang="it-IT" dirty="0"/>
-              <a:t>]-&gt; </a:t>
-            </a:r>
-            <a:r>
-              <a:rPr lang="it-IT" dirty="0" smtClean="0"/>
-              <a:t>			arco di classe ACTED_IN identificato dalla </a:t>
+              <a:t>]-&gt; 			arco di classe ACTED_IN identificato dalla </a:t>
             </a:r>
             <a:br>
-              <a:rPr lang="it-IT" dirty="0" smtClean="0"/>
+              <a:rPr lang="it-IT" dirty="0"/>
             </a:br>
             <a:r>
-              <a:rPr lang="it-IT" dirty="0" smtClean="0"/>
+              <a:rPr lang="it-IT" dirty="0"/>
               <a:t>					variabile </a:t>
             </a:r>
             <a:r>
@@ -5318,7 +5201,7 @@
           <a:p>
             <a:pPr lvl="1"/>
             <a:r>
-              <a:rPr lang="it-IT" dirty="0" smtClean="0"/>
+              <a:rPr lang="it-IT" dirty="0"/>
               <a:t>-[</a:t>
             </a:r>
             <a:r>
@@ -5335,11 +5218,7 @@
             </a:r>
             <a:r>
               <a:rPr lang="it-IT" dirty="0"/>
-              <a:t>: ["Neo"]}]-&gt; </a:t>
-            </a:r>
-            <a:r>
-              <a:rPr lang="it-IT" dirty="0" smtClean="0"/>
-              <a:t>		+ con proprietà </a:t>
+              <a:t>: ["Neo"]}]-&gt; 		+ con proprietà </a:t>
             </a:r>
             <a:r>
               <a:rPr lang="it-IT" i="1" dirty="0" err="1"/>
@@ -5347,15 +5226,7 @@
             </a:r>
             <a:r>
               <a:rPr lang="it-IT" dirty="0"/>
-              <a:t> </a:t>
-            </a:r>
-            <a:r>
-              <a:rPr lang="it-IT" dirty="0" smtClean="0"/>
-              <a:t>che contiene </a:t>
-            </a:r>
-            <a:r>
-              <a:rPr lang="it-IT" dirty="0"/>
-              <a:t>“Neo”</a:t>
+              <a:t> che contiene “Neo”</a:t>
             </a:r>
           </a:p>
         </p:txBody>
@@ -5429,14 +5300,13 @@
           <a:lstStyle/>
           <a:p>
             <a:r>
-              <a:rPr lang="it-IT" dirty="0" err="1" smtClean="0"/>
+              <a:rPr lang="it-IT" dirty="0" err="1"/>
               <a:t>Cypher</a:t>
             </a:r>
             <a:r>
-              <a:rPr lang="it-IT" dirty="0" smtClean="0"/>
+              <a:rPr lang="it-IT" dirty="0"/>
               <a:t> – Sintassi dei pattern</a:t>
             </a:r>
-            <a:endParaRPr lang="it-IT" dirty="0"/>
           </a:p>
         </p:txBody>
       </p:sp>
@@ -5463,22 +5333,21 @@
           <a:lstStyle/>
           <a:p>
             <a:r>
-              <a:rPr lang="it-IT" dirty="0" smtClean="0"/>
+              <a:rPr lang="it-IT" dirty="0"/>
               <a:t>Sintassi per i percorsi</a:t>
             </a:r>
-            <a:endParaRPr lang="it-IT" dirty="0"/>
           </a:p>
           <a:p>
             <a:pPr lvl="1"/>
             <a:r>
-              <a:rPr lang="it-IT" dirty="0" smtClean="0"/>
+              <a:rPr lang="it-IT" dirty="0"/>
               <a:t>Un percorso è una stringa in cui si alternano nodi ed archi</a:t>
             </a:r>
           </a:p>
           <a:p>
             <a:pPr lvl="1"/>
             <a:r>
-              <a:rPr lang="it-IT" dirty="0" smtClean="0"/>
+              <a:rPr lang="it-IT" dirty="0"/>
               <a:t>Un percorso inizia e termina sempre con un nodo</a:t>
             </a:r>
           </a:p>
@@ -5490,15 +5359,7 @@
                   <a:srgbClr val="1B6AA3"/>
                 </a:solidFill>
               </a:rPr>
-              <a:t>(a)--&gt;(b)&lt;--(c)--(d)--&gt;(a)--&gt;(e</a:t>
-            </a:r>
-            <a:r>
-              <a:rPr lang="pt-BR" dirty="0" smtClean="0">
-                <a:solidFill>
-                  <a:srgbClr val="1B6AA3"/>
-                </a:solidFill>
-              </a:rPr>
-              <a:t>)</a:t>
+              <a:t>(a)--&gt;(b)&lt;--(c)--(d)--&gt;(a)--&gt;(e)</a:t>
             </a:r>
           </a:p>
           <a:p>
@@ -5523,15 +5384,11 @@
               <a:rPr lang="it-IT" dirty="0"/>
               <a:t>: "Keanu Reeves"}) </a:t>
             </a:r>
-            <a:r>
-              <a:rPr lang="it-IT" dirty="0" smtClean="0"/>
-              <a:t/>
-            </a:r>
             <a:br>
-              <a:rPr lang="it-IT" dirty="0" smtClean="0"/>
+              <a:rPr lang="it-IT" dirty="0"/>
             </a:br>
             <a:r>
-              <a:rPr lang="it-IT" dirty="0" smtClean="0"/>
+              <a:rPr lang="it-IT" dirty="0"/>
               <a:t>	-[</a:t>
             </a:r>
             <a:r>
@@ -5550,15 +5407,11 @@
               <a:rPr lang="it-IT" dirty="0"/>
               <a:t>: ["Neo"]}]-&gt; </a:t>
             </a:r>
-            <a:r>
-              <a:rPr lang="it-IT" dirty="0" smtClean="0"/>
-              <a:t/>
-            </a:r>
             <a:br>
-              <a:rPr lang="it-IT" dirty="0" smtClean="0"/>
+              <a:rPr lang="it-IT" dirty="0"/>
             </a:br>
             <a:r>
-              <a:rPr lang="it-IT" dirty="0" smtClean="0"/>
+              <a:rPr lang="it-IT" dirty="0"/>
               <a:t>		(</a:t>
             </a:r>
             <a:r>
@@ -5575,21 +5428,17 @@
             </a:r>
             <a:r>
               <a:rPr lang="it-IT" dirty="0"/>
-              <a:t>: "The Matrix</a:t>
-            </a:r>
-            <a:r>
-              <a:rPr lang="it-IT" dirty="0" smtClean="0"/>
-              <a:t>"})</a:t>
+              <a:t>: "The Matrix"})</a:t>
             </a:r>
           </a:p>
           <a:p>
             <a:pPr lvl="1"/>
-            <a:endParaRPr lang="it-IT" dirty="0" smtClean="0"/>
+            <a:endParaRPr lang="it-IT" dirty="0"/>
           </a:p>
           <a:p>
             <a:pPr lvl="1"/>
             <a:r>
-              <a:rPr lang="it-IT" dirty="0" smtClean="0"/>
+              <a:rPr lang="it-IT" dirty="0"/>
               <a:t>Si possono specificare più percorsi, a patto che siano collegati da almeno una variabile condivisa</a:t>
             </a:r>
           </a:p>
@@ -5603,51 +5452,27 @@
               </a:rPr>
               <a:t>(a)--&gt;(b)&lt;--(c)--(d)--&gt;(a)--&gt;(e), </a:t>
             </a:r>
-            <a:r>
-              <a:rPr lang="pt-BR" dirty="0" smtClean="0"/>
-              <a:t/>
-            </a:r>
             <a:br>
-              <a:rPr lang="pt-BR" dirty="0" smtClean="0"/>
+              <a:rPr lang="pt-BR" dirty="0"/>
             </a:br>
-            <a:r>
-              <a:rPr lang="pt-BR" dirty="0" smtClean="0">
-                <a:solidFill>
-                  <a:srgbClr val="FF0000"/>
-                </a:solidFill>
-              </a:rPr>
-              <a:t>(</a:t>
-            </a:r>
             <a:r>
               <a:rPr lang="pt-BR" dirty="0">
                 <a:solidFill>
                   <a:srgbClr val="FF0000"/>
                 </a:solidFill>
               </a:rPr>
-              <a:t>e)--&gt;(b)--&gt;(d), </a:t>
-            </a:r>
-            <a:r>
-              <a:rPr lang="pt-BR" dirty="0" smtClean="0"/>
-              <a:t/>
+              <a:t>(e)--&gt;(b)--&gt;(d), </a:t>
             </a:r>
             <a:br>
-              <a:rPr lang="pt-BR" dirty="0" smtClean="0"/>
+              <a:rPr lang="pt-BR" dirty="0"/>
             </a:br>
-            <a:r>
-              <a:rPr lang="pt-BR" dirty="0" smtClean="0">
-                <a:solidFill>
-                  <a:srgbClr val="FF9230"/>
-                </a:solidFill>
-              </a:rPr>
-              <a:t>(</a:t>
-            </a:r>
             <a:r>
               <a:rPr lang="pt-BR" dirty="0">
                 <a:solidFill>
                   <a:srgbClr val="FF9230"/>
                 </a:solidFill>
               </a:rPr>
-              <a:t>a)--&gt;(a)</a:t>
+              <a:t>(a)--&gt;(a)</a:t>
             </a:r>
             <a:endParaRPr lang="it-IT" dirty="0">
               <a:solidFill>
@@ -5774,11 +5599,11 @@
           <a:lstStyle/>
           <a:p>
             <a:r>
-              <a:rPr lang="it-IT" dirty="0" smtClean="0"/>
+              <a:rPr lang="it-IT" dirty="0"/>
               <a:t>Match opzionale &amp; </a:t>
             </a:r>
             <a:r>
-              <a:rPr lang="it-IT" dirty="0" err="1" smtClean="0"/>
+              <a:rPr lang="it-IT" dirty="0" err="1"/>
               <a:t>Where</a:t>
             </a:r>
             <a:endParaRPr lang="it-IT" dirty="0"/>
@@ -5808,51 +5633,51 @@
           <a:lstStyle/>
           <a:p>
             <a:r>
-              <a:rPr lang="it-IT" dirty="0" smtClean="0"/>
+              <a:rPr lang="it-IT" dirty="0"/>
               <a:t>Clausola di Match opzionale</a:t>
             </a:r>
           </a:p>
           <a:p>
             <a:pPr lvl="1"/>
             <a:r>
-              <a:rPr lang="it-IT" dirty="0" smtClean="0"/>
+              <a:rPr lang="it-IT" dirty="0"/>
               <a:t>Funziona come un </a:t>
             </a:r>
             <a:r>
-              <a:rPr lang="it-IT" dirty="0" err="1" smtClean="0"/>
+              <a:rPr lang="it-IT" dirty="0" err="1"/>
               <a:t>left</a:t>
             </a:r>
             <a:r>
-              <a:rPr lang="it-IT" dirty="0" smtClean="0"/>
+              <a:rPr lang="it-IT" dirty="0"/>
               <a:t> </a:t>
             </a:r>
             <a:r>
-              <a:rPr lang="it-IT" dirty="0" err="1" smtClean="0"/>
+              <a:rPr lang="it-IT" dirty="0" err="1"/>
               <a:t>outer</a:t>
             </a:r>
             <a:r>
-              <a:rPr lang="it-IT" dirty="0" smtClean="0"/>
+              <a:rPr lang="it-IT" dirty="0"/>
               <a:t> join</a:t>
             </a:r>
           </a:p>
           <a:p>
             <a:pPr lvl="1"/>
             <a:r>
-              <a:rPr lang="it-IT" dirty="0" smtClean="0"/>
+              <a:rPr lang="it-IT" dirty="0"/>
               <a:t>Se il pattern non ha una corrispondenza, </a:t>
             </a:r>
             <a:br>
-              <a:rPr lang="it-IT" dirty="0" smtClean="0"/>
+              <a:rPr lang="it-IT" dirty="0"/>
             </a:br>
             <a:r>
-              <a:rPr lang="it-IT" dirty="0" smtClean="0"/>
+              <a:rPr lang="it-IT" dirty="0"/>
               <a:t>restituisce </a:t>
             </a:r>
             <a:r>
-              <a:rPr lang="it-IT" dirty="0" err="1" smtClean="0"/>
+              <a:rPr lang="it-IT" dirty="0" err="1"/>
               <a:t>null</a:t>
             </a:r>
-            <a:endParaRPr lang="it-IT" dirty="0" smtClean="0"/>
+            <a:endParaRPr lang="it-IT" dirty="0"/>
           </a:p>
           <a:p>
             <a:pPr lvl="1"/>
@@ -5863,47 +5688,35 @@
               <a:t>MATCH (</a:t>
             </a:r>
             <a:r>
-              <a:rPr lang="en-US" dirty="0" err="1" smtClean="0">
+              <a:rPr lang="en-US" dirty="0" err="1">
                 <a:latin typeface="+mj-lt"/>
               </a:rPr>
               <a:t>a:Movie</a:t>
             </a:r>
             <a:r>
-              <a:rPr lang="en-US" dirty="0" smtClean="0">
+              <a:rPr lang="en-US" dirty="0">
                 <a:latin typeface="+mj-lt"/>
               </a:rPr>
               <a:t>)</a:t>
             </a:r>
             <a:br>
-              <a:rPr lang="en-US" dirty="0" smtClean="0">
+              <a:rPr lang="en-US" dirty="0">
                 <a:latin typeface="+mj-lt"/>
               </a:rPr>
             </a:br>
             <a:r>
-              <a:rPr lang="en-US" dirty="0" smtClean="0">
-                <a:latin typeface="+mj-lt"/>
-              </a:rPr>
-              <a:t>OPTIONAL </a:t>
-            </a:r>
-            <a:r>
               <a:rPr lang="en-US" dirty="0">
                 <a:latin typeface="+mj-lt"/>
               </a:rPr>
-              <a:t>MATCH (a)&lt;-[:WROTE]-(</a:t>
-            </a:r>
-            <a:r>
-              <a:rPr lang="en-US" dirty="0" smtClean="0">
-                <a:latin typeface="+mj-lt"/>
-              </a:rPr>
-              <a:t>x)</a:t>
+              <a:t>OPTIONAL MATCH (a)&lt;-[:WROTE]-(x)</a:t>
             </a:r>
             <a:br>
-              <a:rPr lang="en-US" dirty="0" smtClean="0">
+              <a:rPr lang="en-US" dirty="0">
                 <a:latin typeface="+mj-lt"/>
               </a:rPr>
             </a:br>
             <a:r>
-              <a:rPr lang="en-US" dirty="0" smtClean="0">
+              <a:rPr lang="en-US" dirty="0">
                 <a:latin typeface="+mj-lt"/>
               </a:rPr>
               <a:t>RETURN </a:t>
@@ -5918,37 +5731,31 @@
               <a:rPr lang="en-US" dirty="0">
                 <a:latin typeface="+mj-lt"/>
               </a:rPr>
-              <a:t>, </a:t>
-            </a:r>
-            <a:r>
-              <a:rPr lang="en-US" dirty="0" smtClean="0">
-                <a:latin typeface="+mj-lt"/>
-              </a:rPr>
-              <a:t>x.name</a:t>
-            </a:r>
-          </a:p>
-          <a:p>
-            <a:r>
-              <a:rPr lang="it-IT" dirty="0" smtClean="0"/>
+              <a:t>, x.name</a:t>
+            </a:r>
+          </a:p>
+          <a:p>
+            <a:r>
+              <a:rPr lang="it-IT" dirty="0"/>
               <a:t>Clausola </a:t>
             </a:r>
             <a:r>
-              <a:rPr lang="it-IT" dirty="0" err="1" smtClean="0"/>
+              <a:rPr lang="it-IT" dirty="0" err="1"/>
               <a:t>Where</a:t>
             </a:r>
-            <a:endParaRPr lang="it-IT" dirty="0" smtClean="0"/>
+            <a:endParaRPr lang="it-IT" dirty="0"/>
           </a:p>
           <a:p>
             <a:pPr lvl="1"/>
             <a:r>
-              <a:rPr lang="it-IT" dirty="0" smtClean="0"/>
+              <a:rPr lang="it-IT" dirty="0"/>
               <a:t>Aggiunge delle condizioni che devono essere rispettate dal pattern</a:t>
             </a:r>
           </a:p>
           <a:p>
             <a:pPr lvl="1"/>
             <a:r>
-              <a:rPr lang="it-IT" dirty="0" smtClean="0"/>
+              <a:rPr lang="it-IT" dirty="0"/>
               <a:t>Più espressivo delle condizioni che possono essere specificate nella Match</a:t>
             </a:r>
           </a:p>
@@ -5958,42 +5765,18 @@
               <a:rPr lang="it-IT" dirty="0">
                 <a:latin typeface="+mj-lt"/>
               </a:rPr>
-              <a:t>MATCH (</a:t>
-            </a:r>
-            <a:r>
-              <a:rPr lang="it-IT" dirty="0" smtClean="0">
-                <a:latin typeface="+mj-lt"/>
-              </a:rPr>
-              <a:t>n)</a:t>
+              <a:t>MATCH (n)</a:t>
             </a:r>
             <a:br>
-              <a:rPr lang="it-IT" dirty="0" smtClean="0">
+              <a:rPr lang="it-IT" dirty="0">
                 <a:latin typeface="+mj-lt"/>
               </a:rPr>
             </a:br>
             <a:r>
-              <a:rPr lang="it-IT" dirty="0" smtClean="0">
-                <a:latin typeface="+mj-lt"/>
-              </a:rPr>
-              <a:t>WHERE </a:t>
-            </a:r>
-            <a:r>
               <a:rPr lang="it-IT" dirty="0">
                 <a:latin typeface="+mj-lt"/>
               </a:rPr>
-              <a:t>n.name = </a:t>
-            </a:r>
-            <a:r>
-              <a:rPr lang="it-IT" dirty="0" smtClean="0">
-                <a:latin typeface="+mj-lt"/>
-              </a:rPr>
-              <a:t>'Matteo' </a:t>
-            </a:r>
-            <a:r>
-              <a:rPr lang="it-IT" dirty="0">
-                <a:latin typeface="+mj-lt"/>
-              </a:rPr>
-              <a:t>XOR (</a:t>
+              <a:t>WHERE n.name = 'Matteo' XOR (</a:t>
             </a:r>
             <a:r>
               <a:rPr lang="it-IT" dirty="0" err="1">
@@ -6005,89 +5788,53 @@
               <a:rPr lang="it-IT" dirty="0">
                 <a:latin typeface="+mj-lt"/>
               </a:rPr>
-              <a:t> &lt; 30 AND n.name = </a:t>
-            </a:r>
-            <a:r>
-              <a:rPr lang="it-IT" dirty="0" smtClean="0">
-                <a:latin typeface="+mj-lt"/>
-              </a:rPr>
-              <a:t>'Enrico')</a:t>
+              <a:t> &lt; 30 AND n.name = 'Enrico')</a:t>
             </a:r>
             <a:br>
-              <a:rPr lang="it-IT" dirty="0" smtClean="0">
+              <a:rPr lang="it-IT" dirty="0">
                 <a:latin typeface="+mj-lt"/>
               </a:rPr>
             </a:br>
             <a:r>
-              <a:rPr lang="it-IT" dirty="0" smtClean="0">
-                <a:latin typeface="+mj-lt"/>
-              </a:rPr>
-              <a:t>OR </a:t>
-            </a:r>
-            <a:r>
               <a:rPr lang="it-IT" dirty="0">
                 <a:latin typeface="+mj-lt"/>
               </a:rPr>
-              <a:t>NOT (n.name ~= </a:t>
-            </a:r>
-            <a:r>
-              <a:rPr lang="it-IT" dirty="0" smtClean="0">
-                <a:latin typeface="+mj-lt"/>
-              </a:rPr>
-              <a:t>'</a:t>
-            </a:r>
-            <a:r>
-              <a:rPr lang="it-IT" dirty="0" err="1" smtClean="0">
+              <a:t>OR NOT (n.name ~= '</a:t>
+            </a:r>
+            <a:r>
+              <a:rPr lang="it-IT" dirty="0" err="1">
                 <a:latin typeface="+mj-lt"/>
               </a:rPr>
               <a:t>Enr</a:t>
             </a:r>
             <a:r>
-              <a:rPr lang="it-IT" dirty="0" smtClean="0">
-                <a:latin typeface="+mj-lt"/>
-              </a:rPr>
-              <a:t>.*' </a:t>
-            </a:r>
-            <a:r>
               <a:rPr lang="it-IT" dirty="0">
                 <a:latin typeface="+mj-lt"/>
               </a:rPr>
-              <a:t>OR n.name CONTAINS </a:t>
-            </a:r>
-            <a:r>
-              <a:rPr lang="it-IT" dirty="0" smtClean="0">
-                <a:latin typeface="+mj-lt"/>
-              </a:rPr>
-              <a:t>'</a:t>
-            </a:r>
-            <a:r>
-              <a:rPr lang="it-IT" dirty="0" err="1" smtClean="0">
+              <a:t>.*' OR n.name CONTAINS '</a:t>
+            </a:r>
+            <a:r>
+              <a:rPr lang="it-IT" dirty="0" err="1">
                 <a:latin typeface="+mj-lt"/>
               </a:rPr>
               <a:t>att</a:t>
             </a:r>
             <a:r>
-              <a:rPr lang="it-IT" dirty="0" smtClean="0">
+              <a:rPr lang="it-IT" dirty="0">
                 <a:latin typeface="+mj-lt"/>
               </a:rPr>
               <a:t>')</a:t>
             </a:r>
             <a:br>
-              <a:rPr lang="it-IT" dirty="0" smtClean="0">
+              <a:rPr lang="it-IT" dirty="0">
                 <a:latin typeface="+mj-lt"/>
               </a:rPr>
             </a:br>
             <a:r>
-              <a:rPr lang="it-IT" dirty="0" smtClean="0">
-                <a:latin typeface="+mj-lt"/>
-              </a:rPr>
-              <a:t>RETURN </a:t>
-            </a:r>
-            <a:r>
               <a:rPr lang="it-IT" dirty="0">
                 <a:latin typeface="+mj-lt"/>
               </a:rPr>
-              <a:t>n</a:t>
+              <a:t>RETURN n</a:t>
             </a:r>
           </a:p>
         </p:txBody>
@@ -6185,10 +5932,9 @@
           <a:lstStyle/>
           <a:p>
             <a:r>
-              <a:rPr lang="it-IT" dirty="0" smtClean="0"/>
+              <a:rPr lang="it-IT" dirty="0"/>
               <a:t>Percorsi di lunghezza variabile</a:t>
             </a:r>
-            <a:endParaRPr lang="it-IT" dirty="0"/>
           </a:p>
         </p:txBody>
       </p:sp>
@@ -6208,14 +5954,14 @@
           <a:lstStyle/>
           <a:p>
             <a:r>
-              <a:rPr lang="it-IT" dirty="0" smtClean="0"/>
+              <a:rPr lang="it-IT" dirty="0"/>
               <a:t>E’ possibile seguire in maniera iterativa lo stesso tipo di arco specificando quanti "salti" si vogliono fare</a:t>
             </a:r>
           </a:p>
           <a:p>
             <a:pPr lvl="1"/>
             <a:r>
-              <a:rPr lang="it-IT" dirty="0" smtClean="0"/>
+              <a:rPr lang="it-IT" dirty="0"/>
               <a:t>Il carattere * precede la dichiarazione della lunghezza</a:t>
             </a:r>
           </a:p>
@@ -6225,25 +5971,11 @@
               <a:rPr lang="it-IT" dirty="0">
                 <a:latin typeface="+mj-lt"/>
               </a:rPr>
-              <a:t>(a)-[:x*2]-&gt;(b</a:t>
-            </a:r>
-            <a:r>
-              <a:rPr lang="it-IT" dirty="0" smtClean="0">
-                <a:latin typeface="+mj-lt"/>
-              </a:rPr>
-              <a:t>)</a:t>
-            </a:r>
-            <a:r>
-              <a:rPr lang="it-IT" dirty="0" smtClean="0"/>
-              <a:t>		Esattamente due salti: (a</a:t>
-            </a:r>
-            <a:r>
-              <a:rPr lang="it-IT" dirty="0"/>
-              <a:t>)-[:x]-&gt;()-[:x]-&gt;(b</a:t>
-            </a:r>
-            <a:r>
-              <a:rPr lang="it-IT" dirty="0" smtClean="0"/>
-              <a:t>)</a:t>
+              <a:t>(a)-[:x*2]-&gt;(b)</a:t>
+            </a:r>
+            <a:r>
+              <a:rPr lang="it-IT" dirty="0"/>
+              <a:t>		Esattamente due salti: (a)-[:x]-&gt;()-[:x]-&gt;(b)</a:t>
             </a:r>
           </a:p>
           <a:p>
@@ -6255,10 +5987,9 @@
               <a:t>(a)-[*3..5]-&gt;(b)</a:t>
             </a:r>
             <a:r>
-              <a:rPr lang="pt-BR" dirty="0" smtClean="0"/>
+              <a:rPr lang="pt-BR" dirty="0"/>
               <a:t>		Minimo 3, massimo 5</a:t>
             </a:r>
-            <a:endParaRPr lang="pt-BR" dirty="0"/>
           </a:p>
           <a:p>
             <a:pPr lvl="2"/>
@@ -6269,10 +6000,9 @@
               <a:t>(a)-[*3..]-&gt;(b)</a:t>
             </a:r>
             <a:r>
-              <a:rPr lang="pt-BR" dirty="0" smtClean="0"/>
+              <a:rPr lang="pt-BR" dirty="0"/>
               <a:t>		Minimo 3</a:t>
             </a:r>
-            <a:endParaRPr lang="pt-BR" dirty="0"/>
           </a:p>
           <a:p>
             <a:pPr lvl="2"/>
@@ -6283,10 +6013,9 @@
               <a:t>(a)-[*..5]-&gt;(b)</a:t>
             </a:r>
             <a:r>
-              <a:rPr lang="pt-BR" dirty="0" smtClean="0"/>
+              <a:rPr lang="pt-BR" dirty="0"/>
               <a:t>		Massimo 5</a:t>
             </a:r>
-            <a:endParaRPr lang="pt-BR" dirty="0"/>
           </a:p>
           <a:p>
             <a:pPr lvl="2"/>
@@ -6297,14 +6026,14 @@
               <a:t>(a)-[*]-&gt;(b)</a:t>
             </a:r>
             <a:r>
-              <a:rPr lang="pt-BR" dirty="0" smtClean="0"/>
+              <a:rPr lang="pt-BR" dirty="0"/>
               <a:t>		Nessun limite</a:t>
             </a:r>
           </a:p>
           <a:p>
             <a:pPr lvl="1"/>
             <a:r>
-              <a:rPr lang="pt-BR" dirty="0" smtClean="0"/>
+              <a:rPr lang="pt-BR" dirty="0"/>
               <a:t>Un esempio completo</a:t>
             </a:r>
           </a:p>
@@ -6314,13 +6043,7 @@
               <a:rPr lang="en-US" dirty="0">
                 <a:latin typeface="+mj-lt"/>
               </a:rPr>
-              <a:t>MATCH (me)-[:KNOWS*1..2</a:t>
-            </a:r>
-            <a:r>
-              <a:rPr lang="en-US" dirty="0" smtClean="0">
-                <a:latin typeface="+mj-lt"/>
-              </a:rPr>
-              <a:t>]-&gt;(</a:t>
+              <a:t>MATCH (me)-[:KNOWS*1..2]-&gt;(</a:t>
             </a:r>
             <a:r>
               <a:rPr lang="en-US" dirty="0" err="1">
@@ -6343,118 +6066,100 @@
               <a:rPr lang="en-US" dirty="0">
                 <a:latin typeface="+mj-lt"/>
               </a:rPr>
-              <a:t>WHERE me.name = </a:t>
-            </a:r>
-            <a:r>
-              <a:rPr lang="en-US" dirty="0" smtClean="0">
-                <a:latin typeface="+mj-lt"/>
-              </a:rPr>
-              <a:t>"Enrico" </a:t>
-            </a:r>
-            <a:r>
-              <a:rPr lang="en-US" dirty="0">
-                <a:latin typeface="+mj-lt"/>
-              </a:rPr>
-              <a:t>RETURN </a:t>
-            </a:r>
-            <a:r>
-              <a:rPr lang="en-US" dirty="0" smtClean="0">
-                <a:latin typeface="+mj-lt"/>
-              </a:rPr>
-              <a:t>remote_friend.name</a:t>
+              <a:t>WHERE me.name = "Enrico" RETURN remote_friend.name</a:t>
             </a:r>
           </a:p>
           <a:p>
             <a:pPr lvl="2"/>
             <a:r>
-              <a:rPr lang="en-US" dirty="0" err="1" smtClean="0"/>
+              <a:rPr lang="en-US" dirty="0" err="1"/>
               <a:t>Restituisce</a:t>
             </a:r>
             <a:r>
-              <a:rPr lang="en-US" dirty="0" smtClean="0"/>
+              <a:rPr lang="en-US" dirty="0"/>
               <a:t> </a:t>
             </a:r>
             <a:r>
-              <a:rPr lang="en-US" dirty="0" err="1" smtClean="0"/>
+              <a:rPr lang="en-US" dirty="0" err="1"/>
               <a:t>gli</a:t>
             </a:r>
             <a:r>
-              <a:rPr lang="en-US" dirty="0" smtClean="0"/>
+              <a:rPr lang="en-US" dirty="0"/>
               <a:t> amici </a:t>
             </a:r>
             <a:r>
-              <a:rPr lang="en-US" dirty="0" err="1" smtClean="0"/>
+              <a:rPr lang="en-US" dirty="0" err="1"/>
               <a:t>diretti</a:t>
             </a:r>
             <a:r>
-              <a:rPr lang="en-US" dirty="0" smtClean="0"/>
+              <a:rPr lang="en-US" dirty="0"/>
               <a:t> e </a:t>
             </a:r>
             <a:r>
-              <a:rPr lang="en-US" dirty="0" err="1" smtClean="0"/>
+              <a:rPr lang="en-US" dirty="0" err="1"/>
               <a:t>gli</a:t>
             </a:r>
             <a:r>
-              <a:rPr lang="en-US" dirty="0" smtClean="0"/>
+              <a:rPr lang="en-US" dirty="0"/>
               <a:t> amici di amici</a:t>
             </a:r>
           </a:p>
           <a:p>
             <a:pPr lvl="2"/>
             <a:r>
-              <a:rPr lang="en-US" dirty="0" err="1" smtClean="0"/>
+              <a:rPr lang="en-US" dirty="0" err="1"/>
               <a:t>Attenzione</a:t>
             </a:r>
             <a:r>
-              <a:rPr lang="en-US" dirty="0" smtClean="0"/>
+              <a:rPr lang="en-US" dirty="0"/>
               <a:t>: se un </a:t>
             </a:r>
             <a:r>
-              <a:rPr lang="en-US" dirty="0" err="1" smtClean="0"/>
+              <a:rPr lang="en-US" dirty="0" err="1"/>
               <a:t>amico</a:t>
             </a:r>
             <a:r>
-              <a:rPr lang="en-US" dirty="0" smtClean="0"/>
+              <a:rPr lang="en-US" dirty="0"/>
               <a:t> </a:t>
             </a:r>
             <a:r>
-              <a:rPr lang="en-US" dirty="0" err="1" smtClean="0"/>
+              <a:rPr lang="en-US" dirty="0" err="1"/>
               <a:t>diretto</a:t>
             </a:r>
             <a:r>
-              <a:rPr lang="en-US" dirty="0" smtClean="0"/>
+              <a:rPr lang="en-US" dirty="0"/>
               <a:t> e </a:t>
             </a:r>
             <a:r>
-              <a:rPr lang="en-US" dirty="0" err="1" smtClean="0"/>
+              <a:rPr lang="en-US" dirty="0" err="1"/>
               <a:t>anche</a:t>
             </a:r>
             <a:r>
-              <a:rPr lang="en-US" dirty="0" smtClean="0"/>
+              <a:rPr lang="en-US" dirty="0"/>
               <a:t> </a:t>
             </a:r>
             <a:r>
-              <a:rPr lang="en-US" dirty="0" err="1" smtClean="0"/>
+              <a:rPr lang="en-US" dirty="0" err="1"/>
               <a:t>amico</a:t>
             </a:r>
             <a:r>
-              <a:rPr lang="en-US" dirty="0" smtClean="0"/>
+              <a:rPr lang="en-US" dirty="0"/>
               <a:t> di amici, </a:t>
             </a:r>
             <a:r>
-              <a:rPr lang="en-US" dirty="0" err="1" smtClean="0"/>
+              <a:rPr lang="en-US" dirty="0" err="1"/>
               <a:t>verrà</a:t>
             </a:r>
             <a:r>
-              <a:rPr lang="en-US" dirty="0" smtClean="0"/>
+              <a:rPr lang="en-US" dirty="0"/>
               <a:t> </a:t>
             </a:r>
             <a:r>
-              <a:rPr lang="en-US" dirty="0" err="1" smtClean="0"/>
+              <a:rPr lang="en-US" dirty="0" err="1"/>
               <a:t>restituito</a:t>
             </a:r>
             <a:r>
-              <a:rPr lang="en-US" dirty="0" smtClean="0"/>
+              <a:rPr lang="en-US" dirty="0"/>
               <a:t> due volte!</a:t>
             </a:r>
             <a:endParaRPr lang="it-IT" dirty="0"/>
@@ -6530,10 +6235,9 @@
           <a:lstStyle/>
           <a:p>
             <a:r>
-              <a:rPr lang="it-IT" dirty="0" smtClean="0"/>
+              <a:rPr lang="it-IT" dirty="0"/>
               <a:t>Percorsi di lunghezza variabile</a:t>
             </a:r>
-            <a:endParaRPr lang="it-IT" dirty="0"/>
           </a:p>
         </p:txBody>
       </p:sp>
@@ -6553,7 +6257,7 @@
           <a:lstStyle/>
           <a:p>
             <a:r>
-              <a:rPr lang="it-IT" dirty="0" smtClean="0"/>
+              <a:rPr lang="it-IT" dirty="0"/>
               <a:t>E’ possibile cercare il percorso più breve tra due nodi</a:t>
             </a:r>
           </a:p>
@@ -6575,30 +6279,18 @@
               <a:rPr lang="en-US" dirty="0">
                 <a:latin typeface="+mj-lt"/>
               </a:rPr>
-              <a:t> Sheen" </a:t>
-            </a:r>
-            <a:r>
-              <a:rPr lang="en-US" dirty="0" smtClean="0">
-                <a:latin typeface="+mj-lt"/>
-              </a:rPr>
-              <a:t>}),</a:t>
+              <a:t> Sheen" }),</a:t>
             </a:r>
             <a:br>
-              <a:rPr lang="en-US" dirty="0" smtClean="0">
+              <a:rPr lang="en-US" dirty="0">
                 <a:latin typeface="+mj-lt"/>
               </a:rPr>
             </a:br>
             <a:r>
-              <a:rPr lang="en-US" dirty="0" smtClean="0">
-                <a:latin typeface="+mj-lt"/>
-              </a:rPr>
-              <a:t>	    (</a:t>
-            </a:r>
-            <a:r>
               <a:rPr lang="en-US" dirty="0">
                 <a:latin typeface="+mj-lt"/>
               </a:rPr>
-              <a:t>o { </a:t>
+              <a:t>	    (o { </a:t>
             </a:r>
             <a:r>
               <a:rPr lang="en-US" dirty="0" err="1">
@@ -6612,28 +6304,16 @@
               </a:rPr>
               <a:t> Stone" }), </a:t>
             </a:r>
-            <a:r>
-              <a:rPr lang="en-US" dirty="0" smtClean="0">
-                <a:latin typeface="+mj-lt"/>
-              </a:rPr>
-              <a:t/>
-            </a:r>
             <a:br>
-              <a:rPr lang="en-US" dirty="0" smtClean="0">
+              <a:rPr lang="en-US" dirty="0">
                 <a:latin typeface="+mj-lt"/>
               </a:rPr>
             </a:br>
             <a:r>
-              <a:rPr lang="en-US" dirty="0" smtClean="0">
-                <a:latin typeface="+mj-lt"/>
-              </a:rPr>
-              <a:t>  	    p </a:t>
-            </a:r>
-            <a:r>
               <a:rPr lang="en-US" dirty="0">
                 <a:latin typeface="+mj-lt"/>
               </a:rPr>
-              <a:t>= </a:t>
+              <a:t>  	    p = </a:t>
             </a:r>
             <a:r>
               <a:rPr lang="en-US" dirty="0" err="1">
@@ -6645,30 +6325,18 @@
               <a:rPr lang="en-US" dirty="0">
                 <a:latin typeface="+mj-lt"/>
               </a:rPr>
-              <a:t>((m)-[*..15]-(o</a:t>
-            </a:r>
-            <a:r>
-              <a:rPr lang="en-US" dirty="0" smtClean="0">
-                <a:latin typeface="+mj-lt"/>
-              </a:rPr>
-              <a:t>))</a:t>
+              <a:t>((m)-[*..15]-(o))</a:t>
             </a:r>
             <a:br>
-              <a:rPr lang="en-US" dirty="0" smtClean="0">
+              <a:rPr lang="en-US" dirty="0">
                 <a:latin typeface="+mj-lt"/>
               </a:rPr>
             </a:br>
             <a:r>
-              <a:rPr lang="en-US" dirty="0" smtClean="0">
-                <a:latin typeface="+mj-lt"/>
-              </a:rPr>
-              <a:t>RETURN </a:t>
-            </a:r>
-            <a:r>
               <a:rPr lang="en-US" dirty="0">
                 <a:latin typeface="+mj-lt"/>
               </a:rPr>
-              <a:t>p</a:t>
+              <a:t>RETURN p</a:t>
             </a:r>
             <a:endParaRPr lang="it-IT" dirty="0">
               <a:latin typeface="+mj-lt"/>
@@ -6745,10 +6413,9 @@
           <a:lstStyle/>
           <a:p>
             <a:r>
-              <a:rPr lang="it-IT" dirty="0" smtClean="0"/>
+              <a:rPr lang="it-IT" dirty="0"/>
               <a:t>Aggregazione</a:t>
             </a:r>
-            <a:endParaRPr lang="it-IT" dirty="0"/>
           </a:p>
         </p:txBody>
       </p:sp>
@@ -6773,30 +6440,30 @@
           <a:lstStyle/>
           <a:p>
             <a:r>
-              <a:rPr lang="it-IT" dirty="0" smtClean="0"/>
+              <a:rPr lang="it-IT" dirty="0"/>
               <a:t>La clausola di </a:t>
             </a:r>
             <a:r>
-              <a:rPr lang="it-IT" dirty="0" err="1" smtClean="0"/>
+              <a:rPr lang="it-IT" dirty="0" err="1"/>
               <a:t>group</a:t>
             </a:r>
             <a:r>
-              <a:rPr lang="it-IT" dirty="0" smtClean="0"/>
+              <a:rPr lang="it-IT" dirty="0"/>
               <a:t>-by è implicita</a:t>
             </a:r>
           </a:p>
           <a:p>
             <a:pPr lvl="1"/>
             <a:r>
-              <a:rPr lang="it-IT" dirty="0" smtClean="0"/>
+              <a:rPr lang="it-IT" dirty="0"/>
               <a:t>Le espressioni nella RETURN </a:t>
             </a:r>
             <a:r>
-              <a:rPr lang="it-IT" u="sng" dirty="0" smtClean="0"/>
+              <a:rPr lang="it-IT" u="sng" dirty="0"/>
               <a:t>senza</a:t>
             </a:r>
             <a:r>
-              <a:rPr lang="it-IT" dirty="0" smtClean="0"/>
+              <a:rPr lang="it-IT" dirty="0"/>
               <a:t> funzioni di aggregazione sono chiavi di raggruppamento</a:t>
             </a:r>
           </a:p>
@@ -6807,22 +6474,13 @@
               <a:t>Le espressioni nella RETURN </a:t>
             </a:r>
             <a:r>
-              <a:rPr lang="it-IT" u="sng" dirty="0" smtClean="0"/>
+              <a:rPr lang="it-IT" u="sng" dirty="0"/>
               <a:t>con</a:t>
             </a:r>
             <a:r>
-              <a:rPr lang="it-IT" dirty="0" smtClean="0"/>
-              <a:t> </a:t>
-            </a:r>
-            <a:r>
-              <a:rPr lang="it-IT" dirty="0"/>
-              <a:t>funzioni di aggregazione </a:t>
-            </a:r>
-            <a:r>
-              <a:rPr lang="it-IT" dirty="0" smtClean="0"/>
-              <a:t>producono aggregati</a:t>
-            </a:r>
-            <a:endParaRPr lang="it-IT" dirty="0"/>
+              <a:rPr lang="it-IT" dirty="0"/>
+              <a:t> funzioni di aggregazione producono aggregati</a:t>
+            </a:r>
           </a:p>
           <a:p>
             <a:pPr lvl="1"/>
@@ -6860,13 +6518,22 @@
               <a:t> {</a:t>
             </a:r>
             <a:r>
-              <a:rPr lang="en-US" dirty="0" err="1">
+              <a:rPr lang="en-US" err="1">
                 <a:solidFill>
                   <a:srgbClr val="1B6AA3"/>
                 </a:solidFill>
                 <a:latin typeface="+mj-lt"/>
               </a:rPr>
-              <a:t>name:’Ann</a:t>
+              <a:t>name</a:t>
+            </a:r>
+            <a:r>
+              <a:rPr lang="en-US">
+                <a:solidFill>
+                  <a:srgbClr val="1B6AA3"/>
+                </a:solidFill>
+                <a:latin typeface="+mj-lt"/>
+              </a:rPr>
+              <a:t>:'Ann</a:t>
             </a:r>
             <a:r>
               <a:rPr lang="en-US" dirty="0">
@@ -6926,7 +6593,7 @@
               <a:t>(</a:t>
             </a:r>
             <a:r>
-              <a:rPr lang="en-US" dirty="0" err="1" smtClean="0">
+              <a:rPr lang="en-US" dirty="0" err="1">
                 <a:solidFill>
                   <a:srgbClr val="F47264"/>
                 </a:solidFill>
@@ -6935,7 +6602,7 @@
               <a:t>friend_of_friend:Person</a:t>
             </a:r>
             <a:r>
-              <a:rPr lang="en-US" dirty="0" smtClean="0">
+              <a:rPr lang="en-US" dirty="0">
                 <a:solidFill>
                   <a:srgbClr val="F47264"/>
                 </a:solidFill>
@@ -6943,28 +6610,16 @@
               </a:rPr>
               <a:t>)</a:t>
             </a:r>
-            <a:r>
-              <a:rPr lang="en-US" dirty="0" smtClean="0">
-                <a:latin typeface="+mj-lt"/>
-              </a:rPr>
-              <a:t/>
-            </a:r>
             <a:br>
-              <a:rPr lang="en-US" dirty="0" smtClean="0">
+              <a:rPr lang="en-US" dirty="0">
                 <a:latin typeface="+mj-lt"/>
               </a:rPr>
             </a:br>
             <a:r>
-              <a:rPr lang="en-US" dirty="0" smtClean="0">
-                <a:latin typeface="+mj-lt"/>
-              </a:rPr>
-              <a:t>RETURN </a:t>
-            </a:r>
-            <a:r>
               <a:rPr lang="en-US" dirty="0">
                 <a:latin typeface="+mj-lt"/>
               </a:rPr>
-              <a:t>me.name, count(DISTINCT </a:t>
+              <a:t>RETURN me.name, count(DISTINCT </a:t>
             </a:r>
             <a:r>
               <a:rPr lang="en-US" dirty="0" err="1">
@@ -6985,7 +6640,7 @@
               <a:t>friend_of_friend</a:t>
             </a:r>
             <a:r>
-              <a:rPr lang="en-US" dirty="0" smtClean="0">
+              <a:rPr lang="en-US" dirty="0">
                 <a:latin typeface="+mj-lt"/>
               </a:rPr>
               <a:t>)</a:t>
@@ -7090,10 +6745,9 @@
           <a:lstStyle/>
           <a:p>
             <a:r>
-              <a:rPr lang="it-IT" dirty="0" smtClean="0"/>
+              <a:rPr lang="it-IT" dirty="0"/>
               <a:t>Neo4j</a:t>
             </a:r>
-            <a:endParaRPr lang="it-IT" dirty="0"/>
           </a:p>
         </p:txBody>
       </p:sp>
@@ -7113,11 +6767,11 @@
           <a:lstStyle/>
           <a:p>
             <a:r>
-              <a:rPr lang="it-IT" dirty="0" smtClean="0"/>
+              <a:rPr lang="it-IT" dirty="0"/>
               <a:t>Una installazione </a:t>
             </a:r>
             <a:r>
-              <a:rPr lang="it-IT" dirty="0" smtClean="0">
+              <a:rPr lang="it-IT" dirty="0">
                 <a:sym typeface="Wingdings" panose="05000000000000000000" pitchFamily="2" charset="2"/>
               </a:rPr>
               <a:t> un database</a:t>
@@ -7125,7 +6779,7 @@
           </a:p>
           <a:p>
             <a:r>
-              <a:rPr lang="it-IT" dirty="0" smtClean="0">
+              <a:rPr lang="it-IT" dirty="0">
                 <a:sym typeface="Wingdings" panose="05000000000000000000" pitchFamily="2" charset="2"/>
               </a:rPr>
               <a:t>Query per svuotare tutto:</a:t>
@@ -7137,44 +6791,26 @@
               <a:rPr lang="pt-BR" dirty="0">
                 <a:latin typeface="+mj-lt"/>
               </a:rPr>
-              <a:t>MATCH (n</a:t>
-            </a:r>
-            <a:r>
-              <a:rPr lang="pt-BR" dirty="0" smtClean="0">
-                <a:latin typeface="+mj-lt"/>
-              </a:rPr>
-              <a:t>)</a:t>
+              <a:t>MATCH (n)</a:t>
             </a:r>
             <a:br>
-              <a:rPr lang="pt-BR" dirty="0" smtClean="0">
+              <a:rPr lang="pt-BR" dirty="0">
                 <a:latin typeface="+mj-lt"/>
               </a:rPr>
             </a:br>
             <a:r>
-              <a:rPr lang="pt-BR" dirty="0" smtClean="0">
-                <a:latin typeface="+mj-lt"/>
-              </a:rPr>
-              <a:t>OPTIONAL </a:t>
-            </a:r>
-            <a:r>
               <a:rPr lang="pt-BR" dirty="0">
                 <a:latin typeface="+mj-lt"/>
               </a:rPr>
-              <a:t>MATCH (n)-[r</a:t>
-            </a:r>
-            <a:r>
-              <a:rPr lang="pt-BR" dirty="0" smtClean="0">
-                <a:latin typeface="+mj-lt"/>
-              </a:rPr>
-              <a:t>]-()</a:t>
+              <a:t>OPTIONAL MATCH (n)-[r]-()</a:t>
             </a:r>
             <a:br>
-              <a:rPr lang="pt-BR" dirty="0" smtClean="0">
+              <a:rPr lang="pt-BR" dirty="0">
                 <a:latin typeface="+mj-lt"/>
               </a:rPr>
             </a:br>
             <a:r>
-              <a:rPr lang="pt-BR" dirty="0" smtClean="0">
+              <a:rPr lang="pt-BR" dirty="0">
                 <a:latin typeface="+mj-lt"/>
               </a:rPr>
               <a:t>DELETE n,r</a:t>
@@ -7237,14 +6873,6 @@
   <p:clrMapOvr>
     <a:masterClrMapping/>
   </p:clrMapOvr>
-  <mc:AlternateContent xmlns:mc="http://schemas.openxmlformats.org/markup-compatibility/2006" xmlns:p14="http://schemas.microsoft.com/office/powerpoint/2010/main">
-    <mc:Choice Requires="p14">
-      <p:transition spd="slow" p14:dur="2000"/>
-    </mc:Choice>
-    <mc:Fallback xmlns="">
-      <p:transition spd="slow"/>
-    </mc:Fallback>
-  </mc:AlternateContent>
 </p:sld>
 </file>
 
@@ -7281,10 +6909,9 @@
           <a:lstStyle/>
           <a:p>
             <a:r>
-              <a:rPr lang="en-US" dirty="0" smtClean="0"/>
+              <a:rPr lang="en-US" dirty="0"/>
               <a:t>Neo4j</a:t>
             </a:r>
-            <a:endParaRPr lang="en-US" dirty="0"/>
           </a:p>
         </p:txBody>
       </p:sp>
@@ -7320,59 +6947,31 @@
           </a:p>
           <a:p>
             <a:r>
-              <a:rPr lang="it-IT" dirty="0" smtClean="0"/>
-              <a:t>GUI </a:t>
-            </a:r>
-            <a:r>
-              <a:rPr lang="it-IT" dirty="0"/>
-              <a:t>di </a:t>
-            </a:r>
-            <a:r>
-              <a:rPr lang="it-IT" dirty="0" smtClean="0"/>
-              <a:t>base</a:t>
+              <a:rPr lang="it-IT" dirty="0"/>
+              <a:t>GUI di base</a:t>
             </a:r>
           </a:p>
           <a:p>
             <a:pPr lvl="1"/>
-            <a:r>
-              <a:rPr lang="it-IT" dirty="0" smtClean="0">
-                <a:hlinkClick r:id="rId3"/>
-              </a:rPr>
-              <a:t>http</a:t>
-            </a:r>
             <a:r>
               <a:rPr lang="it-IT" dirty="0">
                 <a:hlinkClick r:id="rId3"/>
               </a:rPr>
-              <a:t>://</a:t>
-            </a:r>
-            <a:r>
-              <a:rPr lang="it-IT" dirty="0" smtClean="0">
-                <a:hlinkClick r:id="rId3"/>
-              </a:rPr>
-              <a:t>127.0.0.1:7474/browser/</a:t>
+              <a:t>http://127.0.0.1:7474/browser/</a:t>
             </a:r>
             <a:endParaRPr lang="it-IT" dirty="0"/>
           </a:p>
           <a:p>
             <a:pPr lvl="1"/>
             <a:r>
-              <a:rPr lang="it-IT" dirty="0" smtClean="0"/>
+              <a:rPr lang="it-IT" dirty="0"/>
               <a:t>Password iniziale: neo4j</a:t>
             </a:r>
           </a:p>
           <a:p>
             <a:r>
-              <a:rPr lang="it-IT" dirty="0" smtClean="0"/>
-              <a:t>Completo </a:t>
-            </a:r>
-            <a:r>
-              <a:rPr lang="it-IT" dirty="0"/>
-              <a:t>di </a:t>
-            </a:r>
-            <a:r>
-              <a:rPr lang="it-IT" dirty="0" smtClean="0"/>
-              <a:t>tutorial per iniziare ad utilizzarlo</a:t>
+              <a:rPr lang="it-IT" dirty="0"/>
+              <a:t>Completo di tutorial per iniziare ad utilizzarlo</a:t>
             </a:r>
             <a:endParaRPr lang="en-US" dirty="0"/>
           </a:p>
@@ -7447,10 +7046,9 @@
           <a:lstStyle/>
           <a:p>
             <a:r>
-              <a:rPr lang="it-IT" dirty="0" smtClean="0"/>
+              <a:rPr lang="it-IT" dirty="0"/>
               <a:t>Neo4j - Installazione	</a:t>
             </a:r>
-            <a:endParaRPr lang="it-IT" dirty="0"/>
           </a:p>
         </p:txBody>
       </p:sp>
@@ -7481,11 +7079,7 @@
             </a:pPr>
             <a:r>
               <a:rPr lang="it-IT" dirty="0"/>
-              <a:t>Scompattare il file .zip della Community </a:t>
-            </a:r>
-            <a:r>
-              <a:rPr lang="it-IT" dirty="0" smtClean="0"/>
-              <a:t>Edition</a:t>
+              <a:t>Scompattare il file .zip della Community Edition</a:t>
             </a:r>
           </a:p>
           <a:p>
@@ -7495,11 +7089,7 @@
             </a:pPr>
             <a:r>
               <a:rPr lang="it-IT" dirty="0"/>
-              <a:t>Installare il servizio da linea di comando (</a:t>
-            </a:r>
-            <a:r>
-              <a:rPr lang="it-IT" dirty="0" smtClean="0"/>
-              <a:t>CMD):</a:t>
+              <a:t>Installare il servizio da linea di comando (CMD):</a:t>
             </a:r>
           </a:p>
           <a:p>
@@ -7509,14 +7099,14 @@
               <a:t>Con CMD, posizionarsi dentro alla cartella </a:t>
             </a:r>
             <a:r>
-              <a:rPr lang="it-IT" b="1" dirty="0" smtClean="0"/>
+              <a:rPr lang="it-IT" b="1" dirty="0"/>
               <a:t>neo4j/bin</a:t>
             </a:r>
           </a:p>
           <a:p>
             <a:pPr lvl="2"/>
             <a:r>
-              <a:rPr lang="it-IT" dirty="0" smtClean="0"/>
+              <a:rPr lang="it-IT" dirty="0"/>
               <a:t>Installare col comando </a:t>
             </a:r>
             <a:r>
@@ -7531,7 +7121,7 @@
               <a:rPr lang="it-IT" b="1" dirty="0"/>
               <a:t>-service</a:t>
             </a:r>
-            <a:endParaRPr lang="it-IT" dirty="0" smtClean="0"/>
+            <a:endParaRPr lang="it-IT" dirty="0"/>
           </a:p>
           <a:p>
             <a:pPr marL="544068" lvl="1" indent="-342900">
@@ -7539,7 +7129,7 @@
               <a:buAutoNum type="arabicPeriod"/>
             </a:pPr>
             <a:r>
-              <a:rPr lang="it-IT" dirty="0" smtClean="0"/>
+              <a:rPr lang="it-IT" dirty="0"/>
               <a:t>Controllare tra i servizi di Windows che il servizio sia installato e avviato</a:t>
             </a:r>
           </a:p>
@@ -7549,31 +7139,21 @@
               <a:buAutoNum type="arabicPeriod"/>
             </a:pPr>
             <a:r>
-              <a:rPr lang="it-IT" dirty="0" smtClean="0"/>
-              <a:t>Collegarsi col </a:t>
-            </a:r>
-            <a:r>
-              <a:rPr lang="it-IT" dirty="0"/>
-              <a:t>browser all’indirizzo </a:t>
+              <a:rPr lang="it-IT" dirty="0"/>
+              <a:t>Collegarsi col browser all’indirizzo </a:t>
             </a:r>
             <a:r>
               <a:rPr lang="it-IT" dirty="0">
                 <a:hlinkClick r:id="rId2"/>
               </a:rPr>
-              <a:t>http://localhost:7474</a:t>
-            </a:r>
-            <a:r>
-              <a:rPr lang="it-IT" dirty="0" smtClean="0">
-                <a:hlinkClick r:id="rId2"/>
-              </a:rPr>
-              <a:t>/</a:t>
-            </a:r>
-            <a:endParaRPr lang="it-IT" dirty="0" smtClean="0"/>
+              <a:t>http://localhost:7474/</a:t>
+            </a:r>
+            <a:endParaRPr lang="it-IT" dirty="0"/>
           </a:p>
           <a:p>
             <a:pPr lvl="2"/>
             <a:r>
-              <a:rPr lang="it-IT" dirty="0" smtClean="0">
+              <a:rPr lang="it-IT" dirty="0">
                 <a:solidFill>
                   <a:srgbClr val="FF0000"/>
                 </a:solidFill>
@@ -7587,25 +7167,25 @@
               <a:buAutoNum type="arabicPeriod"/>
             </a:pPr>
             <a:r>
-              <a:rPr lang="it-IT" dirty="0" smtClean="0"/>
+              <a:rPr lang="it-IT" dirty="0"/>
               <a:t>Al primo accesso bisogna cambiare la password</a:t>
             </a:r>
           </a:p>
           <a:p>
             <a:pPr lvl="2"/>
             <a:r>
-              <a:rPr lang="it-IT" dirty="0" smtClean="0"/>
+              <a:rPr lang="it-IT" dirty="0"/>
               <a:t>Suggerimento password: </a:t>
             </a:r>
             <a:r>
-              <a:rPr lang="it-IT" dirty="0" err="1" smtClean="0">
+              <a:rPr lang="it-IT" dirty="0" err="1">
                 <a:solidFill>
                   <a:srgbClr val="FF0000"/>
                 </a:solidFill>
               </a:rPr>
               <a:t>fitstic</a:t>
             </a:r>
-            <a:endParaRPr lang="it-IT" dirty="0" smtClean="0">
+            <a:endParaRPr lang="it-IT" dirty="0">
               <a:solidFill>
                 <a:srgbClr val="FF0000"/>
               </a:solidFill>
@@ -7706,10 +7286,9 @@
           <a:lstStyle/>
           <a:p>
             <a:r>
-              <a:rPr lang="it-IT" dirty="0" smtClean="0"/>
+              <a:rPr lang="it-IT" dirty="0"/>
               <a:t>Database a grafo - Concetti</a:t>
             </a:r>
-            <a:endParaRPr lang="it-IT" dirty="0"/>
           </a:p>
         </p:txBody>
       </p:sp>
@@ -7729,43 +7308,43 @@
           <a:lstStyle/>
           <a:p>
             <a:r>
-              <a:rPr lang="it-IT" dirty="0" smtClean="0"/>
+              <a:rPr lang="it-IT" dirty="0"/>
               <a:t>In un database a grafo esistono tre concetti fondamentali:</a:t>
             </a:r>
           </a:p>
           <a:p>
             <a:pPr lvl="1"/>
             <a:r>
-              <a:rPr lang="it-IT" dirty="0" smtClean="0"/>
+              <a:rPr lang="it-IT" dirty="0"/>
               <a:t>Nodi: record, unità di dati</a:t>
             </a:r>
           </a:p>
           <a:p>
             <a:pPr lvl="1"/>
             <a:r>
-              <a:rPr lang="it-IT" dirty="0" smtClean="0"/>
+              <a:rPr lang="it-IT" dirty="0"/>
               <a:t>Relazioni (o archi): collegamenti </a:t>
             </a:r>
             <a:r>
-              <a:rPr lang="it-IT" b="1" dirty="0" smtClean="0"/>
+              <a:rPr lang="it-IT" b="1" dirty="0"/>
               <a:t>direzionati</a:t>
             </a:r>
             <a:r>
-              <a:rPr lang="it-IT" dirty="0" smtClean="0"/>
+              <a:rPr lang="it-IT" dirty="0"/>
               <a:t> tra i nodi</a:t>
             </a:r>
           </a:p>
           <a:p>
             <a:pPr lvl="1"/>
             <a:r>
-              <a:rPr lang="it-IT" dirty="0" smtClean="0"/>
+              <a:rPr lang="it-IT" dirty="0"/>
               <a:t>Proprietà: valori (con una determinata etichetta) </a:t>
             </a:r>
             <a:br>
-              <a:rPr lang="it-IT" dirty="0" smtClean="0"/>
+              <a:rPr lang="it-IT" dirty="0"/>
             </a:br>
             <a:r>
-              <a:rPr lang="it-IT" dirty="0" smtClean="0"/>
+              <a:rPr lang="it-IT" dirty="0"/>
               <a:t>associati ad un nodo o ad una relazione</a:t>
             </a:r>
           </a:p>
@@ -7775,44 +7354,43 @@
           </a:p>
           <a:p>
             <a:pPr lvl="1"/>
-            <a:endParaRPr lang="it-IT" dirty="0" smtClean="0"/>
-          </a:p>
-          <a:p>
-            <a:r>
-              <a:rPr lang="it-IT" dirty="0" smtClean="0"/>
+            <a:endParaRPr lang="it-IT" dirty="0"/>
+          </a:p>
+          <a:p>
+            <a:r>
+              <a:rPr lang="it-IT" dirty="0"/>
               <a:t>Le relazioni sono puntatori contenuto dentro ad un nodo e che rimandano direttamente ad un altro nodo</a:t>
             </a:r>
           </a:p>
           <a:p>
             <a:pPr lvl="1"/>
             <a:r>
-              <a:rPr lang="it-IT" dirty="0" smtClean="0"/>
+              <a:rPr lang="it-IT" dirty="0"/>
               <a:t>Meccanismo molto diverso da quello di </a:t>
             </a:r>
             <a:r>
-              <a:rPr lang="it-IT" dirty="0" err="1" smtClean="0"/>
+              <a:rPr lang="it-IT" dirty="0" err="1"/>
               <a:t>foreign</a:t>
             </a:r>
             <a:r>
-              <a:rPr lang="it-IT" dirty="0" smtClean="0"/>
+              <a:rPr lang="it-IT" dirty="0"/>
               <a:t> </a:t>
             </a:r>
             <a:r>
-              <a:rPr lang="it-IT" dirty="0" err="1" smtClean="0"/>
+              <a:rPr lang="it-IT" dirty="0" err="1"/>
               <a:t>key</a:t>
             </a:r>
             <a:r>
-              <a:rPr lang="it-IT" dirty="0" smtClean="0"/>
+              <a:rPr lang="it-IT" dirty="0"/>
               <a:t> negli RDBMS</a:t>
             </a:r>
           </a:p>
           <a:p>
             <a:pPr lvl="1"/>
             <a:r>
-              <a:rPr lang="it-IT" dirty="0" smtClean="0"/>
+              <a:rPr lang="it-IT" dirty="0"/>
               <a:t>Molto più efficiente per determinati tipi di interrogazione</a:t>
             </a:r>
-            <a:endParaRPr lang="it-IT" dirty="0"/>
           </a:p>
         </p:txBody>
       </p:sp>
@@ -8003,59 +7581,58 @@
           <a:lstStyle/>
           <a:p>
             <a:r>
-              <a:rPr lang="it-IT" dirty="0" smtClean="0"/>
+              <a:rPr lang="it-IT" dirty="0"/>
               <a:t>Percorso</a:t>
             </a:r>
           </a:p>
           <a:p>
             <a:pPr lvl="1"/>
             <a:r>
-              <a:rPr lang="it-IT" dirty="0" smtClean="0"/>
+              <a:rPr lang="it-IT" dirty="0"/>
               <a:t>Sequenza di archi distinti che connettono due nodi</a:t>
             </a:r>
           </a:p>
           <a:p>
             <a:r>
-              <a:rPr lang="it-IT" dirty="0" smtClean="0"/>
+              <a:rPr lang="it-IT" dirty="0"/>
               <a:t>Cammino</a:t>
             </a:r>
           </a:p>
           <a:p>
             <a:pPr lvl="1"/>
             <a:r>
-              <a:rPr lang="it-IT" dirty="0" smtClean="0"/>
+              <a:rPr lang="it-IT" dirty="0"/>
               <a:t>Percorso che passa attraverso nodi distinti</a:t>
             </a:r>
           </a:p>
           <a:p>
             <a:r>
-              <a:rPr lang="it-IT" dirty="0" smtClean="0"/>
+              <a:rPr lang="it-IT" dirty="0"/>
               <a:t>Ciclo</a:t>
             </a:r>
           </a:p>
           <a:p>
             <a:pPr lvl="1"/>
             <a:r>
-              <a:rPr lang="it-IT" dirty="0" smtClean="0"/>
+              <a:rPr lang="it-IT" dirty="0"/>
               <a:t>Cammino che inizia e termina nello stesso nodo</a:t>
             </a:r>
           </a:p>
           <a:p>
-            <a:endParaRPr lang="it-IT" dirty="0" smtClean="0"/>
-          </a:p>
-          <a:p>
-            <a:r>
-              <a:rPr lang="it-IT" dirty="0" smtClean="0"/>
+            <a:endParaRPr lang="it-IT" dirty="0"/>
+          </a:p>
+          <a:p>
+            <a:r>
+              <a:rPr lang="it-IT" dirty="0"/>
               <a:t>Distanza tra due nodi</a:t>
             </a:r>
           </a:p>
           <a:p>
             <a:pPr lvl="1"/>
             <a:r>
-              <a:rPr lang="it-IT" dirty="0" smtClean="0"/>
+              <a:rPr lang="it-IT" dirty="0"/>
               <a:t>Numero minimo di archi che collegano due nodi</a:t>
             </a:r>
-            <a:endParaRPr lang="it-IT" dirty="0"/>
           </a:p>
         </p:txBody>
       </p:sp>
@@ -8075,10 +7652,9 @@
           <a:lstStyle/>
           <a:p>
             <a:r>
-              <a:rPr lang="it-IT" dirty="0" smtClean="0"/>
+              <a:rPr lang="it-IT" dirty="0"/>
               <a:t>Database a grafo - Concetti</a:t>
             </a:r>
-            <a:endParaRPr lang="it-IT" dirty="0"/>
           </a:p>
         </p:txBody>
       </p:sp>
@@ -8245,74 +7821,74 @@
           <a:lstStyle/>
           <a:p>
             <a:r>
-              <a:rPr lang="it-IT" dirty="0" smtClean="0"/>
+              <a:rPr lang="it-IT" dirty="0"/>
               <a:t>Una delle </a:t>
             </a:r>
             <a:r>
-              <a:rPr lang="it-IT" dirty="0" err="1" smtClean="0"/>
+              <a:rPr lang="it-IT" dirty="0" err="1"/>
               <a:t>query</a:t>
             </a:r>
             <a:r>
-              <a:rPr lang="it-IT" dirty="0" smtClean="0"/>
+              <a:rPr lang="it-IT" dirty="0"/>
               <a:t> più utilizzate è quella della </a:t>
             </a:r>
             <a:br>
-              <a:rPr lang="it-IT" dirty="0" smtClean="0"/>
+              <a:rPr lang="it-IT" dirty="0"/>
             </a:br>
             <a:r>
-              <a:rPr lang="it-IT" dirty="0" smtClean="0"/>
+              <a:rPr lang="it-IT" dirty="0"/>
               <a:t>ricerca del cammino più breve tra due nodi </a:t>
             </a:r>
             <a:br>
-              <a:rPr lang="it-IT" dirty="0" smtClean="0"/>
+              <a:rPr lang="it-IT" dirty="0"/>
             </a:br>
             <a:r>
-              <a:rPr lang="it-IT" dirty="0" smtClean="0"/>
+              <a:rPr lang="it-IT" dirty="0"/>
               <a:t>(</a:t>
             </a:r>
             <a:r>
-              <a:rPr lang="it-IT" dirty="0" err="1" smtClean="0"/>
+              <a:rPr lang="it-IT" dirty="0" err="1"/>
               <a:t>shortest</a:t>
             </a:r>
             <a:r>
-              <a:rPr lang="it-IT" dirty="0" smtClean="0"/>
+              <a:rPr lang="it-IT" dirty="0"/>
               <a:t> </a:t>
             </a:r>
             <a:r>
-              <a:rPr lang="it-IT" dirty="0" err="1" smtClean="0"/>
+              <a:rPr lang="it-IT" dirty="0" err="1"/>
               <a:t>path</a:t>
             </a:r>
             <a:r>
-              <a:rPr lang="it-IT" dirty="0" smtClean="0"/>
+              <a:rPr lang="it-IT" dirty="0"/>
               <a:t>)</a:t>
             </a:r>
           </a:p>
           <a:p>
             <a:r>
-              <a:rPr lang="it-IT" dirty="0" smtClean="0"/>
+              <a:rPr lang="it-IT" dirty="0"/>
               <a:t>Due metodi principali:</a:t>
             </a:r>
           </a:p>
           <a:p>
             <a:pPr lvl="1"/>
             <a:r>
-              <a:rPr lang="it-IT" dirty="0" smtClean="0"/>
+              <a:rPr lang="it-IT" dirty="0"/>
               <a:t>In profondità (</a:t>
             </a:r>
             <a:r>
-              <a:rPr lang="it-IT" dirty="0" err="1" smtClean="0"/>
+              <a:rPr lang="it-IT" dirty="0" err="1"/>
               <a:t>depth</a:t>
             </a:r>
             <a:r>
-              <a:rPr lang="it-IT" dirty="0" smtClean="0"/>
+              <a:rPr lang="it-IT" dirty="0"/>
               <a:t>-first </a:t>
             </a:r>
             <a:r>
-              <a:rPr lang="it-IT" dirty="0" err="1" smtClean="0"/>
+              <a:rPr lang="it-IT" dirty="0" err="1"/>
               <a:t>search</a:t>
             </a:r>
             <a:r>
-              <a:rPr lang="it-IT" dirty="0" smtClean="0"/>
+              <a:rPr lang="it-IT" dirty="0"/>
               <a:t>)</a:t>
             </a:r>
           </a:p>
@@ -8320,96 +7896,66 @@
             <a:pPr lvl="2"/>
             <a:r>
               <a:rPr lang="it-IT" dirty="0"/>
-              <a:t>Esamina</a:t>
-            </a:r>
-            <a:r>
-              <a:rPr lang="it-IT" dirty="0" smtClean="0"/>
-              <a:t> tutti i nodi figli prima di esaminare i nodi fratelli</a:t>
+              <a:t>Esamina tutti i nodi figli prima di esaminare i nodi fratelli</a:t>
             </a:r>
           </a:p>
           <a:p>
             <a:pPr lvl="2"/>
             <a:r>
-              <a:rPr lang="it-IT" dirty="0" smtClean="0"/>
+              <a:rPr lang="it-IT" dirty="0"/>
               <a:t>Richiede meno risorse</a:t>
             </a:r>
           </a:p>
           <a:p>
             <a:pPr lvl="2"/>
             <a:r>
-              <a:rPr lang="it-IT" dirty="0" smtClean="0"/>
+              <a:rPr lang="it-IT" dirty="0"/>
               <a:t>Occorre esaminare tutto il grafo per trovare la soluzione giusta</a:t>
             </a:r>
           </a:p>
           <a:p>
             <a:pPr lvl="1"/>
             <a:r>
-              <a:rPr lang="it-IT" dirty="0" smtClean="0"/>
+              <a:rPr lang="it-IT" dirty="0"/>
               <a:t>In ampiezza (</a:t>
             </a:r>
             <a:r>
-              <a:rPr lang="it-IT" dirty="0" err="1" smtClean="0"/>
+              <a:rPr lang="it-IT" dirty="0" err="1"/>
               <a:t>breadth</a:t>
             </a:r>
             <a:r>
-              <a:rPr lang="it-IT" dirty="0" smtClean="0"/>
+              <a:rPr lang="it-IT" dirty="0"/>
               <a:t>-first </a:t>
             </a:r>
             <a:r>
-              <a:rPr lang="it-IT" dirty="0" err="1" smtClean="0"/>
+              <a:rPr lang="it-IT" dirty="0" err="1"/>
               <a:t>search</a:t>
             </a:r>
             <a:r>
-              <a:rPr lang="it-IT" dirty="0" smtClean="0"/>
+              <a:rPr lang="it-IT" dirty="0"/>
               <a:t>)</a:t>
             </a:r>
           </a:p>
           <a:p>
             <a:pPr lvl="2"/>
             <a:r>
-              <a:rPr lang="it-IT" dirty="0" smtClean="0"/>
-              <a:t>Esamina </a:t>
-            </a:r>
-            <a:r>
-              <a:rPr lang="it-IT" dirty="0"/>
-              <a:t>tutti i nodi </a:t>
-            </a:r>
-            <a:r>
-              <a:rPr lang="it-IT" dirty="0" smtClean="0"/>
-              <a:t>fratelli </a:t>
-            </a:r>
-            <a:r>
-              <a:rPr lang="it-IT" dirty="0"/>
-              <a:t>prima di esaminare i nodi </a:t>
-            </a:r>
-            <a:r>
-              <a:rPr lang="it-IT" dirty="0" smtClean="0"/>
-              <a:t>figli</a:t>
-            </a:r>
-            <a:endParaRPr lang="it-IT" dirty="0"/>
+              <a:rPr lang="it-IT" dirty="0"/>
+              <a:t>Esamina tutti i nodi fratelli prima di esaminare i nodi figli</a:t>
+            </a:r>
           </a:p>
           <a:p>
             <a:pPr lvl="2"/>
             <a:r>
               <a:rPr lang="it-IT" dirty="0"/>
-              <a:t>Richiede </a:t>
-            </a:r>
-            <a:r>
-              <a:rPr lang="it-IT" dirty="0" smtClean="0"/>
-              <a:t>più </a:t>
-            </a:r>
-            <a:r>
-              <a:rPr lang="it-IT" dirty="0"/>
-              <a:t>risorse</a:t>
+              <a:t>Richiede più risorse</a:t>
             </a:r>
           </a:p>
           <a:p>
             <a:pPr lvl="2"/>
             <a:r>
-              <a:rPr lang="it-IT" dirty="0" smtClean="0"/>
+              <a:rPr lang="it-IT" dirty="0"/>
               <a:t>La prima soluzione che trova è quella giusta</a:t>
             </a:r>
-            <a:endParaRPr lang="it-IT" dirty="0"/>
           </a:p>
           <a:p>
             <a:pPr lvl="1"/>
@@ -8587,304 +8133,270 @@
           <a:lstStyle/>
           <a:p>
             <a:r>
-              <a:rPr lang="it-IT" dirty="0" smtClean="0"/>
+              <a:rPr lang="it-IT" dirty="0"/>
               <a:t>Un’altra interrogazione frequente è quella</a:t>
             </a:r>
             <a:br>
-              <a:rPr lang="it-IT" dirty="0" smtClean="0"/>
+              <a:rPr lang="it-IT" dirty="0"/>
             </a:br>
             <a:r>
-              <a:rPr lang="it-IT" dirty="0" smtClean="0"/>
+              <a:rPr lang="it-IT" dirty="0"/>
               <a:t>per definire delle misure di centralità </a:t>
             </a:r>
           </a:p>
           <a:p>
             <a:r>
-              <a:rPr lang="en-US" dirty="0" err="1" smtClean="0"/>
+              <a:rPr lang="en-US" dirty="0" err="1"/>
               <a:t>Betweenness</a:t>
             </a:r>
             <a:r>
-              <a:rPr lang="en-US" dirty="0" smtClean="0"/>
-              <a:t> centrality </a:t>
-            </a:r>
-            <a:r>
               <a:rPr lang="en-US" dirty="0"/>
-              <a:t>(</a:t>
-            </a:r>
-            <a:r>
-              <a:rPr lang="en-US" dirty="0" smtClean="0"/>
-              <a:t>A)</a:t>
+              <a:t> centrality (A)</a:t>
             </a:r>
           </a:p>
           <a:p>
             <a:pPr lvl="1"/>
             <a:r>
-              <a:rPr lang="en-US" dirty="0" err="1" smtClean="0"/>
+              <a:rPr lang="en-US" dirty="0" err="1"/>
               <a:t>Numero</a:t>
             </a:r>
             <a:r>
-              <a:rPr lang="en-US" dirty="0" smtClean="0"/>
+              <a:rPr lang="en-US" dirty="0"/>
               <a:t> di </a:t>
             </a:r>
             <a:r>
-              <a:rPr lang="en-US" dirty="0" err="1" smtClean="0"/>
+              <a:rPr lang="en-US" dirty="0" err="1"/>
               <a:t>cammini</a:t>
             </a:r>
             <a:r>
-              <a:rPr lang="en-US" dirty="0" smtClean="0"/>
+              <a:rPr lang="en-US" dirty="0"/>
               <a:t> </a:t>
             </a:r>
             <a:r>
-              <a:rPr lang="en-US" dirty="0" err="1" smtClean="0"/>
+              <a:rPr lang="en-US" dirty="0" err="1"/>
               <a:t>più</a:t>
             </a:r>
             <a:r>
-              <a:rPr lang="en-US" dirty="0" smtClean="0"/>
+              <a:rPr lang="en-US" dirty="0"/>
               <a:t> </a:t>
             </a:r>
             <a:r>
-              <a:rPr lang="en-US" dirty="0" err="1" smtClean="0"/>
+              <a:rPr lang="en-US" dirty="0" err="1"/>
               <a:t>brevi</a:t>
             </a:r>
             <a:r>
-              <a:rPr lang="en-US" dirty="0" smtClean="0"/>
+              <a:rPr lang="en-US" dirty="0"/>
               <a:t> </a:t>
             </a:r>
             <a:r>
-              <a:rPr lang="en-US" dirty="0" err="1" smtClean="0"/>
+              <a:rPr lang="en-US" dirty="0" err="1"/>
               <a:t>tra</a:t>
             </a:r>
             <a:r>
-              <a:rPr lang="en-US" dirty="0" smtClean="0"/>
+              <a:rPr lang="en-US" dirty="0"/>
               <a:t> due </a:t>
             </a:r>
             <a:r>
-              <a:rPr lang="en-US" dirty="0" err="1" smtClean="0"/>
+              <a:rPr lang="en-US" dirty="0" err="1"/>
               <a:t>nodi</a:t>
             </a:r>
             <a:r>
-              <a:rPr lang="en-US" dirty="0" smtClean="0"/>
+              <a:rPr lang="en-US" dirty="0"/>
               <a:t> </a:t>
             </a:r>
             <a:br>
-              <a:rPr lang="en-US" dirty="0" smtClean="0"/>
+              <a:rPr lang="en-US" dirty="0"/>
             </a:br>
             <a:r>
-              <a:rPr lang="en-US" dirty="0" err="1" smtClean="0"/>
+              <a:rPr lang="en-US" dirty="0" err="1"/>
               <a:t>che</a:t>
             </a:r>
             <a:r>
-              <a:rPr lang="en-US" dirty="0" smtClean="0"/>
+              <a:rPr lang="en-US" dirty="0"/>
               <a:t> </a:t>
             </a:r>
             <a:r>
-              <a:rPr lang="en-US" dirty="0" err="1" smtClean="0"/>
+              <a:rPr lang="en-US" dirty="0" err="1"/>
               <a:t>passano</a:t>
             </a:r>
             <a:r>
-              <a:rPr lang="en-US" dirty="0" smtClean="0"/>
+              <a:rPr lang="en-US" dirty="0"/>
               <a:t> da un </a:t>
             </a:r>
             <a:r>
-              <a:rPr lang="en-US" dirty="0" err="1" smtClean="0"/>
+              <a:rPr lang="en-US" dirty="0" err="1"/>
               <a:t>certo</a:t>
             </a:r>
             <a:r>
-              <a:rPr lang="en-US" dirty="0" smtClean="0"/>
+              <a:rPr lang="en-US" dirty="0"/>
               <a:t> </a:t>
             </a:r>
             <a:r>
-              <a:rPr lang="en-US" dirty="0" err="1" smtClean="0"/>
+              <a:rPr lang="en-US" dirty="0" err="1"/>
               <a:t>nodo</a:t>
             </a:r>
-            <a:endParaRPr lang="en-US" dirty="0" smtClean="0"/>
-          </a:p>
-          <a:p>
-            <a:r>
-              <a:rPr lang="en-US" dirty="0" smtClean="0"/>
-              <a:t>Closeness </a:t>
-            </a:r>
+            <a:endParaRPr lang="en-US" dirty="0"/>
+          </a:p>
+          <a:p>
             <a:r>
               <a:rPr lang="en-US" dirty="0"/>
-              <a:t>centrality (</a:t>
-            </a:r>
-            <a:r>
-              <a:rPr lang="en-US" dirty="0" smtClean="0"/>
-              <a:t>B)</a:t>
+              <a:t>Closeness centrality (B)</a:t>
             </a:r>
           </a:p>
           <a:p>
             <a:pPr lvl="1"/>
             <a:r>
-              <a:rPr lang="en-US" dirty="0" err="1" smtClean="0"/>
+              <a:rPr lang="en-US" dirty="0" err="1"/>
               <a:t>Somma</a:t>
             </a:r>
             <a:r>
-              <a:rPr lang="en-US" dirty="0" smtClean="0"/>
+              <a:rPr lang="en-US" dirty="0"/>
               <a:t> </a:t>
             </a:r>
             <a:r>
-              <a:rPr lang="en-US" dirty="0" err="1" smtClean="0"/>
+              <a:rPr lang="en-US" dirty="0" err="1"/>
               <a:t>delle</a:t>
             </a:r>
             <a:r>
-              <a:rPr lang="en-US" dirty="0" smtClean="0"/>
+              <a:rPr lang="en-US" dirty="0"/>
               <a:t> </a:t>
             </a:r>
             <a:r>
-              <a:rPr lang="en-US" dirty="0" err="1" smtClean="0"/>
+              <a:rPr lang="en-US" dirty="0" err="1"/>
               <a:t>distanze</a:t>
             </a:r>
             <a:r>
-              <a:rPr lang="en-US" dirty="0" smtClean="0"/>
+              <a:rPr lang="en-US" dirty="0"/>
               <a:t> da </a:t>
             </a:r>
             <a:r>
-              <a:rPr lang="en-US" dirty="0" err="1" smtClean="0"/>
+              <a:rPr lang="en-US" dirty="0" err="1"/>
               <a:t>tutti</a:t>
             </a:r>
             <a:r>
-              <a:rPr lang="en-US" dirty="0" smtClean="0"/>
+              <a:rPr lang="en-US" dirty="0"/>
               <a:t> </a:t>
             </a:r>
             <a:r>
-              <a:rPr lang="en-US" dirty="0" err="1" smtClean="0"/>
+              <a:rPr lang="en-US" dirty="0" err="1"/>
               <a:t>gli</a:t>
             </a:r>
             <a:r>
-              <a:rPr lang="en-US" dirty="0" smtClean="0"/>
+              <a:rPr lang="en-US" dirty="0"/>
               <a:t> </a:t>
             </a:r>
             <a:r>
-              <a:rPr lang="en-US" dirty="0" err="1" smtClean="0"/>
+              <a:rPr lang="en-US" dirty="0" err="1"/>
               <a:t>altri</a:t>
             </a:r>
             <a:r>
-              <a:rPr lang="en-US" dirty="0" smtClean="0"/>
+              <a:rPr lang="en-US" dirty="0"/>
               <a:t> </a:t>
             </a:r>
             <a:r>
-              <a:rPr lang="en-US" dirty="0" err="1" smtClean="0"/>
+              <a:rPr lang="en-US" dirty="0" err="1"/>
               <a:t>nodi</a:t>
             </a:r>
-            <a:endParaRPr lang="en-US" dirty="0" smtClean="0"/>
-          </a:p>
-          <a:p>
-            <a:r>
-              <a:rPr lang="en-US" dirty="0" smtClean="0"/>
-              <a:t>Eigenvector centrality </a:t>
-            </a:r>
+            <a:endParaRPr lang="en-US" dirty="0"/>
+          </a:p>
+          <a:p>
             <a:r>
               <a:rPr lang="en-US" dirty="0"/>
-              <a:t>(</a:t>
-            </a:r>
-            <a:r>
-              <a:rPr lang="en-US" dirty="0" smtClean="0"/>
-              <a:t>C)</a:t>
-            </a:r>
-            <a:endParaRPr lang="en-US" dirty="0"/>
+              <a:t>Eigenvector centrality (C)</a:t>
+            </a:r>
           </a:p>
           <a:p>
             <a:pPr lvl="1"/>
             <a:r>
-              <a:rPr lang="en-US" dirty="0" smtClean="0"/>
+              <a:rPr lang="en-US" dirty="0"/>
               <a:t>Il </a:t>
             </a:r>
             <a:r>
-              <a:rPr lang="en-US" dirty="0" err="1" smtClean="0"/>
+              <a:rPr lang="en-US" dirty="0" err="1"/>
               <a:t>punteggio</a:t>
             </a:r>
             <a:r>
-              <a:rPr lang="en-US" dirty="0" smtClean="0"/>
+              <a:rPr lang="en-US" dirty="0"/>
               <a:t> di un </a:t>
             </a:r>
             <a:r>
-              <a:rPr lang="en-US" dirty="0" err="1" smtClean="0"/>
+              <a:rPr lang="en-US" dirty="0" err="1"/>
               <a:t>nodo</a:t>
             </a:r>
             <a:r>
-              <a:rPr lang="en-US" dirty="0" smtClean="0"/>
+              <a:rPr lang="en-US" dirty="0"/>
               <a:t> è </a:t>
             </a:r>
             <a:r>
-              <a:rPr lang="en-US" dirty="0" err="1" smtClean="0"/>
+              <a:rPr lang="en-US" dirty="0" err="1"/>
               <a:t>influenzato</a:t>
             </a:r>
             <a:r>
-              <a:rPr lang="en-US" dirty="0" smtClean="0"/>
+              <a:rPr lang="en-US" dirty="0"/>
               <a:t> dal</a:t>
             </a:r>
             <a:br>
-              <a:rPr lang="en-US" dirty="0" smtClean="0"/>
+              <a:rPr lang="en-US" dirty="0"/>
             </a:br>
             <a:r>
-              <a:rPr lang="en-US" dirty="0" err="1" smtClean="0"/>
+              <a:rPr lang="en-US" dirty="0" err="1"/>
               <a:t>punteggio</a:t>
             </a:r>
             <a:r>
-              <a:rPr lang="en-US" dirty="0" smtClean="0"/>
+              <a:rPr lang="en-US" dirty="0"/>
               <a:t> </a:t>
             </a:r>
             <a:r>
-              <a:rPr lang="en-US" dirty="0" err="1" smtClean="0"/>
+              <a:rPr lang="en-US" dirty="0" err="1"/>
               <a:t>dei</a:t>
             </a:r>
             <a:r>
-              <a:rPr lang="en-US" dirty="0" smtClean="0"/>
+              <a:rPr lang="en-US" dirty="0"/>
               <a:t> </a:t>
             </a:r>
             <a:r>
-              <a:rPr lang="en-US" dirty="0" err="1" smtClean="0"/>
+              <a:rPr lang="en-US" dirty="0" err="1"/>
               <a:t>nodi</a:t>
             </a:r>
             <a:r>
-              <a:rPr lang="en-US" dirty="0" smtClean="0"/>
+              <a:rPr lang="en-US" dirty="0"/>
               <a:t> </a:t>
             </a:r>
             <a:r>
-              <a:rPr lang="en-US" dirty="0" err="1" smtClean="0"/>
+              <a:rPr lang="en-US" dirty="0" err="1"/>
               <a:t>adiacenti</a:t>
             </a:r>
             <a:r>
-              <a:rPr lang="en-US" dirty="0" smtClean="0"/>
+              <a:rPr lang="en-US" dirty="0"/>
               <a:t> (Page rank)</a:t>
             </a:r>
-            <a:endParaRPr lang="en-US" dirty="0"/>
-          </a:p>
-          <a:p>
-            <a:r>
-              <a:rPr lang="en-US" dirty="0" smtClean="0"/>
-              <a:t>Degree </a:t>
-            </a:r>
+          </a:p>
+          <a:p>
             <a:r>
               <a:rPr lang="en-US" dirty="0"/>
-              <a:t>centrality (D</a:t>
-            </a:r>
-            <a:r>
-              <a:rPr lang="en-US" dirty="0" smtClean="0"/>
-              <a:t>)</a:t>
+              <a:t>Degree centrality (D)</a:t>
             </a:r>
           </a:p>
           <a:p>
             <a:pPr lvl="1"/>
             <a:r>
-              <a:rPr lang="en-US" dirty="0" err="1" smtClean="0"/>
+              <a:rPr lang="en-US" dirty="0" err="1"/>
               <a:t>Numero</a:t>
             </a:r>
             <a:r>
-              <a:rPr lang="en-US" dirty="0" smtClean="0"/>
+              <a:rPr lang="en-US" dirty="0"/>
               <a:t> di </a:t>
             </a:r>
             <a:r>
-              <a:rPr lang="en-US" dirty="0" err="1" smtClean="0"/>
+              <a:rPr lang="en-US" dirty="0" err="1"/>
               <a:t>nodi</a:t>
             </a:r>
             <a:r>
-              <a:rPr lang="en-US" dirty="0" smtClean="0"/>
+              <a:rPr lang="en-US" dirty="0"/>
               <a:t> </a:t>
             </a:r>
             <a:r>
-              <a:rPr lang="en-US" dirty="0" err="1" smtClean="0"/>
+              <a:rPr lang="en-US" dirty="0" err="1"/>
               <a:t>adiacenti</a:t>
             </a:r>
             <a:endParaRPr lang="it-IT" dirty="0"/>
@@ -8984,19 +8496,19 @@
           <a:lstStyle/>
           <a:p>
             <a:r>
-              <a:rPr lang="it-IT" dirty="0" smtClean="0"/>
+              <a:rPr lang="it-IT" dirty="0"/>
               <a:t>Query </a:t>
             </a:r>
             <a:r>
-              <a:rPr lang="it-IT" dirty="0" err="1" smtClean="0"/>
+              <a:rPr lang="it-IT" dirty="0" err="1"/>
               <a:t>language</a:t>
             </a:r>
             <a:r>
-              <a:rPr lang="it-IT" dirty="0" smtClean="0"/>
+              <a:rPr lang="it-IT" dirty="0"/>
               <a:t>: </a:t>
             </a:r>
             <a:r>
-              <a:rPr lang="it-IT" dirty="0" err="1" smtClean="0"/>
+              <a:rPr lang="it-IT" dirty="0" err="1"/>
               <a:t>Cypher</a:t>
             </a:r>
             <a:endParaRPr lang="it-IT" dirty="0"/>
@@ -9019,89 +8531,88 @@
           <a:lstStyle/>
           <a:p>
             <a:r>
-              <a:rPr lang="it-IT" dirty="0" smtClean="0"/>
+              <a:rPr lang="it-IT" dirty="0"/>
               <a:t>Due clausole principali: </a:t>
             </a:r>
             <a:r>
-              <a:rPr lang="it-IT" b="1" dirty="0" smtClean="0"/>
+              <a:rPr lang="it-IT" b="1" dirty="0"/>
               <a:t>match</a:t>
             </a:r>
             <a:r>
-              <a:rPr lang="it-IT" dirty="0" smtClean="0"/>
+              <a:rPr lang="it-IT" dirty="0"/>
               <a:t> e </a:t>
             </a:r>
             <a:r>
-              <a:rPr lang="it-IT" b="1" dirty="0" err="1" smtClean="0"/>
+              <a:rPr lang="it-IT" b="1" dirty="0" err="1"/>
               <a:t>return</a:t>
             </a:r>
-            <a:endParaRPr lang="it-IT" b="1" dirty="0" smtClean="0"/>
-          </a:p>
-          <a:p>
-            <a:r>
-              <a:rPr lang="it-IT" dirty="0" smtClean="0"/>
+            <a:endParaRPr lang="it-IT" b="1" dirty="0"/>
+          </a:p>
+          <a:p>
+            <a:r>
+              <a:rPr lang="it-IT" dirty="0"/>
               <a:t>Match</a:t>
             </a:r>
           </a:p>
           <a:p>
             <a:pPr lvl="1"/>
             <a:r>
-              <a:rPr lang="it-IT" dirty="0" smtClean="0"/>
+              <a:rPr lang="it-IT" dirty="0"/>
               <a:t>Clausola primaria per estrapolare dati</a:t>
             </a:r>
           </a:p>
           <a:p>
             <a:pPr lvl="1"/>
             <a:r>
-              <a:rPr lang="it-IT" dirty="0" smtClean="0"/>
+              <a:rPr lang="it-IT" dirty="0"/>
               <a:t>Permette di specificare dei pattern</a:t>
             </a:r>
           </a:p>
           <a:p>
             <a:pPr lvl="1"/>
             <a:r>
-              <a:rPr lang="it-IT" dirty="0" smtClean="0"/>
+              <a:rPr lang="it-IT" dirty="0"/>
               <a:t>Possibile utilizzare più clausole di match</a:t>
             </a:r>
           </a:p>
           <a:p>
             <a:pPr lvl="1"/>
             <a:r>
-              <a:rPr lang="it-IT" dirty="0" smtClean="0"/>
+              <a:rPr lang="it-IT" dirty="0"/>
               <a:t>Corrisponde (più o meno) alla combinazione di WHERE e JOIN in SQL</a:t>
             </a:r>
           </a:p>
           <a:p>
             <a:r>
-              <a:rPr lang="it-IT" dirty="0" smtClean="0"/>
+              <a:rPr lang="it-IT" dirty="0"/>
               <a:t>Return</a:t>
             </a:r>
           </a:p>
           <a:p>
             <a:pPr lvl="1"/>
             <a:r>
-              <a:rPr lang="it-IT" dirty="0" smtClean="0"/>
+              <a:rPr lang="it-IT" dirty="0"/>
               <a:t>Clausola per indicare i dati da restituire (nodi, archi, proprietà, espressioni)</a:t>
             </a:r>
           </a:p>
           <a:p>
             <a:pPr lvl="1"/>
             <a:r>
-              <a:rPr lang="it-IT" dirty="0" smtClean="0"/>
+              <a:rPr lang="it-IT" dirty="0"/>
               <a:t>Un’unica clausola per </a:t>
             </a:r>
             <a:r>
-              <a:rPr lang="it-IT" dirty="0" err="1" smtClean="0"/>
+              <a:rPr lang="it-IT" dirty="0" err="1"/>
               <a:t>query</a:t>
             </a:r>
-            <a:endParaRPr lang="it-IT" dirty="0" smtClean="0"/>
+            <a:endParaRPr lang="it-IT" dirty="0"/>
           </a:p>
           <a:p>
             <a:pPr lvl="1"/>
             <a:r>
-              <a:rPr lang="it-IT" dirty="0" smtClean="0"/>
+              <a:rPr lang="it-IT" dirty="0"/>
               <a:t>Corrisponde alla SELECT in SQL</a:t>
             </a:r>
-            <a:endParaRPr lang="it-IT" dirty="0"/>
           </a:p>
         </p:txBody>
       </p:sp>

--- a/slides/04 - E4 - Neo4j.pptx
+++ b/slides/04 - E4 - Neo4j.pptx
@@ -228,7 +228,7 @@
           <a:p>
             <a:fld id="{8C81D565-392B-4AB9-9647-420EF17AA3FC}" type="datetimeFigureOut">
               <a:rPr lang="it-IT" smtClean="0"/>
-              <a:t>22/12/2021</a:t>
+              <a:t>27/12/2021</a:t>
             </a:fld>
             <a:endParaRPr lang="it-IT" dirty="0"/>
           </a:p>
@@ -814,7 +814,7 @@
           <a:p>
             <a:fld id="{65061730-2F0F-4B55-83F4-33856D80FFD7}" type="datetime1">
               <a:rPr lang="en-US" smtClean="0"/>
-              <a:t>12/22/2021</a:t>
+              <a:t>12/27/2021</a:t>
             </a:fld>
             <a:endParaRPr lang="en-US" dirty="0"/>
           </a:p>
@@ -1022,7 +1022,7 @@
           <a:p>
             <a:fld id="{BE1035D6-F845-4530-B289-DD4EC9CAE501}" type="datetime1">
               <a:rPr lang="en-US" smtClean="0"/>
-              <a:t>12/22/2021</a:t>
+              <a:t>12/27/2021</a:t>
             </a:fld>
             <a:endParaRPr lang="en-US" dirty="0"/>
           </a:p>
@@ -1278,7 +1278,7 @@
           <a:p>
             <a:fld id="{EDD3DE46-844C-40F1-AAA7-78AD6518D44C}" type="datetime1">
               <a:rPr lang="en-US" smtClean="0"/>
-              <a:t>12/22/2021</a:t>
+              <a:t>12/27/2021</a:t>
             </a:fld>
             <a:endParaRPr lang="en-US" dirty="0"/>
           </a:p>
@@ -1450,7 +1450,7 @@
           <a:p>
             <a:fld id="{1FCF7768-7A83-43C9-9C3D-95CD5F68D7E2}" type="datetime1">
               <a:rPr lang="en-US" smtClean="0"/>
-              <a:t>12/22/2021</a:t>
+              <a:t>12/27/2021</a:t>
             </a:fld>
             <a:endParaRPr lang="en-US" dirty="0"/>
           </a:p>
@@ -1793,7 +1793,7 @@
           <a:p>
             <a:fld id="{58DD30C4-1715-4BC2-976F-EF7BA4DC70B4}" type="datetime1">
               <a:rPr lang="en-US" smtClean="0"/>
-              <a:t>12/22/2021</a:t>
+              <a:t>12/27/2021</a:t>
             </a:fld>
             <a:endParaRPr lang="en-US" dirty="0"/>
           </a:p>
@@ -2068,7 +2068,7 @@
           <a:p>
             <a:fld id="{E92CF10C-564E-48D4-BE3A-05BB93A7F107}" type="datetime1">
               <a:rPr lang="en-US" smtClean="0"/>
-              <a:t>12/22/2021</a:t>
+              <a:t>12/27/2021</a:t>
             </a:fld>
             <a:endParaRPr lang="en-US" dirty="0"/>
           </a:p>
@@ -2447,7 +2447,7 @@
           <a:p>
             <a:fld id="{CEF5B9DB-33AD-46E7-ADFD-C52815BFEA09}" type="datetime1">
               <a:rPr lang="en-US" smtClean="0"/>
-              <a:t>12/22/2021</a:t>
+              <a:t>12/27/2021</a:t>
             </a:fld>
             <a:endParaRPr lang="en-US" dirty="0"/>
           </a:p>
@@ -2565,7 +2565,7 @@
           <a:p>
             <a:fld id="{EFC02824-932F-46A1-8D0D-D52979BEE663}" type="datetime1">
               <a:rPr lang="en-US" smtClean="0"/>
-              <a:t>12/22/2021</a:t>
+              <a:t>12/27/2021</a:t>
             </a:fld>
             <a:endParaRPr lang="en-US" dirty="0"/>
           </a:p>
@@ -2736,7 +2736,7 @@
           <a:p>
             <a:fld id="{36233CB2-1968-4F08-9AB4-83693145DE18}" type="datetime1">
               <a:rPr lang="en-US" smtClean="0"/>
-              <a:t>12/22/2021</a:t>
+              <a:t>12/27/2021</a:t>
             </a:fld>
             <a:endParaRPr lang="en-US" dirty="0"/>
           </a:p>
@@ -3091,7 +3091,7 @@
           <a:p>
             <a:fld id="{F8F6D7E5-1322-4764-A2E4-7B71FFFDE726}" type="datetime1">
               <a:rPr lang="en-US" smtClean="0"/>
-              <a:t>12/22/2021</a:t>
+              <a:t>12/27/2021</a:t>
             </a:fld>
             <a:endParaRPr lang="en-US" dirty="0"/>
           </a:p>
@@ -3469,7 +3469,7 @@
           <a:p>
             <a:fld id="{E26D0A1A-929F-4DC6-9A8A-74A15252C912}" type="datetime1">
               <a:rPr lang="en-US" smtClean="0"/>
-              <a:t>12/22/2021</a:t>
+              <a:t>12/27/2021</a:t>
             </a:fld>
             <a:endParaRPr lang="en-US" dirty="0"/>
           </a:p>
@@ -3756,7 +3756,7 @@
           <a:p>
             <a:fld id="{EDD3DE46-844C-40F1-AAA7-78AD6518D44C}" type="datetime1">
               <a:rPr lang="en-US" smtClean="0"/>
-              <a:t>12/22/2021</a:t>
+              <a:t>12/27/2021</a:t>
             </a:fld>
             <a:endParaRPr lang="en-US" dirty="0"/>
           </a:p>
@@ -7359,7 +7359,7 @@
           <a:p>
             <a:r>
               <a:rPr lang="it-IT" dirty="0"/>
-              <a:t>Le relazioni sono puntatori contenuto dentro ad un nodo e che rimandano direttamente ad un altro nodo</a:t>
+              <a:t>Le relazioni sono puntatori contenuti dentro ad un nodo e che rimandano direttamente ad un altro nodo</a:t>
             </a:r>
           </a:p>
           <a:p>

--- a/slides/04 - E4 - Neo4j.pptx
+++ b/slides/04 - E4 - Neo4j.pptx
@@ -5,26 +5,27 @@
     <p:sldMasterId id="2147483793" r:id="rId1"/>
   </p:sldMasterIdLst>
   <p:notesMasterIdLst>
-    <p:notesMasterId r:id="rId19"/>
+    <p:notesMasterId r:id="rId20"/>
   </p:notesMasterIdLst>
   <p:sldIdLst>
     <p:sldId id="256" r:id="rId2"/>
     <p:sldId id="259" r:id="rId3"/>
-    <p:sldId id="262" r:id="rId4"/>
-    <p:sldId id="263" r:id="rId5"/>
-    <p:sldId id="270" r:id="rId6"/>
-    <p:sldId id="266" r:id="rId7"/>
-    <p:sldId id="267" r:id="rId8"/>
-    <p:sldId id="269" r:id="rId9"/>
-    <p:sldId id="268" r:id="rId10"/>
-    <p:sldId id="271" r:id="rId11"/>
-    <p:sldId id="272" r:id="rId12"/>
-    <p:sldId id="273" r:id="rId13"/>
-    <p:sldId id="275" r:id="rId14"/>
-    <p:sldId id="276" r:id="rId15"/>
-    <p:sldId id="278" r:id="rId16"/>
-    <p:sldId id="277" r:id="rId17"/>
-    <p:sldId id="264" r:id="rId18"/>
+    <p:sldId id="279" r:id="rId4"/>
+    <p:sldId id="262" r:id="rId5"/>
+    <p:sldId id="263" r:id="rId6"/>
+    <p:sldId id="270" r:id="rId7"/>
+    <p:sldId id="266" r:id="rId8"/>
+    <p:sldId id="267" r:id="rId9"/>
+    <p:sldId id="269" r:id="rId10"/>
+    <p:sldId id="268" r:id="rId11"/>
+    <p:sldId id="271" r:id="rId12"/>
+    <p:sldId id="272" r:id="rId13"/>
+    <p:sldId id="273" r:id="rId14"/>
+    <p:sldId id="275" r:id="rId15"/>
+    <p:sldId id="276" r:id="rId16"/>
+    <p:sldId id="278" r:id="rId17"/>
+    <p:sldId id="277" r:id="rId18"/>
+    <p:sldId id="264" r:id="rId19"/>
   </p:sldIdLst>
   <p:sldSz cx="9144000" cy="6858000" type="screen4x3"/>
   <p:notesSz cx="6858000" cy="9144000"/>
@@ -228,7 +229,7 @@
           <a:p>
             <a:fld id="{8C81D565-392B-4AB9-9647-420EF17AA3FC}" type="datetimeFigureOut">
               <a:rPr lang="it-IT" smtClean="0"/>
-              <a:t>27/12/2021</a:t>
+              <a:t>16/02/2022</a:t>
             </a:fld>
             <a:endParaRPr lang="it-IT" dirty="0"/>
           </a:p>
@@ -814,7 +815,7 @@
           <a:p>
             <a:fld id="{65061730-2F0F-4B55-83F4-33856D80FFD7}" type="datetime1">
               <a:rPr lang="en-US" smtClean="0"/>
-              <a:t>12/27/2021</a:t>
+              <a:t>2/16/2022</a:t>
             </a:fld>
             <a:endParaRPr lang="en-US" dirty="0"/>
           </a:p>
@@ -1022,7 +1023,7 @@
           <a:p>
             <a:fld id="{BE1035D6-F845-4530-B289-DD4EC9CAE501}" type="datetime1">
               <a:rPr lang="en-US" smtClean="0"/>
-              <a:t>12/27/2021</a:t>
+              <a:t>2/16/2022</a:t>
             </a:fld>
             <a:endParaRPr lang="en-US" dirty="0"/>
           </a:p>
@@ -1278,7 +1279,7 @@
           <a:p>
             <a:fld id="{EDD3DE46-844C-40F1-AAA7-78AD6518D44C}" type="datetime1">
               <a:rPr lang="en-US" smtClean="0"/>
-              <a:t>12/27/2021</a:t>
+              <a:t>2/16/2022</a:t>
             </a:fld>
             <a:endParaRPr lang="en-US" dirty="0"/>
           </a:p>
@@ -1450,7 +1451,7 @@
           <a:p>
             <a:fld id="{1FCF7768-7A83-43C9-9C3D-95CD5F68D7E2}" type="datetime1">
               <a:rPr lang="en-US" smtClean="0"/>
-              <a:t>12/27/2021</a:t>
+              <a:t>2/16/2022</a:t>
             </a:fld>
             <a:endParaRPr lang="en-US" dirty="0"/>
           </a:p>
@@ -1793,7 +1794,7 @@
           <a:p>
             <a:fld id="{58DD30C4-1715-4BC2-976F-EF7BA4DC70B4}" type="datetime1">
               <a:rPr lang="en-US" smtClean="0"/>
-              <a:t>12/27/2021</a:t>
+              <a:t>2/16/2022</a:t>
             </a:fld>
             <a:endParaRPr lang="en-US" dirty="0"/>
           </a:p>
@@ -2068,7 +2069,7 @@
           <a:p>
             <a:fld id="{E92CF10C-564E-48D4-BE3A-05BB93A7F107}" type="datetime1">
               <a:rPr lang="en-US" smtClean="0"/>
-              <a:t>12/27/2021</a:t>
+              <a:t>2/16/2022</a:t>
             </a:fld>
             <a:endParaRPr lang="en-US" dirty="0"/>
           </a:p>
@@ -2447,7 +2448,7 @@
           <a:p>
             <a:fld id="{CEF5B9DB-33AD-46E7-ADFD-C52815BFEA09}" type="datetime1">
               <a:rPr lang="en-US" smtClean="0"/>
-              <a:t>12/27/2021</a:t>
+              <a:t>2/16/2022</a:t>
             </a:fld>
             <a:endParaRPr lang="en-US" dirty="0"/>
           </a:p>
@@ -2565,7 +2566,7 @@
           <a:p>
             <a:fld id="{EFC02824-932F-46A1-8D0D-D52979BEE663}" type="datetime1">
               <a:rPr lang="en-US" smtClean="0"/>
-              <a:t>12/27/2021</a:t>
+              <a:t>2/16/2022</a:t>
             </a:fld>
             <a:endParaRPr lang="en-US" dirty="0"/>
           </a:p>
@@ -2736,7 +2737,7 @@
           <a:p>
             <a:fld id="{36233CB2-1968-4F08-9AB4-83693145DE18}" type="datetime1">
               <a:rPr lang="en-US" smtClean="0"/>
-              <a:t>12/27/2021</a:t>
+              <a:t>2/16/2022</a:t>
             </a:fld>
             <a:endParaRPr lang="en-US" dirty="0"/>
           </a:p>
@@ -3091,7 +3092,7 @@
           <a:p>
             <a:fld id="{F8F6D7E5-1322-4764-A2E4-7B71FFFDE726}" type="datetime1">
               <a:rPr lang="en-US" smtClean="0"/>
-              <a:t>12/27/2021</a:t>
+              <a:t>2/16/2022</a:t>
             </a:fld>
             <a:endParaRPr lang="en-US" dirty="0"/>
           </a:p>
@@ -3469,7 +3470,7 @@
           <a:p>
             <a:fld id="{E26D0A1A-929F-4DC6-9A8A-74A15252C912}" type="datetime1">
               <a:rPr lang="en-US" smtClean="0"/>
-              <a:t>12/27/2021</a:t>
+              <a:t>2/16/2022</a:t>
             </a:fld>
             <a:endParaRPr lang="en-US" dirty="0"/>
           </a:p>
@@ -3756,7 +3757,7 @@
           <a:p>
             <a:fld id="{EDD3DE46-844C-40F1-AAA7-78AD6518D44C}" type="datetime1">
               <a:rPr lang="en-US" smtClean="0"/>
-              <a:t>12/27/2021</a:t>
+              <a:t>2/16/2022</a:t>
             </a:fld>
             <a:endParaRPr lang="en-US" dirty="0"/>
           </a:p>
@@ -4330,7 +4331,7 @@
         </p:spPr>
         <p:txBody>
           <a:bodyPr>
-            <a:normAutofit fontScale="77500" lnSpcReduction="20000"/>
+            <a:normAutofit fontScale="70000" lnSpcReduction="20000"/>
           </a:bodyPr>
           <a:lstStyle/>
           <a:p>
@@ -4658,13 +4659,22 @@
           <a:lstStyle/>
           <a:p>
             <a:r>
+              <a:rPr lang="it-IT" dirty="0"/>
+              <a:t>Query </a:t>
+            </a:r>
+            <a:r>
+              <a:rPr lang="it-IT" dirty="0" err="1"/>
+              <a:t>language</a:t>
+            </a:r>
+            <a:r>
+              <a:rPr lang="it-IT" dirty="0"/>
+              <a:t>: </a:t>
+            </a:r>
+            <a:r>
               <a:rPr lang="it-IT" dirty="0" err="1"/>
               <a:t>Cypher</a:t>
             </a:r>
-            <a:r>
-              <a:rPr lang="it-IT" dirty="0"/>
-              <a:t> - Esempi</a:t>
-            </a:r>
+            <a:endParaRPr lang="it-IT" dirty="0"/>
           </a:p>
         </p:txBody>
       </p:sp>
@@ -4685,132 +4695,86 @@
           <a:p>
             <a:r>
               <a:rPr lang="it-IT" dirty="0"/>
-              <a:t>Esempi</a:t>
+              <a:t>Due clausole principali: </a:t>
+            </a:r>
+            <a:r>
+              <a:rPr lang="it-IT" b="1" dirty="0"/>
+              <a:t>match</a:t>
+            </a:r>
+            <a:r>
+              <a:rPr lang="it-IT" dirty="0"/>
+              <a:t> e </a:t>
+            </a:r>
+            <a:r>
+              <a:rPr lang="it-IT" b="1" dirty="0" err="1"/>
+              <a:t>return</a:t>
+            </a:r>
+            <a:endParaRPr lang="it-IT" b="1" dirty="0"/>
+          </a:p>
+          <a:p>
+            <a:r>
+              <a:rPr lang="it-IT" dirty="0"/>
+              <a:t>Match</a:t>
             </a:r>
           </a:p>
           <a:p>
             <a:pPr lvl="1"/>
             <a:r>
               <a:rPr lang="it-IT" dirty="0"/>
-              <a:t>MATCH (</a:t>
+              <a:t>Clausola primaria per estrapolare dati</a:t>
+            </a:r>
+          </a:p>
+          <a:p>
+            <a:pPr lvl="1"/>
+            <a:r>
+              <a:rPr lang="it-IT" dirty="0"/>
+              <a:t>Permette di specificare dei pattern</a:t>
+            </a:r>
+          </a:p>
+          <a:p>
+            <a:pPr lvl="1"/>
+            <a:r>
+              <a:rPr lang="it-IT" dirty="0"/>
+              <a:t>Possibile utilizzare più clausole di match</a:t>
+            </a:r>
+          </a:p>
+          <a:p>
+            <a:pPr lvl="1"/>
+            <a:r>
+              <a:rPr lang="it-IT" dirty="0"/>
+              <a:t>Corrisponde (più o meno) alla combinazione di WHERE e JOIN in SQL</a:t>
+            </a:r>
+          </a:p>
+          <a:p>
+            <a:r>
+              <a:rPr lang="it-IT" dirty="0"/>
+              <a:t>Return</a:t>
+            </a:r>
+          </a:p>
+          <a:p>
+            <a:pPr lvl="1"/>
+            <a:r>
+              <a:rPr lang="it-IT" dirty="0"/>
+              <a:t>Clausola per indicare i dati da restituire (nodi, archi, proprietà, espressioni)</a:t>
+            </a:r>
+          </a:p>
+          <a:p>
+            <a:pPr lvl="1"/>
+            <a:r>
+              <a:rPr lang="it-IT" dirty="0"/>
+              <a:t>Un’unica clausola per </a:t>
             </a:r>
             <a:r>
               <a:rPr lang="it-IT" dirty="0" err="1"/>
-              <a:t>p:Person</a:t>
-            </a:r>
-            <a:r>
-              <a:rPr lang="it-IT" dirty="0"/>
-              <a:t>)-[:</a:t>
-            </a:r>
-            <a:r>
-              <a:rPr lang="it-IT" dirty="0" err="1"/>
-              <a:t>Likes</a:t>
-            </a:r>
-            <a:r>
-              <a:rPr lang="it-IT" dirty="0"/>
-              <a:t>]-&gt;(</a:t>
-            </a:r>
-            <a:r>
-              <a:rPr lang="it-IT" dirty="0" err="1"/>
-              <a:t>f:Person</a:t>
-            </a:r>
-            <a:r>
-              <a:rPr lang="it-IT" dirty="0"/>
-              <a:t>)</a:t>
-            </a:r>
-            <a:br>
-              <a:rPr lang="it-IT" dirty="0"/>
-            </a:br>
-            <a:r>
-              <a:rPr lang="it-IT" dirty="0"/>
-              <a:t>RETURN p.name, </a:t>
-            </a:r>
-            <a:r>
-              <a:rPr lang="it-IT" dirty="0" err="1"/>
-              <a:t>f.sex</a:t>
+              <a:t>query</a:t>
             </a:r>
             <a:endParaRPr lang="it-IT" dirty="0"/>
           </a:p>
           <a:p>
             <a:pPr lvl="1"/>
-            <a:endParaRPr lang="it-IT" dirty="0"/>
-          </a:p>
-          <a:p>
-            <a:pPr lvl="1"/>
-            <a:endParaRPr lang="it-IT" dirty="0"/>
-          </a:p>
-          <a:p>
-            <a:pPr lvl="1"/>
-            <a:endParaRPr lang="it-IT" dirty="0"/>
-          </a:p>
-          <a:p>
-            <a:pPr lvl="1"/>
-            <a:endParaRPr lang="it-IT" dirty="0"/>
-          </a:p>
-          <a:p>
-            <a:pPr lvl="1"/>
-            <a:endParaRPr lang="it-IT" dirty="0"/>
-          </a:p>
-          <a:p>
-            <a:pPr lvl="1"/>
-            <a:endParaRPr lang="it-IT" dirty="0"/>
-          </a:p>
-          <a:p>
-            <a:pPr lvl="1"/>
-            <a:endParaRPr lang="it-IT" dirty="0"/>
-          </a:p>
-          <a:p>
-            <a:pPr lvl="1"/>
-            <a:r>
-              <a:rPr lang="it-IT" dirty="0"/>
-              <a:t>MATCH (</a:t>
-            </a:r>
-            <a:r>
-              <a:rPr lang="it-IT" dirty="0" err="1"/>
-              <a:t>p:Person</a:t>
-            </a:r>
-            <a:r>
-              <a:rPr lang="it-IT" dirty="0"/>
-              <a:t>)-[:</a:t>
-            </a:r>
-            <a:r>
-              <a:rPr lang="it-IT" dirty="0" err="1"/>
-              <a:t>Likes</a:t>
-            </a:r>
-            <a:r>
-              <a:rPr lang="it-IT" dirty="0"/>
-              <a:t>]-&gt;(:</a:t>
-            </a:r>
-            <a:r>
-              <a:rPr lang="it-IT" dirty="0" err="1"/>
-              <a:t>Person</a:t>
-            </a:r>
-            <a:r>
-              <a:rPr lang="it-IT" dirty="0"/>
-              <a:t>) -[:</a:t>
-            </a:r>
-            <a:r>
-              <a:rPr lang="it-IT" dirty="0" err="1"/>
-              <a:t>Likes</a:t>
-            </a:r>
-            <a:r>
-              <a:rPr lang="it-IT" dirty="0"/>
-              <a:t>]-&gt;(</a:t>
-            </a:r>
-            <a:r>
-              <a:rPr lang="it-IT" dirty="0" err="1"/>
-              <a:t>fof:Person</a:t>
-            </a:r>
-            <a:r>
-              <a:rPr lang="it-IT" dirty="0"/>
-              <a:t>)</a:t>
-            </a:r>
-            <a:br>
-              <a:rPr lang="it-IT" dirty="0"/>
-            </a:br>
-            <a:r>
-              <a:rPr lang="it-IT" dirty="0"/>
-              <a:t>RETURN p.name, fof.name</a:t>
+            <a:r>
+              <a:rPr lang="it-IT" dirty="0"/>
+              <a:t>Corrisponde alla SELECT in SQL</a:t>
             </a:r>
           </a:p>
         </p:txBody>
@@ -4833,6 +4797,232 @@
             <a:fld id="{629637A9-119A-49DA-BD12-AAC58B377D80}" type="slidenum">
               <a:rPr lang="en-US" smtClean="0"/>
               <a:t>10</a:t>
+            </a:fld>
+            <a:endParaRPr lang="en-US" dirty="0"/>
+          </a:p>
+        </p:txBody>
+      </p:sp>
+    </p:spTree>
+    <p:extLst>
+      <p:ext uri="{BB962C8B-B14F-4D97-AF65-F5344CB8AC3E}">
+        <p14:creationId xmlns:p14="http://schemas.microsoft.com/office/powerpoint/2010/main" val="201265747"/>
+      </p:ext>
+    </p:extLst>
+  </p:cSld>
+  <p:clrMapOvr>
+    <a:masterClrMapping/>
+  </p:clrMapOvr>
+</p:sld>
+</file>
+
+<file path=ppt/slides/slide11.xml><?xml version="1.0" encoding="utf-8"?>
+<p:sld xmlns:a="http://schemas.openxmlformats.org/drawingml/2006/main" xmlns:r="http://schemas.openxmlformats.org/officeDocument/2006/relationships" xmlns:p="http://schemas.openxmlformats.org/presentationml/2006/main">
+  <p:cSld>
+    <p:spTree>
+      <p:nvGrpSpPr>
+        <p:cNvPr id="1" name=""/>
+        <p:cNvGrpSpPr/>
+        <p:nvPr/>
+      </p:nvGrpSpPr>
+      <p:grpSpPr>
+        <a:xfrm>
+          <a:off x="0" y="0"/>
+          <a:ext cx="0" cy="0"/>
+          <a:chOff x="0" y="0"/>
+          <a:chExt cx="0" cy="0"/>
+        </a:xfrm>
+      </p:grpSpPr>
+      <p:sp>
+        <p:nvSpPr>
+          <p:cNvPr id="2" name="Titolo 1"/>
+          <p:cNvSpPr>
+            <a:spLocks noGrp="1"/>
+          </p:cNvSpPr>
+          <p:nvPr>
+            <p:ph type="title"/>
+          </p:nvPr>
+        </p:nvSpPr>
+        <p:spPr/>
+        <p:txBody>
+          <a:bodyPr/>
+          <a:lstStyle/>
+          <a:p>
+            <a:r>
+              <a:rPr lang="it-IT" dirty="0" err="1"/>
+              <a:t>Cypher</a:t>
+            </a:r>
+            <a:r>
+              <a:rPr lang="it-IT" dirty="0"/>
+              <a:t> - Esempi</a:t>
+            </a:r>
+          </a:p>
+        </p:txBody>
+      </p:sp>
+      <p:sp>
+        <p:nvSpPr>
+          <p:cNvPr id="3" name="Segnaposto contenuto 2"/>
+          <p:cNvSpPr>
+            <a:spLocks noGrp="1"/>
+          </p:cNvSpPr>
+          <p:nvPr>
+            <p:ph idx="1"/>
+          </p:nvPr>
+        </p:nvSpPr>
+        <p:spPr/>
+        <p:txBody>
+          <a:bodyPr/>
+          <a:lstStyle/>
+          <a:p>
+            <a:r>
+              <a:rPr lang="it-IT" dirty="0"/>
+              <a:t>Esempi</a:t>
+            </a:r>
+          </a:p>
+          <a:p>
+            <a:pPr lvl="1"/>
+            <a:r>
+              <a:rPr lang="it-IT" dirty="0"/>
+              <a:t>MATCH (</a:t>
+            </a:r>
+            <a:r>
+              <a:rPr lang="it-IT" dirty="0" err="1"/>
+              <a:t>p:Person</a:t>
+            </a:r>
+            <a:r>
+              <a:rPr lang="it-IT" dirty="0"/>
+              <a:t>)-[:</a:t>
+            </a:r>
+            <a:r>
+              <a:rPr lang="it-IT" dirty="0" err="1"/>
+              <a:t>Likes</a:t>
+            </a:r>
+            <a:r>
+              <a:rPr lang="it-IT" dirty="0"/>
+              <a:t>]-&gt;(</a:t>
+            </a:r>
+            <a:r>
+              <a:rPr lang="it-IT" dirty="0" err="1"/>
+              <a:t>f:Person</a:t>
+            </a:r>
+            <a:r>
+              <a:rPr lang="it-IT" dirty="0"/>
+              <a:t>)</a:t>
+            </a:r>
+            <a:br>
+              <a:rPr lang="it-IT" dirty="0"/>
+            </a:br>
+            <a:r>
+              <a:rPr lang="it-IT" dirty="0"/>
+              <a:t>RETURN p.name, </a:t>
+            </a:r>
+            <a:r>
+              <a:rPr lang="it-IT" dirty="0" err="1"/>
+              <a:t>f.sex</a:t>
+            </a:r>
+            <a:endParaRPr lang="it-IT" dirty="0"/>
+          </a:p>
+          <a:p>
+            <a:pPr lvl="1"/>
+            <a:endParaRPr lang="it-IT" dirty="0"/>
+          </a:p>
+          <a:p>
+            <a:pPr lvl="1"/>
+            <a:endParaRPr lang="it-IT" dirty="0"/>
+          </a:p>
+          <a:p>
+            <a:pPr lvl="1"/>
+            <a:endParaRPr lang="it-IT" dirty="0"/>
+          </a:p>
+          <a:p>
+            <a:pPr lvl="1"/>
+            <a:endParaRPr lang="it-IT" dirty="0"/>
+          </a:p>
+          <a:p>
+            <a:pPr lvl="1"/>
+            <a:endParaRPr lang="it-IT" dirty="0"/>
+          </a:p>
+          <a:p>
+            <a:pPr lvl="1"/>
+            <a:endParaRPr lang="it-IT" dirty="0"/>
+          </a:p>
+          <a:p>
+            <a:pPr lvl="1"/>
+            <a:endParaRPr lang="it-IT" dirty="0"/>
+          </a:p>
+          <a:p>
+            <a:pPr lvl="1"/>
+            <a:r>
+              <a:rPr lang="it-IT" dirty="0"/>
+              <a:t>MATCH (</a:t>
+            </a:r>
+            <a:r>
+              <a:rPr lang="it-IT" dirty="0" err="1"/>
+              <a:t>p:Person</a:t>
+            </a:r>
+            <a:r>
+              <a:rPr lang="it-IT" dirty="0"/>
+              <a:t>)-[:</a:t>
+            </a:r>
+            <a:r>
+              <a:rPr lang="it-IT" dirty="0" err="1"/>
+              <a:t>Likes</a:t>
+            </a:r>
+            <a:r>
+              <a:rPr lang="it-IT" dirty="0"/>
+              <a:t>]-&gt;(:</a:t>
+            </a:r>
+            <a:r>
+              <a:rPr lang="it-IT" dirty="0" err="1"/>
+              <a:t>Person</a:t>
+            </a:r>
+            <a:r>
+              <a:rPr lang="it-IT" dirty="0"/>
+              <a:t>) -[:</a:t>
+            </a:r>
+            <a:r>
+              <a:rPr lang="it-IT" dirty="0" err="1"/>
+              <a:t>Likes</a:t>
+            </a:r>
+            <a:r>
+              <a:rPr lang="it-IT" dirty="0"/>
+              <a:t>]-&gt;(</a:t>
+            </a:r>
+            <a:r>
+              <a:rPr lang="it-IT" dirty="0" err="1"/>
+              <a:t>fof:Person</a:t>
+            </a:r>
+            <a:r>
+              <a:rPr lang="it-IT" dirty="0"/>
+              <a:t>)</a:t>
+            </a:r>
+            <a:br>
+              <a:rPr lang="it-IT" dirty="0"/>
+            </a:br>
+            <a:r>
+              <a:rPr lang="it-IT" dirty="0"/>
+              <a:t>RETURN p.name, fof.name</a:t>
+            </a:r>
+          </a:p>
+        </p:txBody>
+      </p:sp>
+      <p:sp>
+        <p:nvSpPr>
+          <p:cNvPr id="4" name="Segnaposto numero diapositiva 3"/>
+          <p:cNvSpPr>
+            <a:spLocks noGrp="1"/>
+          </p:cNvSpPr>
+          <p:nvPr>
+            <p:ph type="sldNum" sz="quarter" idx="12"/>
+          </p:nvPr>
+        </p:nvSpPr>
+        <p:spPr/>
+        <p:txBody>
+          <a:bodyPr/>
+          <a:lstStyle/>
+          <a:p>
+            <a:fld id="{629637A9-119A-49DA-BD12-AAC58B377D80}" type="slidenum">
+              <a:rPr lang="en-US" smtClean="0"/>
+              <a:t>11</a:t>
             </a:fld>
             <a:endParaRPr lang="en-US" dirty="0"/>
           </a:p>
@@ -4923,350 +5113,6 @@
 </p:sld>
 </file>
 
-<file path=ppt/slides/slide11.xml><?xml version="1.0" encoding="utf-8"?>
-<p:sld xmlns:a="http://schemas.openxmlformats.org/drawingml/2006/main" xmlns:r="http://schemas.openxmlformats.org/officeDocument/2006/relationships" xmlns:p="http://schemas.openxmlformats.org/presentationml/2006/main">
-  <p:cSld>
-    <p:spTree>
-      <p:nvGrpSpPr>
-        <p:cNvPr id="1" name=""/>
-        <p:cNvGrpSpPr/>
-        <p:nvPr/>
-      </p:nvGrpSpPr>
-      <p:grpSpPr>
-        <a:xfrm>
-          <a:off x="0" y="0"/>
-          <a:ext cx="0" cy="0"/>
-          <a:chOff x="0" y="0"/>
-          <a:chExt cx="0" cy="0"/>
-        </a:xfrm>
-      </p:grpSpPr>
-      <p:sp>
-        <p:nvSpPr>
-          <p:cNvPr id="2" name="Titolo 1"/>
-          <p:cNvSpPr>
-            <a:spLocks noGrp="1"/>
-          </p:cNvSpPr>
-          <p:nvPr>
-            <p:ph type="title"/>
-          </p:nvPr>
-        </p:nvSpPr>
-        <p:spPr/>
-        <p:txBody>
-          <a:bodyPr/>
-          <a:lstStyle/>
-          <a:p>
-            <a:r>
-              <a:rPr lang="it-IT" dirty="0" err="1"/>
-              <a:t>Cypher</a:t>
-            </a:r>
-            <a:r>
-              <a:rPr lang="it-IT" dirty="0"/>
-              <a:t> – Sintassi dei pattern</a:t>
-            </a:r>
-          </a:p>
-        </p:txBody>
-      </p:sp>
-      <p:sp>
-        <p:nvSpPr>
-          <p:cNvPr id="3" name="Segnaposto contenuto 2"/>
-          <p:cNvSpPr>
-            <a:spLocks noGrp="1"/>
-          </p:cNvSpPr>
-          <p:nvPr>
-            <p:ph idx="1"/>
-          </p:nvPr>
-        </p:nvSpPr>
-        <p:spPr>
-          <a:xfrm>
-            <a:off x="822958" y="1845733"/>
-            <a:ext cx="8201771" cy="4242245"/>
-          </a:xfrm>
-        </p:spPr>
-        <p:txBody>
-          <a:bodyPr>
-            <a:normAutofit fontScale="85000" lnSpcReduction="10000"/>
-          </a:bodyPr>
-          <a:lstStyle/>
-          <a:p>
-            <a:r>
-              <a:rPr lang="it-IT" dirty="0"/>
-              <a:t>Sintassi per i nodi</a:t>
-            </a:r>
-          </a:p>
-          <a:p>
-            <a:pPr lvl="1"/>
-            <a:r>
-              <a:rPr lang="it-IT" dirty="0"/>
-              <a:t>() 					nodo non identificato</a:t>
-            </a:r>
-          </a:p>
-          <a:p>
-            <a:pPr lvl="1"/>
-            <a:r>
-              <a:rPr lang="it-IT" dirty="0"/>
-              <a:t>(</a:t>
-            </a:r>
-            <a:r>
-              <a:rPr lang="it-IT" dirty="0" err="1"/>
-              <a:t>matrix</a:t>
-            </a:r>
-            <a:r>
-              <a:rPr lang="it-IT" dirty="0"/>
-              <a:t>) 				nodo identificato dalla variabile </a:t>
-            </a:r>
-            <a:r>
-              <a:rPr lang="it-IT" i="1" dirty="0" err="1"/>
-              <a:t>matrix</a:t>
-            </a:r>
-            <a:endParaRPr lang="it-IT" dirty="0"/>
-          </a:p>
-          <a:p>
-            <a:pPr lvl="1"/>
-            <a:r>
-              <a:rPr lang="it-IT" dirty="0"/>
-              <a:t>(:Movie) 				nodo non identificato di classe Movie</a:t>
-            </a:r>
-          </a:p>
-          <a:p>
-            <a:pPr lvl="1"/>
-            <a:r>
-              <a:rPr lang="it-IT" dirty="0"/>
-              <a:t>(</a:t>
-            </a:r>
-            <a:r>
-              <a:rPr lang="it-IT" dirty="0" err="1"/>
-              <a:t>matrix:Movie:Action</a:t>
-            </a:r>
-            <a:r>
-              <a:rPr lang="it-IT" dirty="0"/>
-              <a:t>) 			nodo con classi Movie e Action identificato</a:t>
-            </a:r>
-            <a:br>
-              <a:rPr lang="it-IT" dirty="0"/>
-            </a:br>
-            <a:r>
-              <a:rPr lang="it-IT" dirty="0"/>
-              <a:t>					dalla variabile </a:t>
-            </a:r>
-            <a:r>
-              <a:rPr lang="it-IT" i="1" dirty="0" err="1"/>
-              <a:t>matrix</a:t>
-            </a:r>
-            <a:endParaRPr lang="it-IT" i="1" dirty="0"/>
-          </a:p>
-          <a:p>
-            <a:pPr lvl="1"/>
-            <a:r>
-              <a:rPr lang="it-IT" dirty="0"/>
-              <a:t>(</a:t>
-            </a:r>
-            <a:r>
-              <a:rPr lang="it-IT" dirty="0" err="1"/>
-              <a:t>matrix:Movie</a:t>
-            </a:r>
-            <a:r>
-              <a:rPr lang="it-IT" dirty="0"/>
-              <a:t> {</a:t>
-            </a:r>
-            <a:r>
-              <a:rPr lang="it-IT" dirty="0" err="1"/>
-              <a:t>title</a:t>
-            </a:r>
-            <a:r>
-              <a:rPr lang="it-IT" dirty="0"/>
-              <a:t>: "The Matrix"}) 		+ con una proprietà </a:t>
-            </a:r>
-            <a:r>
-              <a:rPr lang="it-IT" i="1" dirty="0" err="1"/>
-              <a:t>title</a:t>
-            </a:r>
-            <a:r>
-              <a:rPr lang="it-IT" dirty="0"/>
-              <a:t> uguale a “The Matrix”</a:t>
-            </a:r>
-          </a:p>
-          <a:p>
-            <a:pPr lvl="1"/>
-            <a:r>
-              <a:rPr lang="it-IT" dirty="0"/>
-              <a:t>(</a:t>
-            </a:r>
-            <a:r>
-              <a:rPr lang="it-IT" dirty="0" err="1"/>
-              <a:t>matrix:Movie</a:t>
-            </a:r>
-            <a:r>
-              <a:rPr lang="it-IT" dirty="0"/>
-              <a:t> {</a:t>
-            </a:r>
-            <a:r>
-              <a:rPr lang="it-IT" dirty="0" err="1"/>
-              <a:t>title</a:t>
-            </a:r>
-            <a:r>
-              <a:rPr lang="it-IT" dirty="0"/>
-              <a:t>: "The Matrix", </a:t>
-            </a:r>
-            <a:r>
-              <a:rPr lang="it-IT" dirty="0" err="1"/>
-              <a:t>released</a:t>
-            </a:r>
-            <a:r>
-              <a:rPr lang="it-IT" dirty="0"/>
-              <a:t>: 1997}) 	+ con una proprietà </a:t>
-            </a:r>
-            <a:r>
-              <a:rPr lang="it-IT" i="1" dirty="0" err="1"/>
-              <a:t>released</a:t>
-            </a:r>
-            <a:r>
-              <a:rPr lang="it-IT" dirty="0"/>
-              <a:t> uguale a 1997</a:t>
-            </a:r>
-          </a:p>
-          <a:p>
-            <a:r>
-              <a:rPr lang="it-IT" dirty="0"/>
-              <a:t>Sintassi per gli archi</a:t>
-            </a:r>
-          </a:p>
-          <a:p>
-            <a:pPr lvl="1"/>
-            <a:r>
-              <a:rPr lang="it-IT" dirty="0"/>
-              <a:t>--&gt; 					arco non identificato</a:t>
-            </a:r>
-          </a:p>
-          <a:p>
-            <a:pPr lvl="1"/>
-            <a:r>
-              <a:rPr lang="it-IT" dirty="0"/>
-              <a:t>--					arco non identificato senza direzione</a:t>
-            </a:r>
-          </a:p>
-          <a:p>
-            <a:pPr lvl="1"/>
-            <a:r>
-              <a:rPr lang="it-IT" dirty="0"/>
-              <a:t>-[</a:t>
-            </a:r>
-            <a:r>
-              <a:rPr lang="it-IT" dirty="0" err="1"/>
-              <a:t>role</a:t>
-            </a:r>
-            <a:r>
-              <a:rPr lang="it-IT" dirty="0"/>
-              <a:t>]-&gt; 				arco identificato dalla variabile </a:t>
-            </a:r>
-            <a:r>
-              <a:rPr lang="it-IT" i="1" dirty="0" err="1"/>
-              <a:t>role</a:t>
-            </a:r>
-            <a:endParaRPr lang="it-IT" i="1" dirty="0"/>
-          </a:p>
-          <a:p>
-            <a:pPr lvl="1"/>
-            <a:r>
-              <a:rPr lang="it-IT" dirty="0"/>
-              <a:t>-[:ACTED_IN]-&gt; 				arco non identificato di classe ACTED_IN</a:t>
-            </a:r>
-          </a:p>
-          <a:p>
-            <a:pPr lvl="1"/>
-            <a:r>
-              <a:rPr lang="it-IT" dirty="0"/>
-              <a:t>-[</a:t>
-            </a:r>
-            <a:r>
-              <a:rPr lang="it-IT" dirty="0" err="1"/>
-              <a:t>role:ACTED_IN</a:t>
-            </a:r>
-            <a:r>
-              <a:rPr lang="it-IT" dirty="0"/>
-              <a:t>]-&gt; 			arco di classe ACTED_IN identificato dalla </a:t>
-            </a:r>
-            <a:br>
-              <a:rPr lang="it-IT" dirty="0"/>
-            </a:br>
-            <a:r>
-              <a:rPr lang="it-IT" dirty="0"/>
-              <a:t>					variabile </a:t>
-            </a:r>
-            <a:r>
-              <a:rPr lang="it-IT" i="1" dirty="0" err="1"/>
-              <a:t>role</a:t>
-            </a:r>
-            <a:endParaRPr lang="it-IT" i="1" dirty="0"/>
-          </a:p>
-          <a:p>
-            <a:pPr lvl="1"/>
-            <a:r>
-              <a:rPr lang="it-IT" dirty="0"/>
-              <a:t>-[</a:t>
-            </a:r>
-            <a:r>
-              <a:rPr lang="it-IT" dirty="0" err="1"/>
-              <a:t>role:ACTED_IN</a:t>
-            </a:r>
-            <a:r>
-              <a:rPr lang="it-IT" dirty="0"/>
-              <a:t> {</a:t>
-            </a:r>
-            <a:r>
-              <a:rPr lang="it-IT" dirty="0" err="1"/>
-              <a:t>roles</a:t>
-            </a:r>
-            <a:r>
-              <a:rPr lang="it-IT" dirty="0"/>
-              <a:t>: ["Neo"]}]-&gt; 		+ con proprietà </a:t>
-            </a:r>
-            <a:r>
-              <a:rPr lang="it-IT" i="1" dirty="0" err="1"/>
-              <a:t>roles</a:t>
-            </a:r>
-            <a:r>
-              <a:rPr lang="it-IT" dirty="0"/>
-              <a:t> che contiene “Neo”</a:t>
-            </a:r>
-          </a:p>
-        </p:txBody>
-      </p:sp>
-      <p:sp>
-        <p:nvSpPr>
-          <p:cNvPr id="4" name="Segnaposto numero diapositiva 3"/>
-          <p:cNvSpPr>
-            <a:spLocks noGrp="1"/>
-          </p:cNvSpPr>
-          <p:nvPr>
-            <p:ph type="sldNum" sz="quarter" idx="12"/>
-          </p:nvPr>
-        </p:nvSpPr>
-        <p:spPr/>
-        <p:txBody>
-          <a:bodyPr/>
-          <a:lstStyle/>
-          <a:p>
-            <a:fld id="{629637A9-119A-49DA-BD12-AAC58B377D80}" type="slidenum">
-              <a:rPr lang="en-US" smtClean="0"/>
-              <a:t>11</a:t>
-            </a:fld>
-            <a:endParaRPr lang="en-US" dirty="0"/>
-          </a:p>
-        </p:txBody>
-      </p:sp>
-    </p:spTree>
-    <p:extLst>
-      <p:ext uri="{BB962C8B-B14F-4D97-AF65-F5344CB8AC3E}">
-        <p14:creationId xmlns:p14="http://schemas.microsoft.com/office/powerpoint/2010/main" val="2988419443"/>
-      </p:ext>
-    </p:extLst>
-  </p:cSld>
-  <p:clrMapOvr>
-    <a:masterClrMapping/>
-  </p:clrMapOvr>
-</p:sld>
-</file>
-
 <file path=ppt/slides/slide12.xml><?xml version="1.0" encoding="utf-8"?>
 <p:sld xmlns:a="http://schemas.openxmlformats.org/drawingml/2006/main" xmlns:r="http://schemas.openxmlformats.org/officeDocument/2006/relationships" xmlns:p="http://schemas.openxmlformats.org/presentationml/2006/main">
   <p:cSld>
@@ -5322,6 +5168,350 @@
         </p:nvSpPr>
         <p:spPr>
           <a:xfrm>
+            <a:off x="822958" y="1845733"/>
+            <a:ext cx="8201771" cy="4242245"/>
+          </a:xfrm>
+        </p:spPr>
+        <p:txBody>
+          <a:bodyPr>
+            <a:normAutofit fontScale="85000" lnSpcReduction="10000"/>
+          </a:bodyPr>
+          <a:lstStyle/>
+          <a:p>
+            <a:r>
+              <a:rPr lang="it-IT" dirty="0"/>
+              <a:t>Sintassi per i nodi</a:t>
+            </a:r>
+          </a:p>
+          <a:p>
+            <a:pPr lvl="1"/>
+            <a:r>
+              <a:rPr lang="it-IT" dirty="0"/>
+              <a:t>() 					nodo non identificato</a:t>
+            </a:r>
+          </a:p>
+          <a:p>
+            <a:pPr lvl="1"/>
+            <a:r>
+              <a:rPr lang="it-IT" dirty="0"/>
+              <a:t>(</a:t>
+            </a:r>
+            <a:r>
+              <a:rPr lang="it-IT" dirty="0" err="1"/>
+              <a:t>matrix</a:t>
+            </a:r>
+            <a:r>
+              <a:rPr lang="it-IT" dirty="0"/>
+              <a:t>) 				nodo identificato dalla variabile </a:t>
+            </a:r>
+            <a:r>
+              <a:rPr lang="it-IT" i="1" dirty="0" err="1"/>
+              <a:t>matrix</a:t>
+            </a:r>
+            <a:endParaRPr lang="it-IT" dirty="0"/>
+          </a:p>
+          <a:p>
+            <a:pPr lvl="1"/>
+            <a:r>
+              <a:rPr lang="it-IT" dirty="0"/>
+              <a:t>(:Movie) 				nodo non identificato di classe Movie</a:t>
+            </a:r>
+          </a:p>
+          <a:p>
+            <a:pPr lvl="1"/>
+            <a:r>
+              <a:rPr lang="it-IT" dirty="0"/>
+              <a:t>(</a:t>
+            </a:r>
+            <a:r>
+              <a:rPr lang="it-IT" dirty="0" err="1"/>
+              <a:t>matrix:Movie:Action</a:t>
+            </a:r>
+            <a:r>
+              <a:rPr lang="it-IT" dirty="0"/>
+              <a:t>) 			nodo con classi Movie e Action identificato</a:t>
+            </a:r>
+            <a:br>
+              <a:rPr lang="it-IT" dirty="0"/>
+            </a:br>
+            <a:r>
+              <a:rPr lang="it-IT" dirty="0"/>
+              <a:t>					dalla variabile </a:t>
+            </a:r>
+            <a:r>
+              <a:rPr lang="it-IT" i="1" dirty="0" err="1"/>
+              <a:t>matrix</a:t>
+            </a:r>
+            <a:endParaRPr lang="it-IT" i="1" dirty="0"/>
+          </a:p>
+          <a:p>
+            <a:pPr lvl="1"/>
+            <a:r>
+              <a:rPr lang="it-IT" dirty="0"/>
+              <a:t>(</a:t>
+            </a:r>
+            <a:r>
+              <a:rPr lang="it-IT" dirty="0" err="1"/>
+              <a:t>matrix:Movie</a:t>
+            </a:r>
+            <a:r>
+              <a:rPr lang="it-IT" dirty="0"/>
+              <a:t> {</a:t>
+            </a:r>
+            <a:r>
+              <a:rPr lang="it-IT" dirty="0" err="1"/>
+              <a:t>title</a:t>
+            </a:r>
+            <a:r>
+              <a:rPr lang="it-IT" dirty="0"/>
+              <a:t>: "The Matrix"}) 		+ con una proprietà </a:t>
+            </a:r>
+            <a:r>
+              <a:rPr lang="it-IT" i="1" dirty="0" err="1"/>
+              <a:t>title</a:t>
+            </a:r>
+            <a:r>
+              <a:rPr lang="it-IT" dirty="0"/>
+              <a:t> uguale a “The Matrix”</a:t>
+            </a:r>
+          </a:p>
+          <a:p>
+            <a:pPr lvl="1"/>
+            <a:r>
+              <a:rPr lang="it-IT" dirty="0"/>
+              <a:t>(</a:t>
+            </a:r>
+            <a:r>
+              <a:rPr lang="it-IT" dirty="0" err="1"/>
+              <a:t>matrix:Movie</a:t>
+            </a:r>
+            <a:r>
+              <a:rPr lang="it-IT" dirty="0"/>
+              <a:t> {</a:t>
+            </a:r>
+            <a:r>
+              <a:rPr lang="it-IT" dirty="0" err="1"/>
+              <a:t>title</a:t>
+            </a:r>
+            <a:r>
+              <a:rPr lang="it-IT" dirty="0"/>
+              <a:t>: "The Matrix", </a:t>
+            </a:r>
+            <a:r>
+              <a:rPr lang="it-IT" dirty="0" err="1"/>
+              <a:t>released</a:t>
+            </a:r>
+            <a:r>
+              <a:rPr lang="it-IT" dirty="0"/>
+              <a:t>: 1997}) 	+ con una proprietà </a:t>
+            </a:r>
+            <a:r>
+              <a:rPr lang="it-IT" i="1" dirty="0" err="1"/>
+              <a:t>released</a:t>
+            </a:r>
+            <a:r>
+              <a:rPr lang="it-IT" dirty="0"/>
+              <a:t> uguale a 1997</a:t>
+            </a:r>
+          </a:p>
+          <a:p>
+            <a:r>
+              <a:rPr lang="it-IT" dirty="0"/>
+              <a:t>Sintassi per gli archi</a:t>
+            </a:r>
+          </a:p>
+          <a:p>
+            <a:pPr lvl="1"/>
+            <a:r>
+              <a:rPr lang="it-IT" dirty="0"/>
+              <a:t>--&gt; 					arco non identificato</a:t>
+            </a:r>
+          </a:p>
+          <a:p>
+            <a:pPr lvl="1"/>
+            <a:r>
+              <a:rPr lang="it-IT" dirty="0"/>
+              <a:t>--					arco non identificato senza direzione</a:t>
+            </a:r>
+          </a:p>
+          <a:p>
+            <a:pPr lvl="1"/>
+            <a:r>
+              <a:rPr lang="it-IT" dirty="0"/>
+              <a:t>-[</a:t>
+            </a:r>
+            <a:r>
+              <a:rPr lang="it-IT" dirty="0" err="1"/>
+              <a:t>role</a:t>
+            </a:r>
+            <a:r>
+              <a:rPr lang="it-IT" dirty="0"/>
+              <a:t>]-&gt; 				arco identificato dalla variabile </a:t>
+            </a:r>
+            <a:r>
+              <a:rPr lang="it-IT" i="1" dirty="0" err="1"/>
+              <a:t>role</a:t>
+            </a:r>
+            <a:endParaRPr lang="it-IT" i="1" dirty="0"/>
+          </a:p>
+          <a:p>
+            <a:pPr lvl="1"/>
+            <a:r>
+              <a:rPr lang="it-IT" dirty="0"/>
+              <a:t>-[:ACTED_IN]-&gt; 				arco non identificato di classe ACTED_IN</a:t>
+            </a:r>
+          </a:p>
+          <a:p>
+            <a:pPr lvl="1"/>
+            <a:r>
+              <a:rPr lang="it-IT" dirty="0"/>
+              <a:t>-[</a:t>
+            </a:r>
+            <a:r>
+              <a:rPr lang="it-IT" dirty="0" err="1"/>
+              <a:t>role:ACTED_IN</a:t>
+            </a:r>
+            <a:r>
+              <a:rPr lang="it-IT" dirty="0"/>
+              <a:t>]-&gt; 			arco di classe ACTED_IN identificato dalla </a:t>
+            </a:r>
+            <a:br>
+              <a:rPr lang="it-IT" dirty="0"/>
+            </a:br>
+            <a:r>
+              <a:rPr lang="it-IT" dirty="0"/>
+              <a:t>					variabile </a:t>
+            </a:r>
+            <a:r>
+              <a:rPr lang="it-IT" i="1" dirty="0" err="1"/>
+              <a:t>role</a:t>
+            </a:r>
+            <a:endParaRPr lang="it-IT" i="1" dirty="0"/>
+          </a:p>
+          <a:p>
+            <a:pPr lvl="1"/>
+            <a:r>
+              <a:rPr lang="it-IT" dirty="0"/>
+              <a:t>-[</a:t>
+            </a:r>
+            <a:r>
+              <a:rPr lang="it-IT" dirty="0" err="1"/>
+              <a:t>role:ACTED_IN</a:t>
+            </a:r>
+            <a:r>
+              <a:rPr lang="it-IT" dirty="0"/>
+              <a:t> {</a:t>
+            </a:r>
+            <a:r>
+              <a:rPr lang="it-IT" dirty="0" err="1"/>
+              <a:t>roles</a:t>
+            </a:r>
+            <a:r>
+              <a:rPr lang="it-IT" dirty="0"/>
+              <a:t>: ["Neo"]}]-&gt; 		+ con proprietà </a:t>
+            </a:r>
+            <a:r>
+              <a:rPr lang="it-IT" i="1" dirty="0" err="1"/>
+              <a:t>roles</a:t>
+            </a:r>
+            <a:r>
+              <a:rPr lang="it-IT" dirty="0"/>
+              <a:t> che contiene “Neo”</a:t>
+            </a:r>
+          </a:p>
+        </p:txBody>
+      </p:sp>
+      <p:sp>
+        <p:nvSpPr>
+          <p:cNvPr id="4" name="Segnaposto numero diapositiva 3"/>
+          <p:cNvSpPr>
+            <a:spLocks noGrp="1"/>
+          </p:cNvSpPr>
+          <p:nvPr>
+            <p:ph type="sldNum" sz="quarter" idx="12"/>
+          </p:nvPr>
+        </p:nvSpPr>
+        <p:spPr/>
+        <p:txBody>
+          <a:bodyPr/>
+          <a:lstStyle/>
+          <a:p>
+            <a:fld id="{629637A9-119A-49DA-BD12-AAC58B377D80}" type="slidenum">
+              <a:rPr lang="en-US" smtClean="0"/>
+              <a:t>12</a:t>
+            </a:fld>
+            <a:endParaRPr lang="en-US" dirty="0"/>
+          </a:p>
+        </p:txBody>
+      </p:sp>
+    </p:spTree>
+    <p:extLst>
+      <p:ext uri="{BB962C8B-B14F-4D97-AF65-F5344CB8AC3E}">
+        <p14:creationId xmlns:p14="http://schemas.microsoft.com/office/powerpoint/2010/main" val="2988419443"/>
+      </p:ext>
+    </p:extLst>
+  </p:cSld>
+  <p:clrMapOvr>
+    <a:masterClrMapping/>
+  </p:clrMapOvr>
+</p:sld>
+</file>
+
+<file path=ppt/slides/slide13.xml><?xml version="1.0" encoding="utf-8"?>
+<p:sld xmlns:a="http://schemas.openxmlformats.org/drawingml/2006/main" xmlns:r="http://schemas.openxmlformats.org/officeDocument/2006/relationships" xmlns:p="http://schemas.openxmlformats.org/presentationml/2006/main">
+  <p:cSld>
+    <p:spTree>
+      <p:nvGrpSpPr>
+        <p:cNvPr id="1" name=""/>
+        <p:cNvGrpSpPr/>
+        <p:nvPr/>
+      </p:nvGrpSpPr>
+      <p:grpSpPr>
+        <a:xfrm>
+          <a:off x="0" y="0"/>
+          <a:ext cx="0" cy="0"/>
+          <a:chOff x="0" y="0"/>
+          <a:chExt cx="0" cy="0"/>
+        </a:xfrm>
+      </p:grpSpPr>
+      <p:sp>
+        <p:nvSpPr>
+          <p:cNvPr id="2" name="Titolo 1"/>
+          <p:cNvSpPr>
+            <a:spLocks noGrp="1"/>
+          </p:cNvSpPr>
+          <p:nvPr>
+            <p:ph type="title"/>
+          </p:nvPr>
+        </p:nvSpPr>
+        <p:spPr/>
+        <p:txBody>
+          <a:bodyPr/>
+          <a:lstStyle/>
+          <a:p>
+            <a:r>
+              <a:rPr lang="it-IT" dirty="0" err="1"/>
+              <a:t>Cypher</a:t>
+            </a:r>
+            <a:r>
+              <a:rPr lang="it-IT" dirty="0"/>
+              <a:t> – Sintassi dei pattern</a:t>
+            </a:r>
+          </a:p>
+        </p:txBody>
+      </p:sp>
+      <p:sp>
+        <p:nvSpPr>
+          <p:cNvPr id="3" name="Segnaposto contenuto 2"/>
+          <p:cNvSpPr>
+            <a:spLocks noGrp="1"/>
+          </p:cNvSpPr>
+          <p:nvPr>
+            <p:ph idx="1"/>
+          </p:nvPr>
+        </p:nvSpPr>
+        <p:spPr>
+          <a:xfrm>
             <a:off x="822958" y="1845734"/>
             <a:ext cx="8201771" cy="4023360"/>
           </a:xfrm>
@@ -5499,7 +5689,7 @@
           <a:p>
             <a:fld id="{629637A9-119A-49DA-BD12-AAC58B377D80}" type="slidenum">
               <a:rPr lang="en-US" smtClean="0"/>
-              <a:t>12</a:t>
+              <a:t>13</a:t>
             </a:fld>
             <a:endParaRPr lang="en-US" dirty="0"/>
           </a:p>
@@ -5566,7 +5756,7 @@
 </p:sld>
 </file>
 
-<file path=ppt/slides/slide13.xml><?xml version="1.0" encoding="utf-8"?>
+<file path=ppt/slides/slide14.xml><?xml version="1.0" encoding="utf-8"?>
 <p:sld xmlns:a="http://schemas.openxmlformats.org/drawingml/2006/main" xmlns:r="http://schemas.openxmlformats.org/officeDocument/2006/relationships" xmlns:p="http://schemas.openxmlformats.org/presentationml/2006/main">
   <p:cSld>
     <p:spTree>
@@ -5856,7 +6046,7 @@
           <a:p>
             <a:fld id="{629637A9-119A-49DA-BD12-AAC58B377D80}" type="slidenum">
               <a:rPr lang="en-US" smtClean="0"/>
-              <a:t>13</a:t>
+              <a:t>14</a:t>
             </a:fld>
             <a:endParaRPr lang="en-US" dirty="0"/>
           </a:p>
@@ -5899,309 +6089,6 @@
 </p:sld>
 </file>
 
-<file path=ppt/slides/slide14.xml><?xml version="1.0" encoding="utf-8"?>
-<p:sld xmlns:a="http://schemas.openxmlformats.org/drawingml/2006/main" xmlns:r="http://schemas.openxmlformats.org/officeDocument/2006/relationships" xmlns:p="http://schemas.openxmlformats.org/presentationml/2006/main">
-  <p:cSld>
-    <p:spTree>
-      <p:nvGrpSpPr>
-        <p:cNvPr id="1" name=""/>
-        <p:cNvGrpSpPr/>
-        <p:nvPr/>
-      </p:nvGrpSpPr>
-      <p:grpSpPr>
-        <a:xfrm>
-          <a:off x="0" y="0"/>
-          <a:ext cx="0" cy="0"/>
-          <a:chOff x="0" y="0"/>
-          <a:chExt cx="0" cy="0"/>
-        </a:xfrm>
-      </p:grpSpPr>
-      <p:sp>
-        <p:nvSpPr>
-          <p:cNvPr id="2" name="Titolo 1"/>
-          <p:cNvSpPr>
-            <a:spLocks noGrp="1"/>
-          </p:cNvSpPr>
-          <p:nvPr>
-            <p:ph type="title"/>
-          </p:nvPr>
-        </p:nvSpPr>
-        <p:spPr/>
-        <p:txBody>
-          <a:bodyPr/>
-          <a:lstStyle/>
-          <a:p>
-            <a:r>
-              <a:rPr lang="it-IT" dirty="0"/>
-              <a:t>Percorsi di lunghezza variabile</a:t>
-            </a:r>
-          </a:p>
-        </p:txBody>
-      </p:sp>
-      <p:sp>
-        <p:nvSpPr>
-          <p:cNvPr id="3" name="Segnaposto contenuto 2"/>
-          <p:cNvSpPr>
-            <a:spLocks noGrp="1"/>
-          </p:cNvSpPr>
-          <p:nvPr>
-            <p:ph idx="1"/>
-          </p:nvPr>
-        </p:nvSpPr>
-        <p:spPr/>
-        <p:txBody>
-          <a:bodyPr/>
-          <a:lstStyle/>
-          <a:p>
-            <a:r>
-              <a:rPr lang="it-IT" dirty="0"/>
-              <a:t>E’ possibile seguire in maniera iterativa lo stesso tipo di arco specificando quanti "salti" si vogliono fare</a:t>
-            </a:r>
-          </a:p>
-          <a:p>
-            <a:pPr lvl="1"/>
-            <a:r>
-              <a:rPr lang="it-IT" dirty="0"/>
-              <a:t>Il carattere * precede la dichiarazione della lunghezza</a:t>
-            </a:r>
-          </a:p>
-          <a:p>
-            <a:pPr lvl="2"/>
-            <a:r>
-              <a:rPr lang="it-IT" dirty="0">
-                <a:latin typeface="+mj-lt"/>
-              </a:rPr>
-              <a:t>(a)-[:x*2]-&gt;(b)</a:t>
-            </a:r>
-            <a:r>
-              <a:rPr lang="it-IT" dirty="0"/>
-              <a:t>		Esattamente due salti: (a)-[:x]-&gt;()-[:x]-&gt;(b)</a:t>
-            </a:r>
-          </a:p>
-          <a:p>
-            <a:pPr lvl="2"/>
-            <a:r>
-              <a:rPr lang="pt-BR" dirty="0">
-                <a:latin typeface="+mj-lt"/>
-              </a:rPr>
-              <a:t>(a)-[*3..5]-&gt;(b)</a:t>
-            </a:r>
-            <a:r>
-              <a:rPr lang="pt-BR" dirty="0"/>
-              <a:t>		Minimo 3, massimo 5</a:t>
-            </a:r>
-          </a:p>
-          <a:p>
-            <a:pPr lvl="2"/>
-            <a:r>
-              <a:rPr lang="pt-BR" dirty="0">
-                <a:latin typeface="+mj-lt"/>
-              </a:rPr>
-              <a:t>(a)-[*3..]-&gt;(b)</a:t>
-            </a:r>
-            <a:r>
-              <a:rPr lang="pt-BR" dirty="0"/>
-              <a:t>		Minimo 3</a:t>
-            </a:r>
-          </a:p>
-          <a:p>
-            <a:pPr lvl="2"/>
-            <a:r>
-              <a:rPr lang="pt-BR" dirty="0">
-                <a:latin typeface="+mj-lt"/>
-              </a:rPr>
-              <a:t>(a)-[*..5]-&gt;(b)</a:t>
-            </a:r>
-            <a:r>
-              <a:rPr lang="pt-BR" dirty="0"/>
-              <a:t>		Massimo 5</a:t>
-            </a:r>
-          </a:p>
-          <a:p>
-            <a:pPr lvl="2"/>
-            <a:r>
-              <a:rPr lang="pt-BR" dirty="0">
-                <a:latin typeface="+mj-lt"/>
-              </a:rPr>
-              <a:t>(a)-[*]-&gt;(b)</a:t>
-            </a:r>
-            <a:r>
-              <a:rPr lang="pt-BR" dirty="0"/>
-              <a:t>		Nessun limite</a:t>
-            </a:r>
-          </a:p>
-          <a:p>
-            <a:pPr lvl="1"/>
-            <a:r>
-              <a:rPr lang="pt-BR" dirty="0"/>
-              <a:t>Un esempio completo</a:t>
-            </a:r>
-          </a:p>
-          <a:p>
-            <a:pPr lvl="2"/>
-            <a:r>
-              <a:rPr lang="en-US" dirty="0">
-                <a:latin typeface="+mj-lt"/>
-              </a:rPr>
-              <a:t>MATCH (me)-[:KNOWS*1..2]-&gt;(</a:t>
-            </a:r>
-            <a:r>
-              <a:rPr lang="en-US" dirty="0" err="1">
-                <a:latin typeface="+mj-lt"/>
-              </a:rPr>
-              <a:t>remote_friend</a:t>
-            </a:r>
-            <a:r>
-              <a:rPr lang="en-US" dirty="0">
-                <a:latin typeface="+mj-lt"/>
-              </a:rPr>
-              <a:t>)</a:t>
-            </a:r>
-            <a:br>
-              <a:rPr lang="en-US" dirty="0">
-                <a:latin typeface="+mj-lt"/>
-              </a:rPr>
-            </a:br>
-            <a:r>
-              <a:rPr lang="en-US" dirty="0">
-                <a:latin typeface="+mj-lt"/>
-              </a:rPr>
-              <a:t>WHERE me.name = "Enrico" RETURN remote_friend.name</a:t>
-            </a:r>
-          </a:p>
-          <a:p>
-            <a:pPr lvl="2"/>
-            <a:r>
-              <a:rPr lang="en-US" dirty="0" err="1"/>
-              <a:t>Restituisce</a:t>
-            </a:r>
-            <a:r>
-              <a:rPr lang="en-US" dirty="0"/>
-              <a:t> </a:t>
-            </a:r>
-            <a:r>
-              <a:rPr lang="en-US" dirty="0" err="1"/>
-              <a:t>gli</a:t>
-            </a:r>
-            <a:r>
-              <a:rPr lang="en-US" dirty="0"/>
-              <a:t> amici </a:t>
-            </a:r>
-            <a:r>
-              <a:rPr lang="en-US" dirty="0" err="1"/>
-              <a:t>diretti</a:t>
-            </a:r>
-            <a:r>
-              <a:rPr lang="en-US" dirty="0"/>
-              <a:t> e </a:t>
-            </a:r>
-            <a:r>
-              <a:rPr lang="en-US" dirty="0" err="1"/>
-              <a:t>gli</a:t>
-            </a:r>
-            <a:r>
-              <a:rPr lang="en-US" dirty="0"/>
-              <a:t> amici di amici</a:t>
-            </a:r>
-          </a:p>
-          <a:p>
-            <a:pPr lvl="2"/>
-            <a:r>
-              <a:rPr lang="en-US" dirty="0" err="1"/>
-              <a:t>Attenzione</a:t>
-            </a:r>
-            <a:r>
-              <a:rPr lang="en-US" dirty="0"/>
-              <a:t>: se un </a:t>
-            </a:r>
-            <a:r>
-              <a:rPr lang="en-US" dirty="0" err="1"/>
-              <a:t>amico</a:t>
-            </a:r>
-            <a:r>
-              <a:rPr lang="en-US" dirty="0"/>
-              <a:t> </a:t>
-            </a:r>
-            <a:r>
-              <a:rPr lang="en-US" dirty="0" err="1"/>
-              <a:t>diretto</a:t>
-            </a:r>
-            <a:r>
-              <a:rPr lang="en-US" dirty="0"/>
-              <a:t> e </a:t>
-            </a:r>
-            <a:r>
-              <a:rPr lang="en-US" dirty="0" err="1"/>
-              <a:t>anche</a:t>
-            </a:r>
-            <a:r>
-              <a:rPr lang="en-US" dirty="0"/>
-              <a:t> </a:t>
-            </a:r>
-            <a:r>
-              <a:rPr lang="en-US" dirty="0" err="1"/>
-              <a:t>amico</a:t>
-            </a:r>
-            <a:r>
-              <a:rPr lang="en-US" dirty="0"/>
-              <a:t> di amici, </a:t>
-            </a:r>
-            <a:r>
-              <a:rPr lang="en-US" dirty="0" err="1"/>
-              <a:t>verrà</a:t>
-            </a:r>
-            <a:r>
-              <a:rPr lang="en-US" dirty="0"/>
-              <a:t> </a:t>
-            </a:r>
-            <a:r>
-              <a:rPr lang="en-US" dirty="0" err="1"/>
-              <a:t>restituito</a:t>
-            </a:r>
-            <a:r>
-              <a:rPr lang="en-US" dirty="0"/>
-              <a:t> due volte!</a:t>
-            </a:r>
-            <a:endParaRPr lang="it-IT" dirty="0"/>
-          </a:p>
-        </p:txBody>
-      </p:sp>
-      <p:sp>
-        <p:nvSpPr>
-          <p:cNvPr id="4" name="Segnaposto numero diapositiva 3"/>
-          <p:cNvSpPr>
-            <a:spLocks noGrp="1"/>
-          </p:cNvSpPr>
-          <p:nvPr>
-            <p:ph type="sldNum" sz="quarter" idx="12"/>
-          </p:nvPr>
-        </p:nvSpPr>
-        <p:spPr/>
-        <p:txBody>
-          <a:bodyPr/>
-          <a:lstStyle/>
-          <a:p>
-            <a:fld id="{629637A9-119A-49DA-BD12-AAC58B377D80}" type="slidenum">
-              <a:rPr lang="en-US" smtClean="0"/>
-              <a:t>14</a:t>
-            </a:fld>
-            <a:endParaRPr lang="en-US" dirty="0"/>
-          </a:p>
-        </p:txBody>
-      </p:sp>
-    </p:spTree>
-    <p:extLst>
-      <p:ext uri="{BB962C8B-B14F-4D97-AF65-F5344CB8AC3E}">
-        <p14:creationId xmlns:p14="http://schemas.microsoft.com/office/powerpoint/2010/main" val="3158833745"/>
-      </p:ext>
-    </p:extLst>
-  </p:cSld>
-  <p:clrMapOvr>
-    <a:masterClrMapping/>
-  </p:clrMapOvr>
-</p:sld>
-</file>
-
 <file path=ppt/slides/slide15.xml><?xml version="1.0" encoding="utf-8"?>
 <p:sld xmlns:a="http://schemas.openxmlformats.org/drawingml/2006/main" xmlns:r="http://schemas.openxmlformats.org/officeDocument/2006/relationships" xmlns:p="http://schemas.openxmlformats.org/presentationml/2006/main">
   <p:cSld>
@@ -6258,28 +6145,107 @@
           <a:p>
             <a:r>
               <a:rPr lang="it-IT" dirty="0"/>
-              <a:t>E’ possibile cercare il percorso più breve tra due nodi</a:t>
+              <a:t>E’ possibile seguire in maniera iterativa lo stesso tipo di arco specificando quanti "salti" si vogliono fare</a:t>
             </a:r>
           </a:p>
           <a:p>
             <a:pPr lvl="1"/>
+            <a:r>
+              <a:rPr lang="it-IT" dirty="0"/>
+              <a:t>Il carattere * precede la dichiarazione della lunghezza</a:t>
+            </a:r>
+          </a:p>
+          <a:p>
+            <a:pPr lvl="2"/>
+            <a:r>
+              <a:rPr lang="it-IT" dirty="0">
+                <a:latin typeface="+mj-lt"/>
+              </a:rPr>
+              <a:t>(a)-[:x*2]-&gt;(b)</a:t>
+            </a:r>
+            <a:r>
+              <a:rPr lang="it-IT" dirty="0"/>
+              <a:t>		Esattamente due salti: (a)-[:x]-&gt;()-[:x]-&gt;(b)</a:t>
+            </a:r>
+          </a:p>
+          <a:p>
+            <a:pPr lvl="2"/>
+            <a:r>
+              <a:rPr lang="pt-BR" dirty="0">
+                <a:latin typeface="+mj-lt"/>
+              </a:rPr>
+              <a:t>(a)-[*3..5]-&gt;(b)</a:t>
+            </a:r>
+            <a:r>
+              <a:rPr lang="pt-BR" dirty="0"/>
+              <a:t>		Minimo 3, massimo 5</a:t>
+            </a:r>
+          </a:p>
+          <a:p>
+            <a:pPr lvl="2"/>
+            <a:r>
+              <a:rPr lang="pt-BR" dirty="0">
+                <a:latin typeface="+mj-lt"/>
+              </a:rPr>
+              <a:t>(a)-[*3..]-&gt;(b)</a:t>
+            </a:r>
+            <a:r>
+              <a:rPr lang="pt-BR" dirty="0"/>
+              <a:t>		Minimo 3</a:t>
+            </a:r>
+          </a:p>
+          <a:p>
+            <a:pPr lvl="2"/>
+            <a:r>
+              <a:rPr lang="pt-BR" dirty="0">
+                <a:latin typeface="+mj-lt"/>
+              </a:rPr>
+              <a:t>(a)-[*..5]-&gt;(b)</a:t>
+            </a:r>
+            <a:r>
+              <a:rPr lang="pt-BR" dirty="0"/>
+              <a:t>		Massimo 5</a:t>
+            </a:r>
+          </a:p>
+          <a:p>
+            <a:pPr lvl="2"/>
+            <a:r>
+              <a:rPr lang="pt-BR" dirty="0">
+                <a:latin typeface="+mj-lt"/>
+              </a:rPr>
+              <a:t>(a)-[*]-&gt;(b)</a:t>
+            </a:r>
+            <a:r>
+              <a:rPr lang="pt-BR" dirty="0"/>
+              <a:t>		Nessun limite</a:t>
+            </a:r>
+          </a:p>
+          <a:p>
+            <a:pPr lvl="1"/>
+            <a:r>
+              <a:rPr lang="pt-BR" dirty="0"/>
+              <a:t>Un esempio completo</a:t>
+            </a:r>
+          </a:p>
+          <a:p>
+            <a:pPr lvl="2"/>
             <a:r>
               <a:rPr lang="en-US" dirty="0">
                 <a:latin typeface="+mj-lt"/>
               </a:rPr>
-              <a:t>MATCH (m { </a:t>
+              <a:t>MATCH (me)-[:KNOWS*1..2]-&gt;(</a:t>
             </a:r>
             <a:r>
               <a:rPr lang="en-US" dirty="0" err="1">
                 <a:latin typeface="+mj-lt"/>
               </a:rPr>
-              <a:t>name:"Martin</a:t>
+              <a:t>remote_friend</a:t>
             </a:r>
             <a:r>
               <a:rPr lang="en-US" dirty="0">
                 <a:latin typeface="+mj-lt"/>
               </a:rPr>
-              <a:t> Sheen" }),</a:t>
+              <a:t>)</a:t>
             </a:r>
             <a:br>
               <a:rPr lang="en-US" dirty="0">
@@ -6290,57 +6256,103 @@
               <a:rPr lang="en-US" dirty="0">
                 <a:latin typeface="+mj-lt"/>
               </a:rPr>
-              <a:t>	    (o { </a:t>
-            </a:r>
-            <a:r>
-              <a:rPr lang="en-US" dirty="0" err="1">
-                <a:latin typeface="+mj-lt"/>
-              </a:rPr>
-              <a:t>name:"Oliver</a:t>
-            </a:r>
-            <a:r>
-              <a:rPr lang="en-US" dirty="0">
-                <a:latin typeface="+mj-lt"/>
-              </a:rPr>
-              <a:t> Stone" }), </a:t>
-            </a:r>
-            <a:br>
-              <a:rPr lang="en-US" dirty="0">
-                <a:latin typeface="+mj-lt"/>
-              </a:rPr>
-            </a:br>
-            <a:r>
-              <a:rPr lang="en-US" dirty="0">
-                <a:latin typeface="+mj-lt"/>
-              </a:rPr>
-              <a:t>  	    p = </a:t>
-            </a:r>
-            <a:r>
-              <a:rPr lang="en-US" dirty="0" err="1">
-                <a:latin typeface="+mj-lt"/>
-              </a:rPr>
-              <a:t>shortestPath</a:t>
-            </a:r>
-            <a:r>
-              <a:rPr lang="en-US" dirty="0">
-                <a:latin typeface="+mj-lt"/>
-              </a:rPr>
-              <a:t>((m)-[*..15]-(o))</a:t>
-            </a:r>
-            <a:br>
-              <a:rPr lang="en-US" dirty="0">
-                <a:latin typeface="+mj-lt"/>
-              </a:rPr>
-            </a:br>
-            <a:r>
-              <a:rPr lang="en-US" dirty="0">
-                <a:latin typeface="+mj-lt"/>
-              </a:rPr>
-              <a:t>RETURN p</a:t>
-            </a:r>
-            <a:endParaRPr lang="it-IT" dirty="0">
-              <a:latin typeface="+mj-lt"/>
-            </a:endParaRPr>
+              <a:t>WHERE me.name = "Enrico" RETURN remote_friend.name</a:t>
+            </a:r>
+          </a:p>
+          <a:p>
+            <a:pPr lvl="2"/>
+            <a:r>
+              <a:rPr lang="en-US" dirty="0" err="1"/>
+              <a:t>Restituisce</a:t>
+            </a:r>
+            <a:r>
+              <a:rPr lang="en-US" dirty="0"/>
+              <a:t> </a:t>
+            </a:r>
+            <a:r>
+              <a:rPr lang="en-US" dirty="0" err="1"/>
+              <a:t>gli</a:t>
+            </a:r>
+            <a:r>
+              <a:rPr lang="en-US" dirty="0"/>
+              <a:t> amici </a:t>
+            </a:r>
+            <a:r>
+              <a:rPr lang="en-US" dirty="0" err="1"/>
+              <a:t>diretti</a:t>
+            </a:r>
+            <a:r>
+              <a:rPr lang="en-US" dirty="0"/>
+              <a:t> e </a:t>
+            </a:r>
+            <a:r>
+              <a:rPr lang="en-US" dirty="0" err="1"/>
+              <a:t>gli</a:t>
+            </a:r>
+            <a:r>
+              <a:rPr lang="en-US" dirty="0"/>
+              <a:t> amici di amici</a:t>
+            </a:r>
+          </a:p>
+          <a:p>
+            <a:pPr lvl="2"/>
+            <a:r>
+              <a:rPr lang="en-US" dirty="0" err="1"/>
+              <a:t>Attenzione</a:t>
+            </a:r>
+            <a:r>
+              <a:rPr lang="en-US" dirty="0"/>
+              <a:t>: se un </a:t>
+            </a:r>
+            <a:r>
+              <a:rPr lang="en-US" dirty="0" err="1"/>
+              <a:t>amico</a:t>
+            </a:r>
+            <a:r>
+              <a:rPr lang="en-US" dirty="0"/>
+              <a:t> </a:t>
+            </a:r>
+            <a:r>
+              <a:rPr lang="en-US" dirty="0" err="1"/>
+              <a:t>diretto</a:t>
+            </a:r>
+            <a:r>
+              <a:rPr lang="en-US" dirty="0"/>
+              <a:t> e </a:t>
+            </a:r>
+            <a:r>
+              <a:rPr lang="en-US" dirty="0" err="1"/>
+              <a:t>anche</a:t>
+            </a:r>
+            <a:r>
+              <a:rPr lang="en-US" dirty="0"/>
+              <a:t> </a:t>
+            </a:r>
+            <a:r>
+              <a:rPr lang="en-US" dirty="0" err="1"/>
+              <a:t>amico</a:t>
+            </a:r>
+            <a:r>
+              <a:rPr lang="en-US" dirty="0"/>
+              <a:t> di amici, </a:t>
+            </a:r>
+            <a:r>
+              <a:rPr lang="en-US" dirty="0" err="1"/>
+              <a:t>verrà</a:t>
+            </a:r>
+            <a:r>
+              <a:rPr lang="en-US" dirty="0"/>
+              <a:t> </a:t>
+            </a:r>
+            <a:r>
+              <a:rPr lang="en-US" dirty="0" err="1"/>
+              <a:t>restituito</a:t>
+            </a:r>
+            <a:r>
+              <a:rPr lang="en-US" dirty="0"/>
+              <a:t> due volte!</a:t>
+            </a:r>
+            <a:endParaRPr lang="it-IT" dirty="0"/>
           </a:p>
         </p:txBody>
       </p:sp>
@@ -6370,7 +6382,7 @@
     </p:spTree>
     <p:extLst>
       <p:ext uri="{BB962C8B-B14F-4D97-AF65-F5344CB8AC3E}">
-        <p14:creationId xmlns:p14="http://schemas.microsoft.com/office/powerpoint/2010/main" val="152509926"/>
+        <p14:creationId xmlns:p14="http://schemas.microsoft.com/office/powerpoint/2010/main" val="3158833745"/>
       </p:ext>
     </p:extLst>
   </p:cSld>
@@ -6414,6 +6426,184 @@
           <a:p>
             <a:r>
               <a:rPr lang="it-IT" dirty="0"/>
+              <a:t>Percorsi di lunghezza variabile</a:t>
+            </a:r>
+          </a:p>
+        </p:txBody>
+      </p:sp>
+      <p:sp>
+        <p:nvSpPr>
+          <p:cNvPr id="3" name="Segnaposto contenuto 2"/>
+          <p:cNvSpPr>
+            <a:spLocks noGrp="1"/>
+          </p:cNvSpPr>
+          <p:nvPr>
+            <p:ph idx="1"/>
+          </p:nvPr>
+        </p:nvSpPr>
+        <p:spPr/>
+        <p:txBody>
+          <a:bodyPr/>
+          <a:lstStyle/>
+          <a:p>
+            <a:r>
+              <a:rPr lang="it-IT" dirty="0"/>
+              <a:t>E’ possibile cercare il percorso più breve tra due nodi</a:t>
+            </a:r>
+          </a:p>
+          <a:p>
+            <a:pPr lvl="1"/>
+            <a:r>
+              <a:rPr lang="en-US" dirty="0">
+                <a:latin typeface="+mj-lt"/>
+              </a:rPr>
+              <a:t>MATCH (m { </a:t>
+            </a:r>
+            <a:r>
+              <a:rPr lang="en-US" dirty="0" err="1">
+                <a:latin typeface="+mj-lt"/>
+              </a:rPr>
+              <a:t>name:"Martin</a:t>
+            </a:r>
+            <a:r>
+              <a:rPr lang="en-US" dirty="0">
+                <a:latin typeface="+mj-lt"/>
+              </a:rPr>
+              <a:t> Sheen" }),</a:t>
+            </a:r>
+            <a:br>
+              <a:rPr lang="en-US" dirty="0">
+                <a:latin typeface="+mj-lt"/>
+              </a:rPr>
+            </a:br>
+            <a:r>
+              <a:rPr lang="en-US" dirty="0">
+                <a:latin typeface="+mj-lt"/>
+              </a:rPr>
+              <a:t>	    (o { </a:t>
+            </a:r>
+            <a:r>
+              <a:rPr lang="en-US" dirty="0" err="1">
+                <a:latin typeface="+mj-lt"/>
+              </a:rPr>
+              <a:t>name:"Oliver</a:t>
+            </a:r>
+            <a:r>
+              <a:rPr lang="en-US" dirty="0">
+                <a:latin typeface="+mj-lt"/>
+              </a:rPr>
+              <a:t> Stone" }), </a:t>
+            </a:r>
+            <a:br>
+              <a:rPr lang="en-US" dirty="0">
+                <a:latin typeface="+mj-lt"/>
+              </a:rPr>
+            </a:br>
+            <a:r>
+              <a:rPr lang="en-US" dirty="0">
+                <a:latin typeface="+mj-lt"/>
+              </a:rPr>
+              <a:t>  	    p = </a:t>
+            </a:r>
+            <a:r>
+              <a:rPr lang="en-US" dirty="0" err="1">
+                <a:latin typeface="+mj-lt"/>
+              </a:rPr>
+              <a:t>shortestPath</a:t>
+            </a:r>
+            <a:r>
+              <a:rPr lang="en-US" dirty="0">
+                <a:latin typeface="+mj-lt"/>
+              </a:rPr>
+              <a:t>((m)-[*..15]-(o))</a:t>
+            </a:r>
+            <a:br>
+              <a:rPr lang="en-US" dirty="0">
+                <a:latin typeface="+mj-lt"/>
+              </a:rPr>
+            </a:br>
+            <a:r>
+              <a:rPr lang="en-US" dirty="0">
+                <a:latin typeface="+mj-lt"/>
+              </a:rPr>
+              <a:t>RETURN p</a:t>
+            </a:r>
+            <a:endParaRPr lang="it-IT" dirty="0">
+              <a:latin typeface="+mj-lt"/>
+            </a:endParaRPr>
+          </a:p>
+        </p:txBody>
+      </p:sp>
+      <p:sp>
+        <p:nvSpPr>
+          <p:cNvPr id="4" name="Segnaposto numero diapositiva 3"/>
+          <p:cNvSpPr>
+            <a:spLocks noGrp="1"/>
+          </p:cNvSpPr>
+          <p:nvPr>
+            <p:ph type="sldNum" sz="quarter" idx="12"/>
+          </p:nvPr>
+        </p:nvSpPr>
+        <p:spPr/>
+        <p:txBody>
+          <a:bodyPr/>
+          <a:lstStyle/>
+          <a:p>
+            <a:fld id="{629637A9-119A-49DA-BD12-AAC58B377D80}" type="slidenum">
+              <a:rPr lang="en-US" smtClean="0"/>
+              <a:t>16</a:t>
+            </a:fld>
+            <a:endParaRPr lang="en-US" dirty="0"/>
+          </a:p>
+        </p:txBody>
+      </p:sp>
+    </p:spTree>
+    <p:extLst>
+      <p:ext uri="{BB962C8B-B14F-4D97-AF65-F5344CB8AC3E}">
+        <p14:creationId xmlns:p14="http://schemas.microsoft.com/office/powerpoint/2010/main" val="152509926"/>
+      </p:ext>
+    </p:extLst>
+  </p:cSld>
+  <p:clrMapOvr>
+    <a:masterClrMapping/>
+  </p:clrMapOvr>
+</p:sld>
+</file>
+
+<file path=ppt/slides/slide17.xml><?xml version="1.0" encoding="utf-8"?>
+<p:sld xmlns:a="http://schemas.openxmlformats.org/drawingml/2006/main" xmlns:r="http://schemas.openxmlformats.org/officeDocument/2006/relationships" xmlns:p="http://schemas.openxmlformats.org/presentationml/2006/main">
+  <p:cSld>
+    <p:spTree>
+      <p:nvGrpSpPr>
+        <p:cNvPr id="1" name=""/>
+        <p:cNvGrpSpPr/>
+        <p:nvPr/>
+      </p:nvGrpSpPr>
+      <p:grpSpPr>
+        <a:xfrm>
+          <a:off x="0" y="0"/>
+          <a:ext cx="0" cy="0"/>
+          <a:chOff x="0" y="0"/>
+          <a:chExt cx="0" cy="0"/>
+        </a:xfrm>
+      </p:grpSpPr>
+      <p:sp>
+        <p:nvSpPr>
+          <p:cNvPr id="2" name="Titolo 1"/>
+          <p:cNvSpPr>
+            <a:spLocks noGrp="1"/>
+          </p:cNvSpPr>
+          <p:nvPr>
+            <p:ph type="title"/>
+          </p:nvPr>
+        </p:nvSpPr>
+        <p:spPr/>
+        <p:txBody>
+          <a:bodyPr/>
+          <a:lstStyle/>
+          <a:p>
+            <a:r>
+              <a:rPr lang="it-IT" dirty="0"/>
               <a:t>Aggregazione</a:t>
             </a:r>
           </a:p>
@@ -6669,7 +6859,7 @@
           <a:p>
             <a:fld id="{629637A9-119A-49DA-BD12-AAC58B377D80}" type="slidenum">
               <a:rPr lang="en-US" smtClean="0"/>
-              <a:t>16</a:t>
+              <a:t>17</a:t>
             </a:fld>
             <a:endParaRPr lang="en-US" dirty="0"/>
           </a:p>
@@ -6712,7 +6902,7 @@
 </p:sld>
 </file>
 
-<file path=ppt/slides/slide17.xml><?xml version="1.0" encoding="utf-8"?>
+<file path=ppt/slides/slide18.xml><?xml version="1.0" encoding="utf-8"?>
 <p:sld xmlns:a="http://schemas.openxmlformats.org/drawingml/2006/main" xmlns:r="http://schemas.openxmlformats.org/officeDocument/2006/relationships" xmlns:p="http://schemas.openxmlformats.org/presentationml/2006/main" show="0">
   <p:cSld>
     <p:spTree>
@@ -6857,7 +7047,7 @@
           <a:p>
             <a:fld id="{629637A9-119A-49DA-BD12-AAC58B377D80}" type="slidenum">
               <a:rPr lang="en-US" smtClean="0"/>
-              <a:t>17</a:t>
+              <a:t>18</a:t>
             </a:fld>
             <a:endParaRPr lang="en-US" dirty="0"/>
           </a:p>
@@ -6954,19 +7144,56 @@
           <a:p>
             <a:pPr lvl="1"/>
             <a:r>
+              <a:rPr lang="it-IT" dirty="0"/>
+              <a:t>Avviare </a:t>
+            </a:r>
+            <a:r>
+              <a:rPr lang="it-IT" dirty="0" err="1"/>
+              <a:t>docker</a:t>
+            </a:r>
+            <a:r>
+              <a:rPr lang="it-IT" dirty="0"/>
+              <a:t> e i database </a:t>
+            </a:r>
+          </a:p>
+          <a:p>
+            <a:pPr lvl="1"/>
+            <a:r>
               <a:rPr lang="it-IT" dirty="0">
                 <a:hlinkClick r:id="rId3"/>
               </a:rPr>
-              <a:t>http://127.0.0.1:7474/browser/</a:t>
+              <a:t>http://127.0.0.1:7474/</a:t>
             </a:r>
             <a:endParaRPr lang="it-IT" dirty="0"/>
           </a:p>
           <a:p>
-            <a:pPr lvl="1"/>
-            <a:r>
-              <a:rPr lang="it-IT" dirty="0"/>
-              <a:t>Password iniziale: neo4j</a:t>
-            </a:r>
+            <a:pPr lvl="2"/>
+            <a:r>
+              <a:rPr lang="it-IT" dirty="0"/>
+              <a:t>User: neo4j</a:t>
+            </a:r>
+          </a:p>
+          <a:p>
+            <a:pPr lvl="2"/>
+            <a:r>
+              <a:rPr lang="it-IT" dirty="0" err="1"/>
+              <a:t>Pwd</a:t>
+            </a:r>
+            <a:r>
+              <a:rPr lang="it-IT" dirty="0"/>
+              <a:t>: </a:t>
+            </a:r>
+            <a:r>
+              <a:rPr lang="it-IT" dirty="0" err="1"/>
+              <a:t>fitstic</a:t>
+            </a:r>
+            <a:endParaRPr lang="it-IT" dirty="0"/>
+          </a:p>
+          <a:p>
+            <a:pPr marL="201168" lvl="1" indent="0">
+              <a:buNone/>
+            </a:pPr>
+            <a:endParaRPr lang="it-IT" dirty="0"/>
           </a:p>
           <a:p>
             <a:r>
@@ -7046,8 +7273,170 @@
           <a:lstStyle/>
           <a:p>
             <a:r>
-              <a:rPr lang="it-IT" dirty="0"/>
-              <a:t>Neo4j - Installazione	</a:t>
+              <a:rPr lang="en-US" dirty="0"/>
+              <a:t>[</a:t>
+            </a:r>
+            <a:r>
+              <a:rPr lang="en-US" dirty="0" err="1"/>
+              <a:t>Obsoleto</a:t>
+            </a:r>
+            <a:r>
+              <a:rPr lang="en-US" dirty="0"/>
+              <a:t>] </a:t>
+            </a:r>
+            <a:r>
+              <a:rPr lang="it-IT" dirty="0"/>
+              <a:t>Installazione</a:t>
+            </a:r>
+            <a:endParaRPr lang="en-US" dirty="0"/>
+          </a:p>
+        </p:txBody>
+      </p:sp>
+      <p:sp>
+        <p:nvSpPr>
+          <p:cNvPr id="3" name="Segnaposto contenuto 2"/>
+          <p:cNvSpPr>
+            <a:spLocks noGrp="1"/>
+          </p:cNvSpPr>
+          <p:nvPr>
+            <p:ph idx="1"/>
+          </p:nvPr>
+        </p:nvSpPr>
+        <p:spPr/>
+        <p:txBody>
+          <a:bodyPr/>
+          <a:lstStyle/>
+          <a:p>
+            <a:r>
+              <a:rPr lang="it-IT" dirty="0"/>
+              <a:t>Database a grafo</a:t>
+            </a:r>
+          </a:p>
+          <a:p>
+            <a:pPr lvl="1"/>
+            <a:r>
+              <a:rPr lang="it-IT" dirty="0">
+                <a:hlinkClick r:id="rId2"/>
+              </a:rPr>
+              <a:t>https://neo4j.com/download/other-releases/</a:t>
+            </a:r>
+            <a:endParaRPr lang="it-IT" dirty="0"/>
+          </a:p>
+          <a:p>
+            <a:r>
+              <a:rPr lang="it-IT" dirty="0"/>
+              <a:t>GUI di base</a:t>
+            </a:r>
+          </a:p>
+          <a:p>
+            <a:pPr lvl="1"/>
+            <a:r>
+              <a:rPr lang="it-IT" dirty="0">
+                <a:hlinkClick r:id="rId3"/>
+              </a:rPr>
+              <a:t>http://127.0.0.1:7474/browser/</a:t>
+            </a:r>
+            <a:endParaRPr lang="it-IT" dirty="0"/>
+          </a:p>
+          <a:p>
+            <a:pPr lvl="1"/>
+            <a:r>
+              <a:rPr lang="it-IT" dirty="0"/>
+              <a:t>Password iniziale: neo4j</a:t>
+            </a:r>
+          </a:p>
+          <a:p>
+            <a:r>
+              <a:rPr lang="it-IT" dirty="0"/>
+              <a:t>Completo di tutorial per iniziare ad utilizzarlo</a:t>
+            </a:r>
+            <a:endParaRPr lang="en-US" dirty="0"/>
+          </a:p>
+        </p:txBody>
+      </p:sp>
+      <p:sp>
+        <p:nvSpPr>
+          <p:cNvPr id="4" name="Segnaposto numero diapositiva 3"/>
+          <p:cNvSpPr>
+            <a:spLocks noGrp="1"/>
+          </p:cNvSpPr>
+          <p:nvPr>
+            <p:ph type="sldNum" sz="quarter" idx="12"/>
+          </p:nvPr>
+        </p:nvSpPr>
+        <p:spPr/>
+        <p:txBody>
+          <a:bodyPr/>
+          <a:lstStyle/>
+          <a:p>
+            <a:fld id="{629637A9-119A-49DA-BD12-AAC58B377D80}" type="slidenum">
+              <a:rPr lang="en-US" smtClean="0"/>
+              <a:t>3</a:t>
+            </a:fld>
+            <a:endParaRPr lang="en-US" dirty="0"/>
+          </a:p>
+        </p:txBody>
+      </p:sp>
+    </p:spTree>
+    <p:extLst>
+      <p:ext uri="{BB962C8B-B14F-4D97-AF65-F5344CB8AC3E}">
+        <p14:creationId xmlns:p14="http://schemas.microsoft.com/office/powerpoint/2010/main" val="3877746245"/>
+      </p:ext>
+    </p:extLst>
+  </p:cSld>
+  <p:clrMapOvr>
+    <a:masterClrMapping/>
+  </p:clrMapOvr>
+</p:sld>
+</file>
+
+<file path=ppt/slides/slide4.xml><?xml version="1.0" encoding="utf-8"?>
+<p:sld xmlns:a="http://schemas.openxmlformats.org/drawingml/2006/main" xmlns:r="http://schemas.openxmlformats.org/officeDocument/2006/relationships" xmlns:p="http://schemas.openxmlformats.org/presentationml/2006/main">
+  <p:cSld>
+    <p:spTree>
+      <p:nvGrpSpPr>
+        <p:cNvPr id="1" name=""/>
+        <p:cNvGrpSpPr/>
+        <p:nvPr/>
+      </p:nvGrpSpPr>
+      <p:grpSpPr>
+        <a:xfrm>
+          <a:off x="0" y="0"/>
+          <a:ext cx="0" cy="0"/>
+          <a:chOff x="0" y="0"/>
+          <a:chExt cx="0" cy="0"/>
+        </a:xfrm>
+      </p:grpSpPr>
+      <p:sp>
+        <p:nvSpPr>
+          <p:cNvPr id="2" name="Titolo 1"/>
+          <p:cNvSpPr>
+            <a:spLocks noGrp="1"/>
+          </p:cNvSpPr>
+          <p:nvPr>
+            <p:ph type="title"/>
+          </p:nvPr>
+        </p:nvSpPr>
+        <p:spPr/>
+        <p:txBody>
+          <a:bodyPr/>
+          <a:lstStyle/>
+          <a:p>
+            <a:r>
+              <a:rPr lang="en-US" dirty="0"/>
+              <a:t>[</a:t>
+            </a:r>
+            <a:r>
+              <a:rPr lang="en-US" dirty="0" err="1"/>
+              <a:t>Obsoleto</a:t>
+            </a:r>
+            <a:r>
+              <a:rPr lang="en-US" dirty="0"/>
+              <a:t>] </a:t>
+            </a:r>
+            <a:r>
+              <a:rPr lang="it-IT" dirty="0"/>
+              <a:t>Installazione	</a:t>
             </a:r>
           </a:p>
         </p:txBody>
@@ -7210,7 +7599,7 @@
           <a:p>
             <a:fld id="{629637A9-119A-49DA-BD12-AAC58B377D80}" type="slidenum">
               <a:rPr lang="en-US" smtClean="0"/>
-              <a:t>3</a:t>
+              <a:t>4</a:t>
             </a:fld>
             <a:endParaRPr lang="en-US" dirty="0"/>
           </a:p>
@@ -7229,7 +7618,7 @@
 </p:sld>
 </file>
 
-<file path=ppt/slides/slide4.xml><?xml version="1.0" encoding="utf-8"?>
+<file path=ppt/slides/slide5.xml><?xml version="1.0" encoding="utf-8"?>
 <p:sld xmlns:a="http://schemas.openxmlformats.org/drawingml/2006/main" xmlns:r="http://schemas.openxmlformats.org/officeDocument/2006/relationships" xmlns:p="http://schemas.openxmlformats.org/presentationml/2006/main">
   <p:cSld>
     <p:spTree>
@@ -7411,7 +7800,7 @@
           <a:p>
             <a:fld id="{629637A9-119A-49DA-BD12-AAC58B377D80}" type="slidenum">
               <a:rPr lang="en-US" smtClean="0"/>
-              <a:t>4</a:t>
+              <a:t>5</a:t>
             </a:fld>
             <a:endParaRPr lang="en-US" dirty="0"/>
           </a:p>
@@ -7430,7 +7819,7 @@
 </p:sld>
 </file>
 
-<file path=ppt/slides/slide5.xml><?xml version="1.0" encoding="utf-8"?>
+<file path=ppt/slides/slide6.xml><?xml version="1.0" encoding="utf-8"?>
 <p:sld xmlns:a="http://schemas.openxmlformats.org/drawingml/2006/main" xmlns:r="http://schemas.openxmlformats.org/officeDocument/2006/relationships" xmlns:p="http://schemas.openxmlformats.org/presentationml/2006/main">
   <p:cSld>
     <p:spTree>
@@ -7505,7 +7894,7 @@
           <a:p>
             <a:fld id="{629637A9-119A-49DA-BD12-AAC58B377D80}" type="slidenum">
               <a:rPr lang="en-US" smtClean="0"/>
-              <a:t>5</a:t>
+              <a:t>6</a:t>
             </a:fld>
             <a:endParaRPr lang="en-US" dirty="0"/>
           </a:p>
@@ -7548,7 +7937,7 @@
 </p:sld>
 </file>
 
-<file path=ppt/slides/slide6.xml><?xml version="1.0" encoding="utf-8"?>
+<file path=ppt/slides/slide7.xml><?xml version="1.0" encoding="utf-8"?>
 <p:sld xmlns:a="http://schemas.openxmlformats.org/drawingml/2006/main" xmlns:r="http://schemas.openxmlformats.org/officeDocument/2006/relationships" xmlns:p="http://schemas.openxmlformats.org/presentationml/2006/main">
   <p:cSld>
     <p:spTree>
@@ -7675,7 +8064,7 @@
           <a:p>
             <a:fld id="{629637A9-119A-49DA-BD12-AAC58B377D80}" type="slidenum">
               <a:rPr lang="en-US" smtClean="0"/>
-              <a:t>6</a:t>
+              <a:t>7</a:t>
             </a:fld>
             <a:endParaRPr lang="en-US" dirty="0"/>
           </a:p>
@@ -7766,7 +8155,7 @@
 </p:sld>
 </file>
 
-<file path=ppt/slides/slide7.xml><?xml version="1.0" encoding="utf-8"?>
+<file path=ppt/slides/slide8.xml><?xml version="1.0" encoding="utf-8"?>
 <p:sld xmlns:a="http://schemas.openxmlformats.org/drawingml/2006/main" xmlns:r="http://schemas.openxmlformats.org/officeDocument/2006/relationships" xmlns:p="http://schemas.openxmlformats.org/presentationml/2006/main">
   <p:cSld>
     <p:spTree>
@@ -7980,7 +8369,7 @@
           <a:p>
             <a:fld id="{629637A9-119A-49DA-BD12-AAC58B377D80}" type="slidenum">
               <a:rPr lang="en-US" smtClean="0"/>
-              <a:t>7</a:t>
+              <a:t>8</a:t>
             </a:fld>
             <a:endParaRPr lang="en-US" dirty="0"/>
           </a:p>
@@ -8071,7 +8460,7 @@
 </p:sld>
 </file>
 
-<file path=ppt/slides/slide8.xml><?xml version="1.0" encoding="utf-8"?>
+<file path=ppt/slides/slide9.xml><?xml version="1.0" encoding="utf-8"?>
 <p:sld xmlns:a="http://schemas.openxmlformats.org/drawingml/2006/main" xmlns:r="http://schemas.openxmlformats.org/officeDocument/2006/relationships" xmlns:p="http://schemas.openxmlformats.org/presentationml/2006/main">
   <p:cSld>
     <p:spTree>
@@ -8420,7 +8809,7 @@
           <a:p>
             <a:fld id="{629637A9-119A-49DA-BD12-AAC58B377D80}" type="slidenum">
               <a:rPr lang="en-US" smtClean="0"/>
-              <a:t>8</a:t>
+              <a:t>9</a:t>
             </a:fld>
             <a:endParaRPr lang="en-US" dirty="0"/>
           </a:p>
@@ -8454,195 +8843,6 @@
     <p:extLst>
       <p:ext uri="{BB962C8B-B14F-4D97-AF65-F5344CB8AC3E}">
         <p14:creationId xmlns:p14="http://schemas.microsoft.com/office/powerpoint/2010/main" val="2951180935"/>
-      </p:ext>
-    </p:extLst>
-  </p:cSld>
-  <p:clrMapOvr>
-    <a:masterClrMapping/>
-  </p:clrMapOvr>
-</p:sld>
-</file>
-
-<file path=ppt/slides/slide9.xml><?xml version="1.0" encoding="utf-8"?>
-<p:sld xmlns:a="http://schemas.openxmlformats.org/drawingml/2006/main" xmlns:r="http://schemas.openxmlformats.org/officeDocument/2006/relationships" xmlns:p="http://schemas.openxmlformats.org/presentationml/2006/main">
-  <p:cSld>
-    <p:spTree>
-      <p:nvGrpSpPr>
-        <p:cNvPr id="1" name=""/>
-        <p:cNvGrpSpPr/>
-        <p:nvPr/>
-      </p:nvGrpSpPr>
-      <p:grpSpPr>
-        <a:xfrm>
-          <a:off x="0" y="0"/>
-          <a:ext cx="0" cy="0"/>
-          <a:chOff x="0" y="0"/>
-          <a:chExt cx="0" cy="0"/>
-        </a:xfrm>
-      </p:grpSpPr>
-      <p:sp>
-        <p:nvSpPr>
-          <p:cNvPr id="2" name="Titolo 1"/>
-          <p:cNvSpPr>
-            <a:spLocks noGrp="1"/>
-          </p:cNvSpPr>
-          <p:nvPr>
-            <p:ph type="title"/>
-          </p:nvPr>
-        </p:nvSpPr>
-        <p:spPr/>
-        <p:txBody>
-          <a:bodyPr/>
-          <a:lstStyle/>
-          <a:p>
-            <a:r>
-              <a:rPr lang="it-IT" dirty="0"/>
-              <a:t>Query </a:t>
-            </a:r>
-            <a:r>
-              <a:rPr lang="it-IT" dirty="0" err="1"/>
-              <a:t>language</a:t>
-            </a:r>
-            <a:r>
-              <a:rPr lang="it-IT" dirty="0"/>
-              <a:t>: </a:t>
-            </a:r>
-            <a:r>
-              <a:rPr lang="it-IT" dirty="0" err="1"/>
-              <a:t>Cypher</a:t>
-            </a:r>
-            <a:endParaRPr lang="it-IT" dirty="0"/>
-          </a:p>
-        </p:txBody>
-      </p:sp>
-      <p:sp>
-        <p:nvSpPr>
-          <p:cNvPr id="3" name="Segnaposto contenuto 2"/>
-          <p:cNvSpPr>
-            <a:spLocks noGrp="1"/>
-          </p:cNvSpPr>
-          <p:nvPr>
-            <p:ph idx="1"/>
-          </p:nvPr>
-        </p:nvSpPr>
-        <p:spPr/>
-        <p:txBody>
-          <a:bodyPr/>
-          <a:lstStyle/>
-          <a:p>
-            <a:r>
-              <a:rPr lang="it-IT" dirty="0"/>
-              <a:t>Due clausole principali: </a:t>
-            </a:r>
-            <a:r>
-              <a:rPr lang="it-IT" b="1" dirty="0"/>
-              <a:t>match</a:t>
-            </a:r>
-            <a:r>
-              <a:rPr lang="it-IT" dirty="0"/>
-              <a:t> e </a:t>
-            </a:r>
-            <a:r>
-              <a:rPr lang="it-IT" b="1" dirty="0" err="1"/>
-              <a:t>return</a:t>
-            </a:r>
-            <a:endParaRPr lang="it-IT" b="1" dirty="0"/>
-          </a:p>
-          <a:p>
-            <a:r>
-              <a:rPr lang="it-IT" dirty="0"/>
-              <a:t>Match</a:t>
-            </a:r>
-          </a:p>
-          <a:p>
-            <a:pPr lvl="1"/>
-            <a:r>
-              <a:rPr lang="it-IT" dirty="0"/>
-              <a:t>Clausola primaria per estrapolare dati</a:t>
-            </a:r>
-          </a:p>
-          <a:p>
-            <a:pPr lvl="1"/>
-            <a:r>
-              <a:rPr lang="it-IT" dirty="0"/>
-              <a:t>Permette di specificare dei pattern</a:t>
-            </a:r>
-          </a:p>
-          <a:p>
-            <a:pPr lvl="1"/>
-            <a:r>
-              <a:rPr lang="it-IT" dirty="0"/>
-              <a:t>Possibile utilizzare più clausole di match</a:t>
-            </a:r>
-          </a:p>
-          <a:p>
-            <a:pPr lvl="1"/>
-            <a:r>
-              <a:rPr lang="it-IT" dirty="0"/>
-              <a:t>Corrisponde (più o meno) alla combinazione di WHERE e JOIN in SQL</a:t>
-            </a:r>
-          </a:p>
-          <a:p>
-            <a:r>
-              <a:rPr lang="it-IT" dirty="0"/>
-              <a:t>Return</a:t>
-            </a:r>
-          </a:p>
-          <a:p>
-            <a:pPr lvl="1"/>
-            <a:r>
-              <a:rPr lang="it-IT" dirty="0"/>
-              <a:t>Clausola per indicare i dati da restituire (nodi, archi, proprietà, espressioni)</a:t>
-            </a:r>
-          </a:p>
-          <a:p>
-            <a:pPr lvl="1"/>
-            <a:r>
-              <a:rPr lang="it-IT" dirty="0"/>
-              <a:t>Un’unica clausola per </a:t>
-            </a:r>
-            <a:r>
-              <a:rPr lang="it-IT" dirty="0" err="1"/>
-              <a:t>query</a:t>
-            </a:r>
-            <a:endParaRPr lang="it-IT" dirty="0"/>
-          </a:p>
-          <a:p>
-            <a:pPr lvl="1"/>
-            <a:r>
-              <a:rPr lang="it-IT" dirty="0"/>
-              <a:t>Corrisponde alla SELECT in SQL</a:t>
-            </a:r>
-          </a:p>
-        </p:txBody>
-      </p:sp>
-      <p:sp>
-        <p:nvSpPr>
-          <p:cNvPr id="4" name="Segnaposto numero diapositiva 3"/>
-          <p:cNvSpPr>
-            <a:spLocks noGrp="1"/>
-          </p:cNvSpPr>
-          <p:nvPr>
-            <p:ph type="sldNum" sz="quarter" idx="12"/>
-          </p:nvPr>
-        </p:nvSpPr>
-        <p:spPr/>
-        <p:txBody>
-          <a:bodyPr/>
-          <a:lstStyle/>
-          <a:p>
-            <a:fld id="{629637A9-119A-49DA-BD12-AAC58B377D80}" type="slidenum">
-              <a:rPr lang="en-US" smtClean="0"/>
-              <a:t>9</a:t>
-            </a:fld>
-            <a:endParaRPr lang="en-US" dirty="0"/>
-          </a:p>
-        </p:txBody>
-      </p:sp>
-    </p:spTree>
-    <p:extLst>
-      <p:ext uri="{BB962C8B-B14F-4D97-AF65-F5344CB8AC3E}">
-        <p14:creationId xmlns:p14="http://schemas.microsoft.com/office/powerpoint/2010/main" val="201265747"/>
       </p:ext>
     </p:extLst>
   </p:cSld>

--- a/slides/04 - E4 - Neo4j.pptx
+++ b/slides/04 - E4 - Neo4j.pptx
@@ -7165,6 +7165,13 @@
               <a:t>http://127.0.0.1:7474/</a:t>
             </a:r>
             <a:endParaRPr lang="it-IT" dirty="0"/>
+          </a:p>
+          <a:p>
+            <a:pPr lvl="2"/>
+            <a:r>
+              <a:rPr lang="it-IT"/>
+              <a:t>Database: neo4j</a:t>
+            </a:r>
           </a:p>
           <a:p>
             <a:pPr lvl="2"/>

--- a/slides/04 - E4 - Neo4j.pptx
+++ b/slides/04 - E4 - Neo4j.pptx
@@ -229,7 +229,7 @@
           <a:p>
             <a:fld id="{8C81D565-392B-4AB9-9647-420EF17AA3FC}" type="datetimeFigureOut">
               <a:rPr lang="it-IT" smtClean="0"/>
-              <a:t>16/02/2022</a:t>
+              <a:t>23/02/2022</a:t>
             </a:fld>
             <a:endParaRPr lang="it-IT" dirty="0"/>
           </a:p>
@@ -815,7 +815,7 @@
           <a:p>
             <a:fld id="{65061730-2F0F-4B55-83F4-33856D80FFD7}" type="datetime1">
               <a:rPr lang="en-US" smtClean="0"/>
-              <a:t>2/16/2022</a:t>
+              <a:t>2/23/2022</a:t>
             </a:fld>
             <a:endParaRPr lang="en-US" dirty="0"/>
           </a:p>
@@ -1023,7 +1023,7 @@
           <a:p>
             <a:fld id="{BE1035D6-F845-4530-B289-DD4EC9CAE501}" type="datetime1">
               <a:rPr lang="en-US" smtClean="0"/>
-              <a:t>2/16/2022</a:t>
+              <a:t>2/23/2022</a:t>
             </a:fld>
             <a:endParaRPr lang="en-US" dirty="0"/>
           </a:p>
@@ -1279,7 +1279,7 @@
           <a:p>
             <a:fld id="{EDD3DE46-844C-40F1-AAA7-78AD6518D44C}" type="datetime1">
               <a:rPr lang="en-US" smtClean="0"/>
-              <a:t>2/16/2022</a:t>
+              <a:t>2/23/2022</a:t>
             </a:fld>
             <a:endParaRPr lang="en-US" dirty="0"/>
           </a:p>
@@ -1451,7 +1451,7 @@
           <a:p>
             <a:fld id="{1FCF7768-7A83-43C9-9C3D-95CD5F68D7E2}" type="datetime1">
               <a:rPr lang="en-US" smtClean="0"/>
-              <a:t>2/16/2022</a:t>
+              <a:t>2/23/2022</a:t>
             </a:fld>
             <a:endParaRPr lang="en-US" dirty="0"/>
           </a:p>
@@ -1794,7 +1794,7 @@
           <a:p>
             <a:fld id="{58DD30C4-1715-4BC2-976F-EF7BA4DC70B4}" type="datetime1">
               <a:rPr lang="en-US" smtClean="0"/>
-              <a:t>2/16/2022</a:t>
+              <a:t>2/23/2022</a:t>
             </a:fld>
             <a:endParaRPr lang="en-US" dirty="0"/>
           </a:p>
@@ -2069,7 +2069,7 @@
           <a:p>
             <a:fld id="{E92CF10C-564E-48D4-BE3A-05BB93A7F107}" type="datetime1">
               <a:rPr lang="en-US" smtClean="0"/>
-              <a:t>2/16/2022</a:t>
+              <a:t>2/23/2022</a:t>
             </a:fld>
             <a:endParaRPr lang="en-US" dirty="0"/>
           </a:p>
@@ -2448,7 +2448,7 @@
           <a:p>
             <a:fld id="{CEF5B9DB-33AD-46E7-ADFD-C52815BFEA09}" type="datetime1">
               <a:rPr lang="en-US" smtClean="0"/>
-              <a:t>2/16/2022</a:t>
+              <a:t>2/23/2022</a:t>
             </a:fld>
             <a:endParaRPr lang="en-US" dirty="0"/>
           </a:p>
@@ -2566,7 +2566,7 @@
           <a:p>
             <a:fld id="{EFC02824-932F-46A1-8D0D-D52979BEE663}" type="datetime1">
               <a:rPr lang="en-US" smtClean="0"/>
-              <a:t>2/16/2022</a:t>
+              <a:t>2/23/2022</a:t>
             </a:fld>
             <a:endParaRPr lang="en-US" dirty="0"/>
           </a:p>
@@ -2737,7 +2737,7 @@
           <a:p>
             <a:fld id="{36233CB2-1968-4F08-9AB4-83693145DE18}" type="datetime1">
               <a:rPr lang="en-US" smtClean="0"/>
-              <a:t>2/16/2022</a:t>
+              <a:t>2/23/2022</a:t>
             </a:fld>
             <a:endParaRPr lang="en-US" dirty="0"/>
           </a:p>
@@ -3092,7 +3092,7 @@
           <a:p>
             <a:fld id="{F8F6D7E5-1322-4764-A2E4-7B71FFFDE726}" type="datetime1">
               <a:rPr lang="en-US" smtClean="0"/>
-              <a:t>2/16/2022</a:t>
+              <a:t>2/23/2022</a:t>
             </a:fld>
             <a:endParaRPr lang="en-US" dirty="0"/>
           </a:p>
@@ -3470,7 +3470,7 @@
           <a:p>
             <a:fld id="{E26D0A1A-929F-4DC6-9A8A-74A15252C912}" type="datetime1">
               <a:rPr lang="en-US" smtClean="0"/>
-              <a:t>2/16/2022</a:t>
+              <a:t>2/23/2022</a:t>
             </a:fld>
             <a:endParaRPr lang="en-US" dirty="0"/>
           </a:p>
@@ -3757,7 +3757,7 @@
           <a:p>
             <a:fld id="{EDD3DE46-844C-40F1-AAA7-78AD6518D44C}" type="datetime1">
               <a:rPr lang="en-US" smtClean="0"/>
-              <a:t>2/16/2022</a:t>
+              <a:t>2/23/2022</a:t>
             </a:fld>
             <a:endParaRPr lang="en-US" dirty="0"/>
           </a:p>
